--- a/template_library/available/Emerald Headline Template.pptx
+++ b/template_library/available/Emerald Headline Template.pptx
@@ -1,26 +1,27 @@
 
 <file path=ppt/presentation.xml><?xml version="1.0" encoding="utf-8"?>
-<p:presentation xmlns:a="http://schemas.openxmlformats.org/drawingml/2006/main" xmlns:r="http://schemas.openxmlformats.org/officeDocument/2006/relationships" xmlns:p="http://schemas.openxmlformats.org/presentationml/2006/main" saveSubsetFonts="1" embedTrueTypeFonts="true">
+<p:presentation xmlns:a="http://schemas.openxmlformats.org/drawingml/2006/main" xmlns:r="http://schemas.openxmlformats.org/officeDocument/2006/relationships" xmlns:p="http://schemas.openxmlformats.org/presentationml/2006/main" embedTrueTypeFonts="1" saveSubsetFonts="1">
   <p:sldMasterIdLst>
     <p:sldMasterId id="2147483648" r:id="rId1"/>
   </p:sldMasterIdLst>
   <p:sldIdLst>
-    <p:sldId id="256" r:id="rId6"/>
+    <p:sldId id="257" r:id="rId2"/>
   </p:sldIdLst>
   <p:sldSz cx="30276800" cy="42799000"/>
   <p:notesSz cx="6858000" cy="9144000"/>
   <p:embeddedFontLst>
     <p:embeddedFont>
-      <p:font typeface="Poppins Bold" charset="1" panose="00000800000000000000"/>
-      <p:regular r:id="rId7"/>
+      <p:font typeface="Poppins" panose="00000500000000000000" pitchFamily="2" charset="0"/>
+      <p:regular r:id="rId3"/>
+      <p:bold r:id="rId4"/>
     </p:embeddedFont>
     <p:embeddedFont>
-      <p:font typeface="Poppins" charset="1" panose="00000500000000000000"/>
-      <p:regular r:id="rId8"/>
+      <p:font typeface="Poppins Bold" panose="00000800000000000000" charset="0"/>
+      <p:regular r:id="rId5"/>
     </p:embeddedFont>
     <p:embeddedFont>
-      <p:font typeface="Poppins Italics" charset="1" panose="00000500000000000000"/>
-      <p:regular r:id="rId9"/>
+      <p:font typeface="Poppins Italics" panose="020B0604020202020204" charset="0"/>
+      <p:regular r:id="rId6"/>
     </p:embeddedFont>
   </p:embeddedFontLst>
   <p:defaultTextStyle>
@@ -118,11 +119,425 @@
       </a:defRPr>
     </a:lvl9pPr>
   </p:defaultTextStyle>
+  <p:extLst>
+    <p:ext uri="{EFAFB233-063F-42B5-8137-9DF3F51BA10A}">
+      <p15:sldGuideLst xmlns:p15="http://schemas.microsoft.com/office/powerpoint/2012/main">
+        <p15:guide id="1" orient="horz" pos="2160">
+          <p15:clr>
+            <a:srgbClr val="A4A3A4"/>
+          </p15:clr>
+        </p15:guide>
+        <p15:guide id="2" pos="2880">
+          <p15:clr>
+            <a:srgbClr val="A4A3A4"/>
+          </p15:clr>
+        </p15:guide>
+      </p15:sldGuideLst>
+    </p:ext>
+  </p:extLst>
 </p:presentation>
 </file>
 
+<file path=ppt/revisionInfo.xml><?xml version="1.0" encoding="utf-8"?>
+<p1510:revInfo xmlns:a="http://schemas.openxmlformats.org/drawingml/2006/main" xmlns:r="http://schemas.openxmlformats.org/officeDocument/2006/relationships" xmlns:p1510="http://schemas.microsoft.com/office/powerpoint/2015/10/main">
+  <p1510:revLst>
+    <p1510:client id="{10E5D563-9089-4D39-A03E-763A6269CD7F}" v="22" dt="2025-07-24T13:40:54.544"/>
+  </p1510:revLst>
+</p1510:revInfo>
+</file>
+
+<file path=ppt/changesInfos/changesInfo1.xml><?xml version="1.0" encoding="utf-8"?>
+<pc:chgInfo xmlns:a="http://schemas.openxmlformats.org/drawingml/2006/main" xmlns:r="http://schemas.openxmlformats.org/officeDocument/2006/relationships" xmlns:ac="http://schemas.microsoft.com/office/drawing/2013/main/command" xmlns:pc="http://schemas.microsoft.com/office/powerpoint/2013/main/command">
+  <pc:docChgLst>
+    <pc:chgData name="Nathan Skidmore" userId="a2f2a0bbf2c25333" providerId="LiveId" clId="{10E5D563-9089-4D39-A03E-763A6269CD7F}"/>
+    <pc:docChg chg="undo custSel addSld delSld modSld modMainMaster">
+      <pc:chgData name="Nathan Skidmore" userId="a2f2a0bbf2c25333" providerId="LiveId" clId="{10E5D563-9089-4D39-A03E-763A6269CD7F}" dt="2025-07-24T13:54:00.390" v="85" actId="1076"/>
+      <pc:docMkLst>
+        <pc:docMk/>
+      </pc:docMkLst>
+      <pc:sldChg chg="del">
+        <pc:chgData name="Nathan Skidmore" userId="a2f2a0bbf2c25333" providerId="LiveId" clId="{10E5D563-9089-4D39-A03E-763A6269CD7F}" dt="2025-07-24T13:38:47.232" v="68" actId="47"/>
+        <pc:sldMkLst>
+          <pc:docMk/>
+          <pc:sldMk cId="0" sldId="256"/>
+        </pc:sldMkLst>
+      </pc:sldChg>
+      <pc:sldChg chg="addSp modSp new mod">
+        <pc:chgData name="Nathan Skidmore" userId="a2f2a0bbf2c25333" providerId="LiveId" clId="{10E5D563-9089-4D39-A03E-763A6269CD7F}" dt="2025-07-24T13:54:00.390" v="85" actId="1076"/>
+        <pc:sldMkLst>
+          <pc:docMk/>
+          <pc:sldMk cId="1798023960" sldId="257"/>
+        </pc:sldMkLst>
+        <pc:spChg chg="mod ord">
+          <ac:chgData name="Nathan Skidmore" userId="a2f2a0bbf2c25333" providerId="LiveId" clId="{10E5D563-9089-4D39-A03E-763A6269CD7F}" dt="2025-07-24T13:40:34.583" v="79" actId="962"/>
+          <ac:spMkLst>
+            <pc:docMk/>
+            <pc:sldMk cId="1798023960" sldId="257"/>
+            <ac:spMk id="2" creationId="{4838B9C1-04CD-24D0-D0A6-0F4A869091E5}"/>
+          </ac:spMkLst>
+        </pc:spChg>
+        <pc:spChg chg="mod ord">
+          <ac:chgData name="Nathan Skidmore" userId="a2f2a0bbf2c25333" providerId="LiveId" clId="{10E5D563-9089-4D39-A03E-763A6269CD7F}" dt="2025-07-24T13:40:39.503" v="80" actId="962"/>
+          <ac:spMkLst>
+            <pc:docMk/>
+            <pc:sldMk cId="1798023960" sldId="257"/>
+            <ac:spMk id="3" creationId="{937AAA0E-14E0-A021-5CFC-31D5262F6E42}"/>
+          </ac:spMkLst>
+        </pc:spChg>
+        <pc:spChg chg="mod ord">
+          <ac:chgData name="Nathan Skidmore" userId="a2f2a0bbf2c25333" providerId="LiveId" clId="{10E5D563-9089-4D39-A03E-763A6269CD7F}" dt="2025-07-24T13:40:31.213" v="78" actId="962"/>
+          <ac:spMkLst>
+            <pc:docMk/>
+            <pc:sldMk cId="1798023960" sldId="257"/>
+            <ac:spMk id="4" creationId="{F938ECDB-1C68-F462-336A-3B2CDC49FE9B}"/>
+          </ac:spMkLst>
+        </pc:spChg>
+        <pc:spChg chg="mod">
+          <ac:chgData name="Nathan Skidmore" userId="a2f2a0bbf2c25333" providerId="LiveId" clId="{10E5D563-9089-4D39-A03E-763A6269CD7F}" dt="2025-07-24T13:36:18.159" v="5"/>
+          <ac:spMkLst>
+            <pc:docMk/>
+            <pc:sldMk cId="1798023960" sldId="257"/>
+            <ac:spMk id="9" creationId="{79C3BE73-4CA2-B5E1-9296-045D1479E87E}"/>
+          </ac:spMkLst>
+        </pc:spChg>
+        <pc:spChg chg="add mod">
+          <ac:chgData name="Nathan Skidmore" userId="a2f2a0bbf2c25333" providerId="LiveId" clId="{10E5D563-9089-4D39-A03E-763A6269CD7F}" dt="2025-07-24T13:36:18.159" v="5"/>
+          <ac:spMkLst>
+            <pc:docMk/>
+            <pc:sldMk cId="1798023960" sldId="257"/>
+            <ac:spMk id="11" creationId="{1CA51C12-4CB5-28A7-1CCA-EA88672A9B8F}"/>
+          </ac:spMkLst>
+        </pc:spChg>
+        <pc:spChg chg="add mod">
+          <ac:chgData name="Nathan Skidmore" userId="a2f2a0bbf2c25333" providerId="LiveId" clId="{10E5D563-9089-4D39-A03E-763A6269CD7F}" dt="2025-07-24T13:36:18.159" v="5"/>
+          <ac:spMkLst>
+            <pc:docMk/>
+            <pc:sldMk cId="1798023960" sldId="257"/>
+            <ac:spMk id="12" creationId="{4C120F4F-AEF5-C3E3-57FF-9BE6FE611800}"/>
+          </ac:spMkLst>
+        </pc:spChg>
+        <pc:spChg chg="mod">
+          <ac:chgData name="Nathan Skidmore" userId="a2f2a0bbf2c25333" providerId="LiveId" clId="{10E5D563-9089-4D39-A03E-763A6269CD7F}" dt="2025-07-24T13:37:54.042" v="24" actId="1076"/>
+          <ac:spMkLst>
+            <pc:docMk/>
+            <pc:sldMk cId="1798023960" sldId="257"/>
+            <ac:spMk id="13" creationId="{A79D87FC-3385-E81F-12A6-E819884B8C5F}"/>
+          </ac:spMkLst>
+        </pc:spChg>
+        <pc:spChg chg="mod">
+          <ac:chgData name="Nathan Skidmore" userId="a2f2a0bbf2c25333" providerId="LiveId" clId="{10E5D563-9089-4D39-A03E-763A6269CD7F}" dt="2025-07-24T13:53:56.731" v="84" actId="1076"/>
+          <ac:spMkLst>
+            <pc:docMk/>
+            <pc:sldMk cId="1798023960" sldId="257"/>
+            <ac:spMk id="14" creationId="{B8579419-9FC9-26B4-DB1B-AA01C8B690A1}"/>
+          </ac:spMkLst>
+        </pc:spChg>
+        <pc:spChg chg="mod">
+          <ac:chgData name="Nathan Skidmore" userId="a2f2a0bbf2c25333" providerId="LiveId" clId="{10E5D563-9089-4D39-A03E-763A6269CD7F}" dt="2025-07-24T13:37:54.042" v="24" actId="1076"/>
+          <ac:spMkLst>
+            <pc:docMk/>
+            <pc:sldMk cId="1798023960" sldId="257"/>
+            <ac:spMk id="15" creationId="{2FF7C36A-FEB8-1927-DBB1-3BCBE7212ECB}"/>
+          </ac:spMkLst>
+        </pc:spChg>
+        <pc:spChg chg="add mod">
+          <ac:chgData name="Nathan Skidmore" userId="a2f2a0bbf2c25333" providerId="LiveId" clId="{10E5D563-9089-4D39-A03E-763A6269CD7F}" dt="2025-07-24T13:54:00.390" v="85" actId="1076"/>
+          <ac:spMkLst>
+            <pc:docMk/>
+            <pc:sldMk cId="1798023960" sldId="257"/>
+            <ac:spMk id="17" creationId="{8BCC6EC3-B610-E6D9-237B-D00FD4554933}"/>
+          </ac:spMkLst>
+        </pc:spChg>
+        <pc:spChg chg="mod">
+          <ac:chgData name="Nathan Skidmore" userId="a2f2a0bbf2c25333" providerId="LiveId" clId="{10E5D563-9089-4D39-A03E-763A6269CD7F}" dt="2025-07-24T13:38:59.770" v="69" actId="962"/>
+          <ac:spMkLst>
+            <pc:docMk/>
+            <pc:sldMk cId="1798023960" sldId="257"/>
+            <ac:spMk id="19" creationId="{CE0BE428-44DE-F17B-5C7F-04AF0BB9B5B2}"/>
+          </ac:spMkLst>
+        </pc:spChg>
+        <pc:spChg chg="mod">
+          <ac:chgData name="Nathan Skidmore" userId="a2f2a0bbf2c25333" providerId="LiveId" clId="{10E5D563-9089-4D39-A03E-763A6269CD7F}" dt="2025-07-24T13:39:06.429" v="70" actId="962"/>
+          <ac:spMkLst>
+            <pc:docMk/>
+            <pc:sldMk cId="1798023960" sldId="257"/>
+            <ac:spMk id="20" creationId="{92D9152C-D8AB-9AC7-937B-DEEAAFECA52F}"/>
+          </ac:spMkLst>
+        </pc:spChg>
+        <pc:spChg chg="mod">
+          <ac:chgData name="Nathan Skidmore" userId="a2f2a0bbf2c25333" providerId="LiveId" clId="{10E5D563-9089-4D39-A03E-763A6269CD7F}" dt="2025-07-24T13:39:13.765" v="71" actId="962"/>
+          <ac:spMkLst>
+            <pc:docMk/>
+            <pc:sldMk cId="1798023960" sldId="257"/>
+            <ac:spMk id="21" creationId="{FC005DA1-8115-06F4-30F1-9BFDD3DD6E9C}"/>
+          </ac:spMkLst>
+        </pc:spChg>
+        <pc:spChg chg="add mod">
+          <ac:chgData name="Nathan Skidmore" userId="a2f2a0bbf2c25333" providerId="LiveId" clId="{10E5D563-9089-4D39-A03E-763A6269CD7F}" dt="2025-07-24T13:39:24.615" v="72" actId="962"/>
+          <ac:spMkLst>
+            <pc:docMk/>
+            <pc:sldMk cId="1798023960" sldId="257"/>
+            <ac:spMk id="22" creationId="{E65BFFD2-A44E-A699-D5A6-5E228B76316A}"/>
+          </ac:spMkLst>
+        </pc:spChg>
+        <pc:spChg chg="mod">
+          <ac:chgData name="Nathan Skidmore" userId="a2f2a0bbf2c25333" providerId="LiveId" clId="{10E5D563-9089-4D39-A03E-763A6269CD7F}" dt="2025-07-24T13:37:54.042" v="24" actId="1076"/>
+          <ac:spMkLst>
+            <pc:docMk/>
+            <pc:sldMk cId="1798023960" sldId="257"/>
+            <ac:spMk id="23" creationId="{CD8BF58C-D013-8C1E-5E2D-B45E294CC21F}"/>
+          </ac:spMkLst>
+        </pc:spChg>
+        <pc:spChg chg="add mod">
+          <ac:chgData name="Nathan Skidmore" userId="a2f2a0bbf2c25333" providerId="LiveId" clId="{10E5D563-9089-4D39-A03E-763A6269CD7F}" dt="2025-07-24T13:53:56.731" v="84" actId="1076"/>
+          <ac:spMkLst>
+            <pc:docMk/>
+            <pc:sldMk cId="1798023960" sldId="257"/>
+            <ac:spMk id="24" creationId="{C5DD719B-815D-EABE-D6CD-B9DA910477E5}"/>
+          </ac:spMkLst>
+        </pc:spChg>
+        <pc:spChg chg="mod">
+          <ac:chgData name="Nathan Skidmore" userId="a2f2a0bbf2c25333" providerId="LiveId" clId="{10E5D563-9089-4D39-A03E-763A6269CD7F}" dt="2025-07-24T13:37:54.042" v="24" actId="1076"/>
+          <ac:spMkLst>
+            <pc:docMk/>
+            <pc:sldMk cId="1798023960" sldId="257"/>
+            <ac:spMk id="25" creationId="{D957E313-28DC-1C42-DB32-8E72714BAE3F}"/>
+          </ac:spMkLst>
+        </pc:spChg>
+        <pc:spChg chg="add mod">
+          <ac:chgData name="Nathan Skidmore" userId="a2f2a0bbf2c25333" providerId="LiveId" clId="{10E5D563-9089-4D39-A03E-763A6269CD7F}" dt="2025-07-24T13:39:32.841" v="73" actId="962"/>
+          <ac:spMkLst>
+            <pc:docMk/>
+            <pc:sldMk cId="1798023960" sldId="257"/>
+            <ac:spMk id="28" creationId="{3ED8DE74-66E0-06D8-922F-38EFD5250BEA}"/>
+          </ac:spMkLst>
+        </pc:spChg>
+        <pc:spChg chg="mod">
+          <ac:chgData name="Nathan Skidmore" userId="a2f2a0bbf2c25333" providerId="LiveId" clId="{10E5D563-9089-4D39-A03E-763A6269CD7F}" dt="2025-07-24T13:53:56.731" v="84" actId="1076"/>
+          <ac:spMkLst>
+            <pc:docMk/>
+            <pc:sldMk cId="1798023960" sldId="257"/>
+            <ac:spMk id="29" creationId="{A23F1513-7181-DF8E-BEC3-46FDBD8F0D0F}"/>
+          </ac:spMkLst>
+        </pc:spChg>
+        <pc:spChg chg="mod">
+          <ac:chgData name="Nathan Skidmore" userId="a2f2a0bbf2c25333" providerId="LiveId" clId="{10E5D563-9089-4D39-A03E-763A6269CD7F}" dt="2025-07-24T13:39:58.765" v="75" actId="962"/>
+          <ac:spMkLst>
+            <pc:docMk/>
+            <pc:sldMk cId="1798023960" sldId="257"/>
+            <ac:spMk id="30" creationId="{72BD78B8-FB08-D7F7-3B9F-C0F52B6E1AA8}"/>
+          </ac:spMkLst>
+        </pc:spChg>
+        <pc:spChg chg="mod">
+          <ac:chgData name="Nathan Skidmore" userId="a2f2a0bbf2c25333" providerId="LiveId" clId="{10E5D563-9089-4D39-A03E-763A6269CD7F}" dt="2025-07-24T13:40:03.890" v="76" actId="962"/>
+          <ac:spMkLst>
+            <pc:docMk/>
+            <pc:sldMk cId="1798023960" sldId="257"/>
+            <ac:spMk id="31" creationId="{9520A660-77E6-9861-1933-F1358464F959}"/>
+          </ac:spMkLst>
+        </pc:spChg>
+        <pc:spChg chg="add mod">
+          <ac:chgData name="Nathan Skidmore" userId="a2f2a0bbf2c25333" providerId="LiveId" clId="{10E5D563-9089-4D39-A03E-763A6269CD7F}" dt="2025-07-24T13:40:10.095" v="77" actId="962"/>
+          <ac:spMkLst>
+            <pc:docMk/>
+            <pc:sldMk cId="1798023960" sldId="257"/>
+            <ac:spMk id="32" creationId="{3FFCC5C7-AA63-6889-7E42-E0555F9607FB}"/>
+          </ac:spMkLst>
+        </pc:spChg>
+        <pc:spChg chg="mod">
+          <ac:chgData name="Nathan Skidmore" userId="a2f2a0bbf2c25333" providerId="LiveId" clId="{10E5D563-9089-4D39-A03E-763A6269CD7F}" dt="2025-07-24T13:54:00.390" v="85" actId="1076"/>
+          <ac:spMkLst>
+            <pc:docMk/>
+            <pc:sldMk cId="1798023960" sldId="257"/>
+            <ac:spMk id="33" creationId="{A417F81B-7329-E44B-C438-3CAA1864F65A}"/>
+          </ac:spMkLst>
+        </pc:spChg>
+        <pc:spChg chg="add mod">
+          <ac:chgData name="Nathan Skidmore" userId="a2f2a0bbf2c25333" providerId="LiveId" clId="{10E5D563-9089-4D39-A03E-763A6269CD7F}" dt="2025-07-24T13:54:00.390" v="85" actId="1076"/>
+          <ac:spMkLst>
+            <pc:docMk/>
+            <pc:sldMk cId="1798023960" sldId="257"/>
+            <ac:spMk id="34" creationId="{14BAEC60-FF5F-0B3F-89E9-7B41087442DA}"/>
+          </ac:spMkLst>
+        </pc:spChg>
+        <pc:spChg chg="mod">
+          <ac:chgData name="Nathan Skidmore" userId="a2f2a0bbf2c25333" providerId="LiveId" clId="{10E5D563-9089-4D39-A03E-763A6269CD7F}" dt="2025-07-24T13:54:00.390" v="85" actId="1076"/>
+          <ac:spMkLst>
+            <pc:docMk/>
+            <pc:sldMk cId="1798023960" sldId="257"/>
+            <ac:spMk id="35" creationId="{2F7B52FB-5549-1528-64C3-E12C841CDF06}"/>
+          </ac:spMkLst>
+        </pc:spChg>
+        <pc:spChg chg="mod">
+          <ac:chgData name="Nathan Skidmore" userId="a2f2a0bbf2c25333" providerId="LiveId" clId="{10E5D563-9089-4D39-A03E-763A6269CD7F}" dt="2025-07-24T13:54:00.390" v="85" actId="1076"/>
+          <ac:spMkLst>
+            <pc:docMk/>
+            <pc:sldMk cId="1798023960" sldId="257"/>
+            <ac:spMk id="36" creationId="{44CD75D3-DE10-DBCE-803A-61B77C7A9B15}"/>
+          </ac:spMkLst>
+        </pc:spChg>
+        <pc:spChg chg="add mod">
+          <ac:chgData name="Nathan Skidmore" userId="a2f2a0bbf2c25333" providerId="LiveId" clId="{10E5D563-9089-4D39-A03E-763A6269CD7F}" dt="2025-07-24T13:54:00.390" v="85" actId="1076"/>
+          <ac:spMkLst>
+            <pc:docMk/>
+            <pc:sldMk cId="1798023960" sldId="257"/>
+            <ac:spMk id="37" creationId="{EAF0A73D-DD74-F323-4769-29710B53F9BA}"/>
+          </ac:spMkLst>
+        </pc:spChg>
+        <pc:spChg chg="mod">
+          <ac:chgData name="Nathan Skidmore" userId="a2f2a0bbf2c25333" providerId="LiveId" clId="{10E5D563-9089-4D39-A03E-763A6269CD7F}" dt="2025-07-24T13:54:00.390" v="85" actId="1076"/>
+          <ac:spMkLst>
+            <pc:docMk/>
+            <pc:sldMk cId="1798023960" sldId="257"/>
+            <ac:spMk id="38" creationId="{FB2EC0F7-A451-5AB9-E6C0-811F5BEA2276}"/>
+          </ac:spMkLst>
+        </pc:spChg>
+        <pc:spChg chg="add mod">
+          <ac:chgData name="Nathan Skidmore" userId="a2f2a0bbf2c25333" providerId="LiveId" clId="{10E5D563-9089-4D39-A03E-763A6269CD7F}" dt="2025-07-24T13:40:48.299" v="81" actId="962"/>
+          <ac:spMkLst>
+            <pc:docMk/>
+            <pc:sldMk cId="1798023960" sldId="257"/>
+            <ac:spMk id="39" creationId="{1923E0B3-E3DC-BFAF-007A-43C15D04926B}"/>
+          </ac:spMkLst>
+        </pc:spChg>
+        <pc:spChg chg="add mod">
+          <ac:chgData name="Nathan Skidmore" userId="a2f2a0bbf2c25333" providerId="LiveId" clId="{10E5D563-9089-4D39-A03E-763A6269CD7F}" dt="2025-07-24T13:40:51.682" v="82" actId="962"/>
+          <ac:spMkLst>
+            <pc:docMk/>
+            <pc:sldMk cId="1798023960" sldId="257"/>
+            <ac:spMk id="40" creationId="{10061D9C-5D5D-5EDC-2B61-668E3986DB63}"/>
+          </ac:spMkLst>
+        </pc:spChg>
+        <pc:spChg chg="add mod">
+          <ac:chgData name="Nathan Skidmore" userId="a2f2a0bbf2c25333" providerId="LiveId" clId="{10E5D563-9089-4D39-A03E-763A6269CD7F}" dt="2025-07-24T13:40:54.544" v="83" actId="962"/>
+          <ac:spMkLst>
+            <pc:docMk/>
+            <pc:sldMk cId="1798023960" sldId="257"/>
+            <ac:spMk id="41" creationId="{4EA952B5-345A-6630-1AB1-3071935F4528}"/>
+          </ac:spMkLst>
+        </pc:spChg>
+      </pc:sldChg>
+      <pc:sldMasterChg chg="modSldLayout">
+        <pc:chgData name="Nathan Skidmore" userId="a2f2a0bbf2c25333" providerId="LiveId" clId="{10E5D563-9089-4D39-A03E-763A6269CD7F}" dt="2025-07-24T13:36:11.573" v="3" actId="11529"/>
+        <pc:sldMasterMkLst>
+          <pc:docMk/>
+          <pc:sldMasterMk cId="0" sldId="2147483648"/>
+        </pc:sldMasterMkLst>
+        <pc:sldLayoutChg chg="addSp delSp modSp mod">
+          <pc:chgData name="Nathan Skidmore" userId="a2f2a0bbf2c25333" providerId="LiveId" clId="{10E5D563-9089-4D39-A03E-763A6269CD7F}" dt="2025-07-24T13:36:11.573" v="3" actId="11529"/>
+          <pc:sldLayoutMkLst>
+            <pc:docMk/>
+            <pc:sldMasterMk cId="0" sldId="2147483648"/>
+            <pc:sldLayoutMk cId="0" sldId="2147483649"/>
+          </pc:sldLayoutMkLst>
+          <pc:spChg chg="del">
+            <ac:chgData name="Nathan Skidmore" userId="a2f2a0bbf2c25333" providerId="LiveId" clId="{10E5D563-9089-4D39-A03E-763A6269CD7F}" dt="2025-07-24T13:36:04.786" v="0" actId="478"/>
+            <ac:spMkLst>
+              <pc:docMk/>
+              <pc:sldMasterMk cId="0" sldId="2147483648"/>
+              <pc:sldLayoutMk cId="0" sldId="2147483649"/>
+              <ac:spMk id="2" creationId="{00000000-0000-0000-0000-000000000000}"/>
+            </ac:spMkLst>
+          </pc:spChg>
+          <pc:spChg chg="del">
+            <ac:chgData name="Nathan Skidmore" userId="a2f2a0bbf2c25333" providerId="LiveId" clId="{10E5D563-9089-4D39-A03E-763A6269CD7F}" dt="2025-07-24T13:36:04.786" v="0" actId="478"/>
+            <ac:spMkLst>
+              <pc:docMk/>
+              <pc:sldMasterMk cId="0" sldId="2147483648"/>
+              <pc:sldLayoutMk cId="0" sldId="2147483649"/>
+              <ac:spMk id="3" creationId="{00000000-0000-0000-0000-000000000000}"/>
+            </ac:spMkLst>
+          </pc:spChg>
+          <pc:spChg chg="del">
+            <ac:chgData name="Nathan Skidmore" userId="a2f2a0bbf2c25333" providerId="LiveId" clId="{10E5D563-9089-4D39-A03E-763A6269CD7F}" dt="2025-07-24T13:36:04.786" v="0" actId="478"/>
+            <ac:spMkLst>
+              <pc:docMk/>
+              <pc:sldMasterMk cId="0" sldId="2147483648"/>
+              <pc:sldLayoutMk cId="0" sldId="2147483649"/>
+              <ac:spMk id="4" creationId="{00000000-0000-0000-0000-000000000000}"/>
+            </ac:spMkLst>
+          </pc:spChg>
+          <pc:spChg chg="del">
+            <ac:chgData name="Nathan Skidmore" userId="a2f2a0bbf2c25333" providerId="LiveId" clId="{10E5D563-9089-4D39-A03E-763A6269CD7F}" dt="2025-07-24T13:36:04.786" v="0" actId="478"/>
+            <ac:spMkLst>
+              <pc:docMk/>
+              <pc:sldMasterMk cId="0" sldId="2147483648"/>
+              <pc:sldLayoutMk cId="0" sldId="2147483649"/>
+              <ac:spMk id="5" creationId="{00000000-0000-0000-0000-000000000000}"/>
+            </ac:spMkLst>
+          </pc:spChg>
+          <pc:spChg chg="del">
+            <ac:chgData name="Nathan Skidmore" userId="a2f2a0bbf2c25333" providerId="LiveId" clId="{10E5D563-9089-4D39-A03E-763A6269CD7F}" dt="2025-07-24T13:36:04.786" v="0" actId="478"/>
+            <ac:spMkLst>
+              <pc:docMk/>
+              <pc:sldMasterMk cId="0" sldId="2147483648"/>
+              <pc:sldLayoutMk cId="0" sldId="2147483649"/>
+              <ac:spMk id="6" creationId="{00000000-0000-0000-0000-000000000000}"/>
+            </ac:spMkLst>
+          </pc:spChg>
+          <pc:spChg chg="add del">
+            <ac:chgData name="Nathan Skidmore" userId="a2f2a0bbf2c25333" providerId="LiveId" clId="{10E5D563-9089-4D39-A03E-763A6269CD7F}" dt="2025-07-24T13:36:07.356" v="1" actId="11529"/>
+            <ac:spMkLst>
+              <pc:docMk/>
+              <pc:sldMasterMk cId="0" sldId="2147483648"/>
+              <pc:sldLayoutMk cId="0" sldId="2147483649"/>
+              <ac:spMk id="7" creationId="{61492084-8C8D-A657-F60D-A554598574FC}"/>
+            </ac:spMkLst>
+          </pc:spChg>
+          <pc:spChg chg="add mod">
+            <ac:chgData name="Nathan Skidmore" userId="a2f2a0bbf2c25333" providerId="LiveId" clId="{10E5D563-9089-4D39-A03E-763A6269CD7F}" dt="2025-07-24T13:36:07.356" v="1" actId="11529"/>
+            <ac:spMkLst>
+              <pc:docMk/>
+              <pc:sldMasterMk cId="0" sldId="2147483648"/>
+              <pc:sldLayoutMk cId="0" sldId="2147483649"/>
+              <ac:spMk id="8" creationId="{4B8516D0-4528-2CF8-8219-3CEF8C64B42A}"/>
+            </ac:spMkLst>
+          </pc:spChg>
+          <pc:spChg chg="add del">
+            <ac:chgData name="Nathan Skidmore" userId="a2f2a0bbf2c25333" providerId="LiveId" clId="{10E5D563-9089-4D39-A03E-763A6269CD7F}" dt="2025-07-24T13:36:09.448" v="2" actId="11529"/>
+            <ac:spMkLst>
+              <pc:docMk/>
+              <pc:sldMasterMk cId="0" sldId="2147483648"/>
+              <pc:sldLayoutMk cId="0" sldId="2147483649"/>
+              <ac:spMk id="9" creationId="{095B5D90-DBB2-0D4F-447E-144C16FB9E84}"/>
+            </ac:spMkLst>
+          </pc:spChg>
+          <pc:spChg chg="add mod">
+            <ac:chgData name="Nathan Skidmore" userId="a2f2a0bbf2c25333" providerId="LiveId" clId="{10E5D563-9089-4D39-A03E-763A6269CD7F}" dt="2025-07-24T13:36:09.448" v="2" actId="11529"/>
+            <ac:spMkLst>
+              <pc:docMk/>
+              <pc:sldMasterMk cId="0" sldId="2147483648"/>
+              <pc:sldLayoutMk cId="0" sldId="2147483649"/>
+              <ac:spMk id="10" creationId="{0DA4AE1D-3C2E-233F-C7A7-632BF24D18F2}"/>
+            </ac:spMkLst>
+          </pc:spChg>
+          <pc:spChg chg="add del">
+            <ac:chgData name="Nathan Skidmore" userId="a2f2a0bbf2c25333" providerId="LiveId" clId="{10E5D563-9089-4D39-A03E-763A6269CD7F}" dt="2025-07-24T13:36:11.573" v="3" actId="11529"/>
+            <ac:spMkLst>
+              <pc:docMk/>
+              <pc:sldMasterMk cId="0" sldId="2147483648"/>
+              <pc:sldLayoutMk cId="0" sldId="2147483649"/>
+              <ac:spMk id="11" creationId="{3D34E692-D3DE-C55F-83B1-BCD50186827E}"/>
+            </ac:spMkLst>
+          </pc:spChg>
+          <pc:spChg chg="add mod">
+            <ac:chgData name="Nathan Skidmore" userId="a2f2a0bbf2c25333" providerId="LiveId" clId="{10E5D563-9089-4D39-A03E-763A6269CD7F}" dt="2025-07-24T13:36:11.573" v="3" actId="11529"/>
+            <ac:spMkLst>
+              <pc:docMk/>
+              <pc:sldMasterMk cId="0" sldId="2147483648"/>
+              <pc:sldLayoutMk cId="0" sldId="2147483649"/>
+              <ac:spMk id="12" creationId="{E564540F-3F07-55F6-A721-96ECA1B6FC64}"/>
+            </ac:spMkLst>
+          </pc:spChg>
+        </pc:sldLayoutChg>
+      </pc:sldMasterChg>
+    </pc:docChg>
+  </pc:docChgLst>
+</pc:chgInfo>
+</file>
+
 <file path=ppt/slideLayouts/slideLayout1.xml><?xml version="1.0" encoding="utf-8"?>
-<p:sldLayout xmlns:a="http://schemas.openxmlformats.org/drawingml/2006/main" xmlns:r="http://schemas.openxmlformats.org/officeDocument/2006/relationships" xmlns:p="http://schemas.openxmlformats.org/presentationml/2006/main" type="title" preserve="1">
+<p:sldLayout xmlns:a="http://schemas.openxmlformats.org/drawingml/2006/main" xmlns:r="http://schemas.openxmlformats.org/officeDocument/2006/relationships" xmlns:p="http://schemas.openxmlformats.org/presentationml/2006/main" preserve="1" userDrawn="1">
   <p:cSld name="Title Slide">
     <p:spTree>
       <p:nvGrpSpPr>
@@ -140,215 +555,91 @@
       </p:grpSpPr>
       <p:sp>
         <p:nvSpPr>
-          <p:cNvPr id="2" name="Title 1"/>
+          <p:cNvPr id="8" name="Picture Placeholder 7">
+            <a:extLst>
+              <a:ext uri="{FF2B5EF4-FFF2-40B4-BE49-F238E27FC236}">
+                <a16:creationId xmlns:a16="http://schemas.microsoft.com/office/drawing/2014/main" id="{4B8516D0-4528-2CF8-8219-3CEF8C64B42A}"/>
+              </a:ext>
+            </a:extLst>
+          </p:cNvPr>
           <p:cNvSpPr>
             <a:spLocks noGrp="1"/>
           </p:cNvSpPr>
           <p:nvPr>
-            <p:ph type="ctrTitle"/>
+            <p:ph type="pic" sz="quarter" idx="10"/>
           </p:nvPr>
         </p:nvSpPr>
         <p:spPr>
           <a:xfrm>
-            <a:off x="685800" y="2130425"/>
-            <a:ext cx="7772400" cy="1470025"/>
+            <a:off x="5156200" y="6540500"/>
+            <a:ext cx="8077200" cy="6324600"/>
           </a:xfrm>
         </p:spPr>
         <p:txBody>
           <a:bodyPr/>
           <a:lstStyle/>
           <a:p>
-            <a:r>
-              <a:rPr lang="en-US" smtClean="0"/>
-              <a:t>Click to edit Master title style</a:t>
-            </a:r>
-            <a:endParaRPr lang="en-US"/>
-          </a:p>
-        </p:txBody>
-      </p:sp>
-      <p:sp>
-        <p:nvSpPr>
-          <p:cNvPr id="3" name="Subtitle 2"/>
+            <a:endParaRPr lang="en-GB"/>
+          </a:p>
+        </p:txBody>
+      </p:sp>
+      <p:sp>
+        <p:nvSpPr>
+          <p:cNvPr id="10" name="Picture Placeholder 9">
+            <a:extLst>
+              <a:ext uri="{FF2B5EF4-FFF2-40B4-BE49-F238E27FC236}">
+                <a16:creationId xmlns:a16="http://schemas.microsoft.com/office/drawing/2014/main" id="{0DA4AE1D-3C2E-233F-C7A7-632BF24D18F2}"/>
+              </a:ext>
+            </a:extLst>
+          </p:cNvPr>
           <p:cNvSpPr>
             <a:spLocks noGrp="1"/>
           </p:cNvSpPr>
           <p:nvPr>
-            <p:ph type="subTitle" idx="1"/>
+            <p:ph type="pic" sz="quarter" idx="11"/>
           </p:nvPr>
         </p:nvSpPr>
         <p:spPr>
           <a:xfrm>
-            <a:off x="1371600" y="3886200"/>
-            <a:ext cx="6400800" cy="1752600"/>
+            <a:off x="8356600" y="3035300"/>
+            <a:ext cx="13182600" cy="7239000"/>
           </a:xfrm>
         </p:spPr>
         <p:txBody>
           <a:bodyPr/>
-          <a:lstStyle>
-            <a:lvl1pPr marL="0" indent="0" algn="ctr">
-              <a:buNone/>
-              <a:defRPr>
-                <a:solidFill>
-                  <a:schemeClr val="tx1">
-                    <a:tint val="75000"/>
-                  </a:schemeClr>
-                </a:solidFill>
-              </a:defRPr>
-            </a:lvl1pPr>
-            <a:lvl2pPr marL="457200" indent="0" algn="ctr">
-              <a:buNone/>
-              <a:defRPr>
-                <a:solidFill>
-                  <a:schemeClr val="tx1">
-                    <a:tint val="75000"/>
-                  </a:schemeClr>
-                </a:solidFill>
-              </a:defRPr>
-            </a:lvl2pPr>
-            <a:lvl3pPr marL="914400" indent="0" algn="ctr">
-              <a:buNone/>
-              <a:defRPr>
-                <a:solidFill>
-                  <a:schemeClr val="tx1">
-                    <a:tint val="75000"/>
-                  </a:schemeClr>
-                </a:solidFill>
-              </a:defRPr>
-            </a:lvl3pPr>
-            <a:lvl4pPr marL="1371600" indent="0" algn="ctr">
-              <a:buNone/>
-              <a:defRPr>
-                <a:solidFill>
-                  <a:schemeClr val="tx1">
-                    <a:tint val="75000"/>
-                  </a:schemeClr>
-                </a:solidFill>
-              </a:defRPr>
-            </a:lvl4pPr>
-            <a:lvl5pPr marL="1828800" indent="0" algn="ctr">
-              <a:buNone/>
-              <a:defRPr>
-                <a:solidFill>
-                  <a:schemeClr val="tx1">
-                    <a:tint val="75000"/>
-                  </a:schemeClr>
-                </a:solidFill>
-              </a:defRPr>
-            </a:lvl5pPr>
-            <a:lvl6pPr marL="2286000" indent="0" algn="ctr">
-              <a:buNone/>
-              <a:defRPr>
-                <a:solidFill>
-                  <a:schemeClr val="tx1">
-                    <a:tint val="75000"/>
-                  </a:schemeClr>
-                </a:solidFill>
-              </a:defRPr>
-            </a:lvl6pPr>
-            <a:lvl7pPr marL="2743200" indent="0" algn="ctr">
-              <a:buNone/>
-              <a:defRPr>
-                <a:solidFill>
-                  <a:schemeClr val="tx1">
-                    <a:tint val="75000"/>
-                  </a:schemeClr>
-                </a:solidFill>
-              </a:defRPr>
-            </a:lvl7pPr>
-            <a:lvl8pPr marL="3200400" indent="0" algn="ctr">
-              <a:buNone/>
-              <a:defRPr>
-                <a:solidFill>
-                  <a:schemeClr val="tx1">
-                    <a:tint val="75000"/>
-                  </a:schemeClr>
-                </a:solidFill>
-              </a:defRPr>
-            </a:lvl8pPr>
-            <a:lvl9pPr marL="3657600" indent="0" algn="ctr">
-              <a:buNone/>
-              <a:defRPr>
-                <a:solidFill>
-                  <a:schemeClr val="tx1">
-                    <a:tint val="75000"/>
-                  </a:schemeClr>
-                </a:solidFill>
-              </a:defRPr>
-            </a:lvl9pPr>
-          </a:lstStyle>
-          <a:p>
-            <a:r>
-              <a:rPr lang="en-US" smtClean="0"/>
-              <a:t>Click to edit Master subtitle style</a:t>
-            </a:r>
-            <a:endParaRPr lang="en-US"/>
-          </a:p>
-        </p:txBody>
-      </p:sp>
-      <p:sp>
-        <p:nvSpPr>
-          <p:cNvPr id="4" name="Date Placeholder 3"/>
+          <a:lstStyle/>
+          <a:p>
+            <a:endParaRPr lang="en-GB"/>
+          </a:p>
+        </p:txBody>
+      </p:sp>
+      <p:sp>
+        <p:nvSpPr>
+          <p:cNvPr id="12" name="Picture Placeholder 11">
+            <a:extLst>
+              <a:ext uri="{FF2B5EF4-FFF2-40B4-BE49-F238E27FC236}">
+                <a16:creationId xmlns:a16="http://schemas.microsoft.com/office/drawing/2014/main" id="{E564540F-3F07-55F6-A721-96ECA1B6FC64}"/>
+              </a:ext>
+            </a:extLst>
+          </p:cNvPr>
           <p:cNvSpPr>
             <a:spLocks noGrp="1"/>
           </p:cNvSpPr>
           <p:nvPr>
-            <p:ph type="dt" sz="half" idx="10"/>
+            <p:ph type="pic" sz="quarter" idx="12"/>
           </p:nvPr>
         </p:nvSpPr>
-        <p:spPr/>
+        <p:spPr>
+          <a:xfrm>
+            <a:off x="12700000" y="18808700"/>
+            <a:ext cx="7315200" cy="5867400"/>
+          </a:xfrm>
+        </p:spPr>
         <p:txBody>
           <a:bodyPr/>
           <a:lstStyle/>
           <a:p>
-            <a:fld id="{1D8BD707-D9CF-40AE-B4C6-C98DA3205C09}" type="datetimeFigureOut">
-              <a:rPr lang="en-US" smtClean="0"/>
-              <a:pPr/>
-              <a:t>8/1/2011</a:t>
-            </a:fld>
-            <a:endParaRPr lang="en-US"/>
-          </a:p>
-        </p:txBody>
-      </p:sp>
-      <p:sp>
-        <p:nvSpPr>
-          <p:cNvPr id="5" name="Footer Placeholder 4"/>
-          <p:cNvSpPr>
-            <a:spLocks noGrp="1"/>
-          </p:cNvSpPr>
-          <p:nvPr>
-            <p:ph type="ftr" sz="quarter" idx="11"/>
-          </p:nvPr>
-        </p:nvSpPr>
-        <p:spPr/>
-        <p:txBody>
-          <a:bodyPr/>
-          <a:lstStyle/>
-          <a:p>
-            <a:endParaRPr lang="en-US"/>
-          </a:p>
-        </p:txBody>
-      </p:sp>
-      <p:sp>
-        <p:nvSpPr>
-          <p:cNvPr id="6" name="Slide Number Placeholder 5"/>
-          <p:cNvSpPr>
-            <a:spLocks noGrp="1"/>
-          </p:cNvSpPr>
-          <p:nvPr>
-            <p:ph type="sldNum" sz="quarter" idx="12"/>
-          </p:nvPr>
-        </p:nvSpPr>
-        <p:spPr/>
-        <p:txBody>
-          <a:bodyPr/>
-          <a:lstStyle/>
-          <a:p>
-            <a:fld id="{B6F15528-21DE-4FAA-801E-634DDDAF4B2B}" type="slidenum">
-              <a:rPr lang="en-US" smtClean="0"/>
-              <a:pPr/>
-              <a:t>‹#›</a:t>
-            </a:fld>
-            <a:endParaRPr lang="en-US"/>
+            <a:endParaRPr lang="en-GB"/>
           </a:p>
         </p:txBody>
       </p:sp>
@@ -393,10 +684,9 @@
           <a:lstStyle/>
           <a:p>
             <a:r>
-              <a:rPr lang="en-US" smtClean="0"/>
+              <a:rPr lang="en-US"/>
               <a:t>Click to edit Master title style</a:t>
             </a:r>
-            <a:endParaRPr lang="en-US"/>
           </a:p>
         </p:txBody>
       </p:sp>
@@ -417,38 +707,37 @@
           <a:p>
             <a:pPr lvl="0"/>
             <a:r>
-              <a:rPr lang="en-US" smtClean="0"/>
+              <a:rPr lang="en-US"/>
               <a:t>Click to edit Master text styles</a:t>
             </a:r>
           </a:p>
           <a:p>
             <a:pPr lvl="1"/>
             <a:r>
-              <a:rPr lang="en-US" smtClean="0"/>
+              <a:rPr lang="en-US"/>
               <a:t>Second level</a:t>
             </a:r>
           </a:p>
           <a:p>
             <a:pPr lvl="2"/>
             <a:r>
-              <a:rPr lang="en-US" smtClean="0"/>
+              <a:rPr lang="en-US"/>
               <a:t>Third level</a:t>
             </a:r>
           </a:p>
           <a:p>
             <a:pPr lvl="3"/>
             <a:r>
-              <a:rPr lang="en-US" smtClean="0"/>
+              <a:rPr lang="en-US"/>
               <a:t>Fourth level</a:t>
             </a:r>
           </a:p>
           <a:p>
             <a:pPr lvl="4"/>
             <a:r>
-              <a:rPr lang="en-US" smtClean="0"/>
+              <a:rPr lang="en-US"/>
               <a:t>Fifth level</a:t>
             </a:r>
-            <a:endParaRPr lang="en-US"/>
           </a:p>
         </p:txBody>
       </p:sp>
@@ -470,7 +759,7 @@
             <a:fld id="{1D8BD707-D9CF-40AE-B4C6-C98DA3205C09}" type="datetimeFigureOut">
               <a:rPr lang="en-US" smtClean="0"/>
               <a:pPr/>
-              <a:t>8/1/2011</a:t>
+              <a:t>7/24/2025</a:t>
             </a:fld>
             <a:endParaRPr lang="en-US"/>
           </a:p>
@@ -565,10 +854,9 @@
           <a:lstStyle/>
           <a:p>
             <a:r>
-              <a:rPr lang="en-US" smtClean="0"/>
+              <a:rPr lang="en-US"/>
               <a:t>Click to edit Master title style</a:t>
             </a:r>
-            <a:endParaRPr lang="en-US"/>
           </a:p>
         </p:txBody>
       </p:sp>
@@ -594,38 +882,37 @@
           <a:p>
             <a:pPr lvl="0"/>
             <a:r>
-              <a:rPr lang="en-US" smtClean="0"/>
+              <a:rPr lang="en-US"/>
               <a:t>Click to edit Master text styles</a:t>
             </a:r>
           </a:p>
           <a:p>
             <a:pPr lvl="1"/>
             <a:r>
-              <a:rPr lang="en-US" smtClean="0"/>
+              <a:rPr lang="en-US"/>
               <a:t>Second level</a:t>
             </a:r>
           </a:p>
           <a:p>
             <a:pPr lvl="2"/>
             <a:r>
-              <a:rPr lang="en-US" smtClean="0"/>
+              <a:rPr lang="en-US"/>
               <a:t>Third level</a:t>
             </a:r>
           </a:p>
           <a:p>
             <a:pPr lvl="3"/>
             <a:r>
-              <a:rPr lang="en-US" smtClean="0"/>
+              <a:rPr lang="en-US"/>
               <a:t>Fourth level</a:t>
             </a:r>
           </a:p>
           <a:p>
             <a:pPr lvl="4"/>
             <a:r>
-              <a:rPr lang="en-US" smtClean="0"/>
+              <a:rPr lang="en-US"/>
               <a:t>Fifth level</a:t>
             </a:r>
-            <a:endParaRPr lang="en-US"/>
           </a:p>
         </p:txBody>
       </p:sp>
@@ -647,7 +934,7 @@
             <a:fld id="{1D8BD707-D9CF-40AE-B4C6-C98DA3205C09}" type="datetimeFigureOut">
               <a:rPr lang="en-US" smtClean="0"/>
               <a:pPr/>
-              <a:t>8/1/2011</a:t>
+              <a:t>7/24/2025</a:t>
             </a:fld>
             <a:endParaRPr lang="en-US"/>
           </a:p>
@@ -737,10 +1024,9 @@
           <a:lstStyle/>
           <a:p>
             <a:r>
-              <a:rPr lang="en-US" smtClean="0"/>
+              <a:rPr lang="en-US"/>
               <a:t>Click to edit Master title style</a:t>
             </a:r>
-            <a:endParaRPr lang="en-US"/>
           </a:p>
         </p:txBody>
       </p:sp>
@@ -761,38 +1047,37 @@
           <a:p>
             <a:pPr lvl="0"/>
             <a:r>
-              <a:rPr lang="en-US" smtClean="0"/>
+              <a:rPr lang="en-US"/>
               <a:t>Click to edit Master text styles</a:t>
             </a:r>
           </a:p>
           <a:p>
             <a:pPr lvl="1"/>
             <a:r>
-              <a:rPr lang="en-US" smtClean="0"/>
+              <a:rPr lang="en-US"/>
               <a:t>Second level</a:t>
             </a:r>
           </a:p>
           <a:p>
             <a:pPr lvl="2"/>
             <a:r>
-              <a:rPr lang="en-US" smtClean="0"/>
+              <a:rPr lang="en-US"/>
               <a:t>Third level</a:t>
             </a:r>
           </a:p>
           <a:p>
             <a:pPr lvl="3"/>
             <a:r>
-              <a:rPr lang="en-US" smtClean="0"/>
+              <a:rPr lang="en-US"/>
               <a:t>Fourth level</a:t>
             </a:r>
           </a:p>
           <a:p>
             <a:pPr lvl="4"/>
             <a:r>
-              <a:rPr lang="en-US" smtClean="0"/>
+              <a:rPr lang="en-US"/>
               <a:t>Fifth level</a:t>
             </a:r>
-            <a:endParaRPr lang="en-US"/>
           </a:p>
         </p:txBody>
       </p:sp>
@@ -814,7 +1099,7 @@
             <a:fld id="{1D8BD707-D9CF-40AE-B4C6-C98DA3205C09}" type="datetimeFigureOut">
               <a:rPr lang="en-US" smtClean="0"/>
               <a:pPr/>
-              <a:t>8/1/2011</a:t>
+              <a:t>7/24/2025</a:t>
             </a:fld>
             <a:endParaRPr lang="en-US"/>
           </a:p>
@@ -913,10 +1198,9 @@
           </a:lstStyle>
           <a:p>
             <a:r>
-              <a:rPr lang="en-US" smtClean="0"/>
+              <a:rPr lang="en-US"/>
               <a:t>Click to edit Master title style</a:t>
             </a:r>
-            <a:endParaRPr lang="en-US"/>
           </a:p>
         </p:txBody>
       </p:sp>
@@ -1033,7 +1317,7 @@
           <a:p>
             <a:pPr lvl="0"/>
             <a:r>
-              <a:rPr lang="en-US" smtClean="0"/>
+              <a:rPr lang="en-US"/>
               <a:t>Click to edit Master text styles</a:t>
             </a:r>
           </a:p>
@@ -1057,7 +1341,7 @@
             <a:fld id="{1D8BD707-D9CF-40AE-B4C6-C98DA3205C09}" type="datetimeFigureOut">
               <a:rPr lang="en-US" smtClean="0"/>
               <a:pPr/>
-              <a:t>8/1/2011</a:t>
+              <a:t>7/24/2025</a:t>
             </a:fld>
             <a:endParaRPr lang="en-US"/>
           </a:p>
@@ -1147,10 +1431,9 @@
           <a:lstStyle/>
           <a:p>
             <a:r>
-              <a:rPr lang="en-US" smtClean="0"/>
+              <a:rPr lang="en-US"/>
               <a:t>Click to edit Master title style</a:t>
             </a:r>
-            <a:endParaRPr lang="en-US"/>
           </a:p>
         </p:txBody>
       </p:sp>
@@ -1204,38 +1487,37 @@
           <a:p>
             <a:pPr lvl="0"/>
             <a:r>
-              <a:rPr lang="en-US" smtClean="0"/>
+              <a:rPr lang="en-US"/>
               <a:t>Click to edit Master text styles</a:t>
             </a:r>
           </a:p>
           <a:p>
             <a:pPr lvl="1"/>
             <a:r>
-              <a:rPr lang="en-US" smtClean="0"/>
+              <a:rPr lang="en-US"/>
               <a:t>Second level</a:t>
             </a:r>
           </a:p>
           <a:p>
             <a:pPr lvl="2"/>
             <a:r>
-              <a:rPr lang="en-US" smtClean="0"/>
+              <a:rPr lang="en-US"/>
               <a:t>Third level</a:t>
             </a:r>
           </a:p>
           <a:p>
             <a:pPr lvl="3"/>
             <a:r>
-              <a:rPr lang="en-US" smtClean="0"/>
+              <a:rPr lang="en-US"/>
               <a:t>Fourth level</a:t>
             </a:r>
           </a:p>
           <a:p>
             <a:pPr lvl="4"/>
             <a:r>
-              <a:rPr lang="en-US" smtClean="0"/>
+              <a:rPr lang="en-US"/>
               <a:t>Fifth level</a:t>
             </a:r>
-            <a:endParaRPr lang="en-US"/>
           </a:p>
         </p:txBody>
       </p:sp>
@@ -1289,38 +1571,37 @@
           <a:p>
             <a:pPr lvl="0"/>
             <a:r>
-              <a:rPr lang="en-US" smtClean="0"/>
+              <a:rPr lang="en-US"/>
               <a:t>Click to edit Master text styles</a:t>
             </a:r>
           </a:p>
           <a:p>
             <a:pPr lvl="1"/>
             <a:r>
-              <a:rPr lang="en-US" smtClean="0"/>
+              <a:rPr lang="en-US"/>
               <a:t>Second level</a:t>
             </a:r>
           </a:p>
           <a:p>
             <a:pPr lvl="2"/>
             <a:r>
-              <a:rPr lang="en-US" smtClean="0"/>
+              <a:rPr lang="en-US"/>
               <a:t>Third level</a:t>
             </a:r>
           </a:p>
           <a:p>
             <a:pPr lvl="3"/>
             <a:r>
-              <a:rPr lang="en-US" smtClean="0"/>
+              <a:rPr lang="en-US"/>
               <a:t>Fourth level</a:t>
             </a:r>
           </a:p>
           <a:p>
             <a:pPr lvl="4"/>
             <a:r>
-              <a:rPr lang="en-US" smtClean="0"/>
+              <a:rPr lang="en-US"/>
               <a:t>Fifth level</a:t>
             </a:r>
-            <a:endParaRPr lang="en-US"/>
           </a:p>
         </p:txBody>
       </p:sp>
@@ -1342,7 +1623,7 @@
             <a:fld id="{1D8BD707-D9CF-40AE-B4C6-C98DA3205C09}" type="datetimeFigureOut">
               <a:rPr lang="en-US" smtClean="0"/>
               <a:pPr/>
-              <a:t>8/1/2011</a:t>
+              <a:t>7/24/2025</a:t>
             </a:fld>
             <a:endParaRPr lang="en-US"/>
           </a:p>
@@ -1436,10 +1717,9 @@
           </a:lstStyle>
           <a:p>
             <a:r>
-              <a:rPr lang="en-US" smtClean="0"/>
+              <a:rPr lang="en-US"/>
               <a:t>Click to edit Master title style</a:t>
             </a:r>
-            <a:endParaRPr lang="en-US"/>
           </a:p>
         </p:txBody>
       </p:sp>
@@ -1502,7 +1782,7 @@
           <a:p>
             <a:pPr lvl="0"/>
             <a:r>
-              <a:rPr lang="en-US" smtClean="0"/>
+              <a:rPr lang="en-US"/>
               <a:t>Click to edit Master text styles</a:t>
             </a:r>
           </a:p>
@@ -1558,38 +1838,37 @@
           <a:p>
             <a:pPr lvl="0"/>
             <a:r>
-              <a:rPr lang="en-US" smtClean="0"/>
+              <a:rPr lang="en-US"/>
               <a:t>Click to edit Master text styles</a:t>
             </a:r>
           </a:p>
           <a:p>
             <a:pPr lvl="1"/>
             <a:r>
-              <a:rPr lang="en-US" smtClean="0"/>
+              <a:rPr lang="en-US"/>
               <a:t>Second level</a:t>
             </a:r>
           </a:p>
           <a:p>
             <a:pPr lvl="2"/>
             <a:r>
-              <a:rPr lang="en-US" smtClean="0"/>
+              <a:rPr lang="en-US"/>
               <a:t>Third level</a:t>
             </a:r>
           </a:p>
           <a:p>
             <a:pPr lvl="3"/>
             <a:r>
-              <a:rPr lang="en-US" smtClean="0"/>
+              <a:rPr lang="en-US"/>
               <a:t>Fourth level</a:t>
             </a:r>
           </a:p>
           <a:p>
             <a:pPr lvl="4"/>
             <a:r>
-              <a:rPr lang="en-US" smtClean="0"/>
+              <a:rPr lang="en-US"/>
               <a:t>Fifth level</a:t>
             </a:r>
-            <a:endParaRPr lang="en-US"/>
           </a:p>
         </p:txBody>
       </p:sp>
@@ -1652,7 +1931,7 @@
           <a:p>
             <a:pPr lvl="0"/>
             <a:r>
-              <a:rPr lang="en-US" smtClean="0"/>
+              <a:rPr lang="en-US"/>
               <a:t>Click to edit Master text styles</a:t>
             </a:r>
           </a:p>
@@ -1708,38 +1987,37 @@
           <a:p>
             <a:pPr lvl="0"/>
             <a:r>
-              <a:rPr lang="en-US" smtClean="0"/>
+              <a:rPr lang="en-US"/>
               <a:t>Click to edit Master text styles</a:t>
             </a:r>
           </a:p>
           <a:p>
             <a:pPr lvl="1"/>
             <a:r>
-              <a:rPr lang="en-US" smtClean="0"/>
+              <a:rPr lang="en-US"/>
               <a:t>Second level</a:t>
             </a:r>
           </a:p>
           <a:p>
             <a:pPr lvl="2"/>
             <a:r>
-              <a:rPr lang="en-US" smtClean="0"/>
+              <a:rPr lang="en-US"/>
               <a:t>Third level</a:t>
             </a:r>
           </a:p>
           <a:p>
             <a:pPr lvl="3"/>
             <a:r>
-              <a:rPr lang="en-US" smtClean="0"/>
+              <a:rPr lang="en-US"/>
               <a:t>Fourth level</a:t>
             </a:r>
           </a:p>
           <a:p>
             <a:pPr lvl="4"/>
             <a:r>
-              <a:rPr lang="en-US" smtClean="0"/>
+              <a:rPr lang="en-US"/>
               <a:t>Fifth level</a:t>
             </a:r>
-            <a:endParaRPr lang="en-US"/>
           </a:p>
         </p:txBody>
       </p:sp>
@@ -1761,7 +2039,7 @@
             <a:fld id="{1D8BD707-D9CF-40AE-B4C6-C98DA3205C09}" type="datetimeFigureOut">
               <a:rPr lang="en-US" smtClean="0"/>
               <a:pPr/>
-              <a:t>8/1/2011</a:t>
+              <a:t>7/24/2025</a:t>
             </a:fld>
             <a:endParaRPr lang="en-US"/>
           </a:p>
@@ -1851,10 +2129,9 @@
           <a:lstStyle/>
           <a:p>
             <a:r>
-              <a:rPr lang="en-US" smtClean="0"/>
+              <a:rPr lang="en-US"/>
               <a:t>Click to edit Master title style</a:t>
             </a:r>
-            <a:endParaRPr lang="en-US"/>
           </a:p>
         </p:txBody>
       </p:sp>
@@ -1876,7 +2153,7 @@
             <a:fld id="{1D8BD707-D9CF-40AE-B4C6-C98DA3205C09}" type="datetimeFigureOut">
               <a:rPr lang="en-US" smtClean="0"/>
               <a:pPr/>
-              <a:t>8/1/2011</a:t>
+              <a:t>7/24/2025</a:t>
             </a:fld>
             <a:endParaRPr lang="en-US"/>
           </a:p>
@@ -1968,7 +2245,7 @@
             <a:fld id="{1D8BD707-D9CF-40AE-B4C6-C98DA3205C09}" type="datetimeFigureOut">
               <a:rPr lang="en-US" smtClean="0"/>
               <a:pPr/>
-              <a:t>8/1/2011</a:t>
+              <a:t>7/24/2025</a:t>
             </a:fld>
             <a:endParaRPr lang="en-US"/>
           </a:p>
@@ -2067,10 +2344,9 @@
           </a:lstStyle>
           <a:p>
             <a:r>
-              <a:rPr lang="en-US" smtClean="0"/>
+              <a:rPr lang="en-US"/>
               <a:t>Click to edit Master title style</a:t>
             </a:r>
-            <a:endParaRPr lang="en-US"/>
           </a:p>
         </p:txBody>
       </p:sp>
@@ -2124,38 +2400,37 @@
           <a:p>
             <a:pPr lvl="0"/>
             <a:r>
-              <a:rPr lang="en-US" smtClean="0"/>
+              <a:rPr lang="en-US"/>
               <a:t>Click to edit Master text styles</a:t>
             </a:r>
           </a:p>
           <a:p>
             <a:pPr lvl="1"/>
             <a:r>
-              <a:rPr lang="en-US" smtClean="0"/>
+              <a:rPr lang="en-US"/>
               <a:t>Second level</a:t>
             </a:r>
           </a:p>
           <a:p>
             <a:pPr lvl="2"/>
             <a:r>
-              <a:rPr lang="en-US" smtClean="0"/>
+              <a:rPr lang="en-US"/>
               <a:t>Third level</a:t>
             </a:r>
           </a:p>
           <a:p>
             <a:pPr lvl="3"/>
             <a:r>
-              <a:rPr lang="en-US" smtClean="0"/>
+              <a:rPr lang="en-US"/>
               <a:t>Fourth level</a:t>
             </a:r>
           </a:p>
           <a:p>
             <a:pPr lvl="4"/>
             <a:r>
-              <a:rPr lang="en-US" smtClean="0"/>
+              <a:rPr lang="en-US"/>
               <a:t>Fifth level</a:t>
             </a:r>
-            <a:endParaRPr lang="en-US"/>
           </a:p>
         </p:txBody>
       </p:sp>
@@ -2218,7 +2493,7 @@
           <a:p>
             <a:pPr lvl="0"/>
             <a:r>
-              <a:rPr lang="en-US" smtClean="0"/>
+              <a:rPr lang="en-US"/>
               <a:t>Click to edit Master text styles</a:t>
             </a:r>
           </a:p>
@@ -2242,7 +2517,7 @@
             <a:fld id="{1D8BD707-D9CF-40AE-B4C6-C98DA3205C09}" type="datetimeFigureOut">
               <a:rPr lang="en-US" smtClean="0"/>
               <a:pPr/>
-              <a:t>8/1/2011</a:t>
+              <a:t>7/24/2025</a:t>
             </a:fld>
             <a:endParaRPr lang="en-US"/>
           </a:p>
@@ -2341,10 +2616,9 @@
           </a:lstStyle>
           <a:p>
             <a:r>
-              <a:rPr lang="en-US" smtClean="0"/>
+              <a:rPr lang="en-US"/>
               <a:t>Click to edit Master title style</a:t>
             </a:r>
-            <a:endParaRPr lang="en-US"/>
           </a:p>
         </p:txBody>
       </p:sp>
@@ -2468,7 +2742,7 @@
           <a:p>
             <a:pPr lvl="0"/>
             <a:r>
-              <a:rPr lang="en-US" smtClean="0"/>
+              <a:rPr lang="en-US"/>
               <a:t>Click to edit Master text styles</a:t>
             </a:r>
           </a:p>
@@ -2492,7 +2766,7 @@
             <a:fld id="{1D8BD707-D9CF-40AE-B4C6-C98DA3205C09}" type="datetimeFigureOut">
               <a:rPr lang="en-US" smtClean="0"/>
               <a:pPr/>
-              <a:t>8/1/2011</a:t>
+              <a:t>7/24/2025</a:t>
             </a:fld>
             <a:endParaRPr lang="en-US"/>
           </a:p>
@@ -2597,10 +2871,9 @@
           <a:lstStyle/>
           <a:p>
             <a:r>
-              <a:rPr lang="en-US" smtClean="0"/>
+              <a:rPr lang="en-US"/>
               <a:t>Click to edit Master title style</a:t>
             </a:r>
-            <a:endParaRPr lang="en-US"/>
           </a:p>
         </p:txBody>
       </p:sp>
@@ -2631,38 +2904,37 @@
           <a:p>
             <a:pPr lvl="0"/>
             <a:r>
-              <a:rPr lang="en-US" smtClean="0"/>
+              <a:rPr lang="en-US"/>
               <a:t>Click to edit Master text styles</a:t>
             </a:r>
           </a:p>
           <a:p>
             <a:pPr lvl="1"/>
             <a:r>
-              <a:rPr lang="en-US" smtClean="0"/>
+              <a:rPr lang="en-US"/>
               <a:t>Second level</a:t>
             </a:r>
           </a:p>
           <a:p>
             <a:pPr lvl="2"/>
             <a:r>
-              <a:rPr lang="en-US" smtClean="0"/>
+              <a:rPr lang="en-US"/>
               <a:t>Third level</a:t>
             </a:r>
           </a:p>
           <a:p>
             <a:pPr lvl="3"/>
             <a:r>
-              <a:rPr lang="en-US" smtClean="0"/>
+              <a:rPr lang="en-US"/>
               <a:t>Fourth level</a:t>
             </a:r>
           </a:p>
           <a:p>
             <a:pPr lvl="4"/>
             <a:r>
-              <a:rPr lang="en-US" smtClean="0"/>
+              <a:rPr lang="en-US"/>
               <a:t>Fifth level</a:t>
             </a:r>
-            <a:endParaRPr lang="en-US"/>
           </a:p>
         </p:txBody>
       </p:sp>
@@ -2702,7 +2974,7 @@
             <a:fld id="{1D8BD707-D9CF-40AE-B4C6-C98DA3205C09}" type="datetimeFigureOut">
               <a:rPr lang="en-US" smtClean="0"/>
               <a:pPr/>
-              <a:t>8/1/2011</a:t>
+              <a:t>7/24/2025</a:t>
             </a:fld>
             <a:endParaRPr lang="en-US"/>
           </a:p>
@@ -3057,7 +3329,7 @@
 </file>
 
 <file path=ppt/slides/slide1.xml><?xml version="1.0" encoding="utf-8"?>
-<p:sld xmlns:p="http://schemas.openxmlformats.org/presentationml/2006/main" xmlns:a="http://schemas.openxmlformats.org/drawingml/2006/main" xmlns:r="http://schemas.openxmlformats.org/officeDocument/2006/relationships">
+<p:sld xmlns:a="http://schemas.openxmlformats.org/drawingml/2006/main" xmlns:r="http://schemas.openxmlformats.org/officeDocument/2006/relationships" xmlns:p="http://schemas.openxmlformats.org/presentationml/2006/main">
   <p:cSld>
     <p:spTree>
       <p:nvGrpSpPr>
@@ -3075,12 +3347,18 @@
       </p:grpSpPr>
       <p:grpSp>
         <p:nvGrpSpPr>
-          <p:cNvPr name="Group 2" id="2"/>
+          <p:cNvPr id="5" name="Group 2">
+            <a:extLst>
+              <a:ext uri="{FF2B5EF4-FFF2-40B4-BE49-F238E27FC236}">
+                <a16:creationId xmlns:a16="http://schemas.microsoft.com/office/drawing/2014/main" id="{988757D9-981F-99B9-FC5D-F3F96E75BFED}"/>
+              </a:ext>
+            </a:extLst>
+          </p:cNvPr>
           <p:cNvGrpSpPr/>
           <p:nvPr/>
         </p:nvGrpSpPr>
         <p:grpSpPr>
-          <a:xfrm rot="0">
+          <a:xfrm>
             <a:off x="-473423" y="-605436"/>
             <a:ext cx="31222846" cy="16009897"/>
             <a:chOff x="0" y="0"/>
@@ -3089,12 +3367,18 @@
         </p:grpSpPr>
         <p:sp>
           <p:nvSpPr>
-            <p:cNvPr name="Freeform 3" id="3"/>
+            <p:cNvPr id="6" name="Freeform 3">
+              <a:extLst>
+                <a:ext uri="{FF2B5EF4-FFF2-40B4-BE49-F238E27FC236}">
+                  <a16:creationId xmlns:a16="http://schemas.microsoft.com/office/drawing/2014/main" id="{76C01C8C-C8EB-AD4F-2AB3-4C6AE8ACF099}"/>
+                </a:ext>
+              </a:extLst>
+            </p:cNvPr>
             <p:cNvSpPr/>
             <p:nvPr/>
           </p:nvSpPr>
           <p:spPr>
-            <a:xfrm flipH="false" flipV="false" rot="0">
+            <a:xfrm>
               <a:off x="0" y="0"/>
               <a:ext cx="2794065" cy="1432691"/>
             </a:xfrm>
@@ -3103,9 +3387,9 @@
               <a:gdLst/>
               <a:ahLst/>
               <a:cxnLst/>
-              <a:rect r="r" b="b" t="t" l="l"/>
+              <a:rect l="l" t="t" r="r" b="b"/>
               <a:pathLst>
-                <a:path h="1432691" w="2794065">
+                <a:path w="2794065" h="1432691">
                   <a:moveTo>
                     <a:pt x="0" y="0"/>
                   </a:moveTo>
@@ -3126,11 +3410,24 @@
               <a:srgbClr val="015B43"/>
             </a:solidFill>
           </p:spPr>
+          <p:txBody>
+            <a:bodyPr/>
+            <a:lstStyle/>
+            <a:p>
+              <a:endParaRPr lang="en-GB"/>
+            </a:p>
+          </p:txBody>
         </p:sp>
         <p:sp>
           <p:nvSpPr>
-            <p:cNvPr name="TextBox 4" id="4"/>
-            <p:cNvSpPr txBox="true"/>
+            <p:cNvPr id="7" name="TextBox 4">
+              <a:extLst>
+                <a:ext uri="{FF2B5EF4-FFF2-40B4-BE49-F238E27FC236}">
+                  <a16:creationId xmlns:a16="http://schemas.microsoft.com/office/drawing/2014/main" id="{4AE5BEE1-220B-5349-6118-24FCA9F735B6}"/>
+                </a:ext>
+              </a:extLst>
+            </p:cNvPr>
+            <p:cNvSpPr txBox="1"/>
             <p:nvPr/>
           </p:nvSpPr>
           <p:spPr>
@@ -3143,7 +3440,7 @@
             </a:prstGeom>
           </p:spPr>
           <p:txBody>
-            <a:bodyPr anchor="ctr" rtlCol="false" tIns="50800" lIns="50800" bIns="50800" rIns="50800"/>
+            <a:bodyPr lIns="50800" tIns="50800" rIns="50800" bIns="50800" rtlCol="0" anchor="ctr"/>
             <a:lstStyle/>
             <a:p>
               <a:pPr algn="ctr">
@@ -3151,18 +3448,25 @@
                   <a:spcPts val="7980"/>
                 </a:lnSpc>
               </a:pPr>
+              <a:endParaRPr/>
             </a:p>
           </p:txBody>
         </p:sp>
       </p:grpSp>
       <p:grpSp>
         <p:nvGrpSpPr>
-          <p:cNvPr name="Group 5" id="5"/>
+          <p:cNvPr id="8" name="Group 5">
+            <a:extLst>
+              <a:ext uri="{FF2B5EF4-FFF2-40B4-BE49-F238E27FC236}">
+                <a16:creationId xmlns:a16="http://schemas.microsoft.com/office/drawing/2014/main" id="{7C806207-3755-1F82-3A26-E34A57993062}"/>
+              </a:ext>
+            </a:extLst>
+          </p:cNvPr>
           <p:cNvGrpSpPr/>
           <p:nvPr/>
         </p:nvGrpSpPr>
         <p:grpSpPr>
-          <a:xfrm rot="0">
+          <a:xfrm>
             <a:off x="-473423" y="39702134"/>
             <a:ext cx="31222846" cy="3101866"/>
             <a:chOff x="0" y="0"/>
@@ -3171,12 +3475,18 @@
         </p:grpSpPr>
         <p:sp>
           <p:nvSpPr>
-            <p:cNvPr name="Freeform 6" id="6"/>
+            <p:cNvPr id="9" name="Freeform 6">
+              <a:extLst>
+                <a:ext uri="{FF2B5EF4-FFF2-40B4-BE49-F238E27FC236}">
+                  <a16:creationId xmlns:a16="http://schemas.microsoft.com/office/drawing/2014/main" id="{79C3BE73-4CA2-B5E1-9296-045D1479E87E}"/>
+                </a:ext>
+              </a:extLst>
+            </p:cNvPr>
             <p:cNvSpPr/>
             <p:nvPr/>
           </p:nvSpPr>
           <p:spPr>
-            <a:xfrm flipH="false" flipV="false" rot="0">
+            <a:xfrm>
               <a:off x="0" y="0"/>
               <a:ext cx="2794065" cy="277579"/>
             </a:xfrm>
@@ -3185,9 +3495,9 @@
               <a:gdLst/>
               <a:ahLst/>
               <a:cxnLst/>
-              <a:rect r="r" b="b" t="t" l="l"/>
+              <a:rect l="l" t="t" r="r" b="b"/>
               <a:pathLst>
-                <a:path h="277579" w="2794065">
+                <a:path w="2794065" h="277579">
                   <a:moveTo>
                     <a:pt x="0" y="0"/>
                   </a:moveTo>
@@ -3208,11 +3518,24 @@
               <a:srgbClr val="015B43"/>
             </a:solidFill>
           </p:spPr>
+          <p:txBody>
+            <a:bodyPr/>
+            <a:lstStyle/>
+            <a:p>
+              <a:endParaRPr lang="en-GB"/>
+            </a:p>
+          </p:txBody>
         </p:sp>
         <p:sp>
           <p:nvSpPr>
-            <p:cNvPr name="TextBox 7" id="7"/>
-            <p:cNvSpPr txBox="true"/>
+            <p:cNvPr id="10" name="TextBox 7">
+              <a:extLst>
+                <a:ext uri="{FF2B5EF4-FFF2-40B4-BE49-F238E27FC236}">
+                  <a16:creationId xmlns:a16="http://schemas.microsoft.com/office/drawing/2014/main" id="{72C8A676-D7D2-EB79-8FF4-67EE3AB38886}"/>
+                </a:ext>
+              </a:extLst>
+            </p:cNvPr>
+            <p:cNvSpPr txBox="1"/>
             <p:nvPr/>
           </p:nvSpPr>
           <p:spPr>
@@ -3225,7 +3548,7 @@
             </a:prstGeom>
           </p:spPr>
           <p:txBody>
-            <a:bodyPr anchor="ctr" rtlCol="false" tIns="50800" lIns="50800" bIns="50800" rIns="50800"/>
+            <a:bodyPr lIns="50800" tIns="50800" rIns="50800" bIns="50800" rtlCol="0" anchor="ctr"/>
             <a:lstStyle/>
             <a:p>
               <a:pPr algn="ctr">
@@ -3233,18 +3556,25 @@
                   <a:spcPts val="7980"/>
                 </a:lnSpc>
               </a:pPr>
+              <a:endParaRPr/>
             </a:p>
           </p:txBody>
         </p:sp>
       </p:grpSp>
       <p:sp>
         <p:nvSpPr>
-          <p:cNvPr name="Freeform 8" id="8"/>
+          <p:cNvPr id="11" name="Freeform 8">
+            <a:extLst>
+              <a:ext uri="{FF2B5EF4-FFF2-40B4-BE49-F238E27FC236}">
+                <a16:creationId xmlns:a16="http://schemas.microsoft.com/office/drawing/2014/main" id="{1CA51C12-4CB5-28A7-1CCA-EA88672A9B8F}"/>
+              </a:ext>
+            </a:extLst>
+          </p:cNvPr>
           <p:cNvSpPr/>
           <p:nvPr/>
         </p:nvSpPr>
         <p:spPr>
-          <a:xfrm flipH="true" flipV="false" rot="-9619083">
+          <a:xfrm rot="11980917" flipH="1">
             <a:off x="-5912980" y="39267678"/>
             <a:ext cx="15394507" cy="6956868"/>
           </a:xfrm>
@@ -3253,9 +3583,9 @@
             <a:gdLst/>
             <a:ahLst/>
             <a:cxnLst/>
-            <a:rect r="r" b="b" t="t" l="l"/>
+            <a:rect l="l" t="t" r="r" b="b"/>
             <a:pathLst>
-              <a:path h="6956868" w="15394507">
+              <a:path w="15394507" h="6956868">
                 <a:moveTo>
                   <a:pt x="15394507" y="0"/>
                 </a:moveTo>
@@ -3284,19 +3614,32 @@
               </a:extLst>
             </a:blip>
             <a:stretch>
-              <a:fillRect l="-1826" t="0" r="-1602" b="0"/>
+              <a:fillRect l="-1826" r="-1602"/>
             </a:stretch>
           </a:blipFill>
         </p:spPr>
-      </p:sp>
-      <p:sp>
-        <p:nvSpPr>
-          <p:cNvPr name="Freeform 9" id="9"/>
+        <p:txBody>
+          <a:bodyPr/>
+          <a:lstStyle/>
+          <a:p>
+            <a:endParaRPr lang="en-GB"/>
+          </a:p>
+        </p:txBody>
+      </p:sp>
+      <p:sp>
+        <p:nvSpPr>
+          <p:cNvPr id="12" name="Freeform 9">
+            <a:extLst>
+              <a:ext uri="{FF2B5EF4-FFF2-40B4-BE49-F238E27FC236}">
+                <a16:creationId xmlns:a16="http://schemas.microsoft.com/office/drawing/2014/main" id="{4C120F4F-AEF5-C3E3-57FF-9BE6FE611800}"/>
+              </a:ext>
+            </a:extLst>
+          </p:cNvPr>
           <p:cNvSpPr/>
           <p:nvPr/>
         </p:nvSpPr>
         <p:spPr>
-          <a:xfrm flipH="false" flipV="false" rot="0">
+          <a:xfrm>
             <a:off x="27570952" y="40136934"/>
             <a:ext cx="2232265" cy="2232265"/>
           </a:xfrm>
@@ -3305,9 +3648,9 @@
             <a:gdLst/>
             <a:ahLst/>
             <a:cxnLst/>
-            <a:rect r="r" b="b" t="t" l="l"/>
+            <a:rect l="l" t="t" r="r" b="b"/>
             <a:pathLst>
-              <a:path h="2232265" w="2232265">
+              <a:path w="2232265" h="2232265">
                 <a:moveTo>
                   <a:pt x="0" y="0"/>
                 </a:moveTo>
@@ -3336,20 +3679,33 @@
               </a:extLst>
             </a:blip>
             <a:stretch>
-              <a:fillRect l="0" t="0" r="0" b="0"/>
+              <a:fillRect/>
             </a:stretch>
           </a:blipFill>
         </p:spPr>
-      </p:sp>
-      <p:sp>
-        <p:nvSpPr>
-          <p:cNvPr name="Freeform 10" id="10"/>
+        <p:txBody>
+          <a:bodyPr/>
+          <a:lstStyle/>
+          <a:p>
+            <a:endParaRPr lang="en-GB"/>
+          </a:p>
+        </p:txBody>
+      </p:sp>
+      <p:sp>
+        <p:nvSpPr>
+          <p:cNvPr id="13" name="Freeform 10">
+            <a:extLst>
+              <a:ext uri="{FF2B5EF4-FFF2-40B4-BE49-F238E27FC236}">
+                <a16:creationId xmlns:a16="http://schemas.microsoft.com/office/drawing/2014/main" id="{A79D87FC-3385-E81F-12A6-E819884B8C5F}"/>
+              </a:ext>
+            </a:extLst>
+          </p:cNvPr>
           <p:cNvSpPr/>
           <p:nvPr/>
         </p:nvSpPr>
         <p:spPr>
-          <a:xfrm flipH="false" flipV="false" rot="0">
-            <a:off x="1148002" y="21402000"/>
+          <a:xfrm>
+            <a:off x="1148002" y="20843964"/>
             <a:ext cx="7197880" cy="1439576"/>
           </a:xfrm>
           <a:custGeom>
@@ -3357,9 +3713,9 @@
             <a:gdLst/>
             <a:ahLst/>
             <a:cxnLst/>
-            <a:rect r="r" b="b" t="t" l="l"/>
+            <a:rect l="l" t="t" r="r" b="b"/>
             <a:pathLst>
-              <a:path h="1439576" w="7197880">
+              <a:path w="7197880" h="1439576">
                 <a:moveTo>
                   <a:pt x="0" y="0"/>
                 </a:moveTo>
@@ -3382,20 +3738,33 @@
           <a:blipFill>
             <a:blip r:embed="rId6"/>
             <a:stretch>
-              <a:fillRect l="0" t="0" r="0" b="0"/>
+              <a:fillRect/>
             </a:stretch>
           </a:blipFill>
         </p:spPr>
-      </p:sp>
-      <p:sp>
-        <p:nvSpPr>
-          <p:cNvPr name="Freeform 11" id="11"/>
+        <p:txBody>
+          <a:bodyPr/>
+          <a:lstStyle/>
+          <a:p>
+            <a:endParaRPr lang="en-GB"/>
+          </a:p>
+        </p:txBody>
+      </p:sp>
+      <p:sp>
+        <p:nvSpPr>
+          <p:cNvPr id="14" name="Freeform 11">
+            <a:extLst>
+              <a:ext uri="{FF2B5EF4-FFF2-40B4-BE49-F238E27FC236}">
+                <a16:creationId xmlns:a16="http://schemas.microsoft.com/office/drawing/2014/main" id="{B8579419-9FC9-26B4-DB1B-AA01C8B690A1}"/>
+              </a:ext>
+            </a:extLst>
+          </p:cNvPr>
           <p:cNvSpPr/>
           <p:nvPr/>
         </p:nvSpPr>
         <p:spPr>
-          <a:xfrm flipH="false" flipV="false" rot="0">
-            <a:off x="1148002" y="29246193"/>
+          <a:xfrm>
+            <a:off x="1148002" y="28165387"/>
             <a:ext cx="7197880" cy="1439576"/>
           </a:xfrm>
           <a:custGeom>
@@ -3403,9 +3772,9 @@
             <a:gdLst/>
             <a:ahLst/>
             <a:cxnLst/>
-            <a:rect r="r" b="b" t="t" l="l"/>
+            <a:rect l="l" t="t" r="r" b="b"/>
             <a:pathLst>
-              <a:path h="1439576" w="7197880">
+              <a:path w="7197880" h="1439576">
                 <a:moveTo>
                   <a:pt x="0" y="0"/>
                 </a:moveTo>
@@ -3428,20 +3797,33 @@
           <a:blipFill>
             <a:blip r:embed="rId6"/>
             <a:stretch>
-              <a:fillRect l="0" t="0" r="0" b="0"/>
+              <a:fillRect/>
             </a:stretch>
           </a:blipFill>
         </p:spPr>
-      </p:sp>
-      <p:sp>
-        <p:nvSpPr>
-          <p:cNvPr name="Freeform 12" id="12"/>
+        <p:txBody>
+          <a:bodyPr/>
+          <a:lstStyle/>
+          <a:p>
+            <a:endParaRPr lang="en-GB"/>
+          </a:p>
+        </p:txBody>
+      </p:sp>
+      <p:sp>
+        <p:nvSpPr>
+          <p:cNvPr id="15" name="Freeform 12">
+            <a:extLst>
+              <a:ext uri="{FF2B5EF4-FFF2-40B4-BE49-F238E27FC236}">
+                <a16:creationId xmlns:a16="http://schemas.microsoft.com/office/drawing/2014/main" id="{2FF7C36A-FEB8-1927-DBB1-3BCBE7212ECB}"/>
+              </a:ext>
+            </a:extLst>
+          </p:cNvPr>
           <p:cNvSpPr/>
           <p:nvPr/>
         </p:nvSpPr>
         <p:spPr>
-          <a:xfrm flipH="false" flipV="false" rot="0">
-            <a:off x="14356177" y="21402000"/>
+          <a:xfrm>
+            <a:off x="14356177" y="20843964"/>
             <a:ext cx="7197880" cy="1439576"/>
           </a:xfrm>
           <a:custGeom>
@@ -3449,9 +3831,9 @@
             <a:gdLst/>
             <a:ahLst/>
             <a:cxnLst/>
-            <a:rect r="r" b="b" t="t" l="l"/>
+            <a:rect l="l" t="t" r="r" b="b"/>
             <a:pathLst>
-              <a:path h="1439576" w="7197880">
+              <a:path w="7197880" h="1439576">
                 <a:moveTo>
                   <a:pt x="0" y="0"/>
                 </a:moveTo>
@@ -3474,19 +3856,32 @@
           <a:blipFill>
             <a:blip r:embed="rId6"/>
             <a:stretch>
-              <a:fillRect l="0" t="0" r="0" b="0"/>
+              <a:fillRect/>
             </a:stretch>
           </a:blipFill>
         </p:spPr>
-      </p:sp>
-      <p:sp>
-        <p:nvSpPr>
-          <p:cNvPr name="Freeform 13" id="13"/>
+        <p:txBody>
+          <a:bodyPr/>
+          <a:lstStyle/>
+          <a:p>
+            <a:endParaRPr lang="en-GB"/>
+          </a:p>
+        </p:txBody>
+      </p:sp>
+      <p:sp>
+        <p:nvSpPr>
+          <p:cNvPr id="16" name="Freeform 13">
+            <a:extLst>
+              <a:ext uri="{FF2B5EF4-FFF2-40B4-BE49-F238E27FC236}">
+                <a16:creationId xmlns:a16="http://schemas.microsoft.com/office/drawing/2014/main" id="{B635957C-5BF8-B47E-F698-D2C52F6B991E}"/>
+              </a:ext>
+            </a:extLst>
+          </p:cNvPr>
           <p:cNvSpPr/>
           <p:nvPr/>
         </p:nvSpPr>
         <p:spPr>
-          <a:xfrm flipH="false" flipV="false" rot="0">
+          <a:xfrm>
             <a:off x="14356177" y="33234514"/>
             <a:ext cx="7197880" cy="1439576"/>
           </a:xfrm>
@@ -3495,9 +3890,9 @@
             <a:gdLst/>
             <a:ahLst/>
             <a:cxnLst/>
-            <a:rect r="r" b="b" t="t" l="l"/>
+            <a:rect l="l" t="t" r="r" b="b"/>
             <a:pathLst>
-              <a:path h="1439576" w="7197880">
+              <a:path w="7197880" h="1439576">
                 <a:moveTo>
                   <a:pt x="0" y="0"/>
                 </a:moveTo>
@@ -3520,20 +3915,33 @@
           <a:blipFill>
             <a:blip r:embed="rId6"/>
             <a:stretch>
-              <a:fillRect l="0" t="0" r="0" b="0"/>
+              <a:fillRect/>
             </a:stretch>
           </a:blipFill>
         </p:spPr>
-      </p:sp>
-      <p:sp>
-        <p:nvSpPr>
-          <p:cNvPr name="Freeform 14" id="14"/>
+        <p:txBody>
+          <a:bodyPr/>
+          <a:lstStyle/>
+          <a:p>
+            <a:endParaRPr lang="en-GB"/>
+          </a:p>
+        </p:txBody>
+      </p:sp>
+      <p:sp>
+        <p:nvSpPr>
+          <p:cNvPr id="17" name="Freeform 14">
+            <a:extLst>
+              <a:ext uri="{FF2B5EF4-FFF2-40B4-BE49-F238E27FC236}">
+                <a16:creationId xmlns:a16="http://schemas.microsoft.com/office/drawing/2014/main" id="{8BCC6EC3-B610-E6D9-237B-D00FD4554933}"/>
+              </a:ext>
+            </a:extLst>
+          </p:cNvPr>
           <p:cNvSpPr/>
           <p:nvPr/>
         </p:nvSpPr>
         <p:spPr>
-          <a:xfrm flipH="false" flipV="false" rot="0">
-            <a:off x="1179844" y="33710909"/>
+          <a:xfrm>
+            <a:off x="1179844" y="33271731"/>
             <a:ext cx="12107503" cy="5022763"/>
           </a:xfrm>
           <a:custGeom>
@@ -3541,9 +3949,9 @@
             <a:gdLst/>
             <a:ahLst/>
             <a:cxnLst/>
-            <a:rect r="r" b="b" t="t" l="l"/>
+            <a:rect l="l" t="t" r="r" b="b"/>
             <a:pathLst>
-              <a:path h="5022763" w="12107503">
+              <a:path w="12107503" h="5022763">
                 <a:moveTo>
                   <a:pt x="0" y="0"/>
                 </a:moveTo>
@@ -3572,19 +3980,32 @@
               </a:extLst>
             </a:blip>
             <a:stretch>
-              <a:fillRect l="0" t="0" r="0" b="0"/>
+              <a:fillRect/>
             </a:stretch>
           </a:blipFill>
         </p:spPr>
-      </p:sp>
-      <p:sp>
-        <p:nvSpPr>
-          <p:cNvPr name="Freeform 15" id="15"/>
+        <p:txBody>
+          <a:bodyPr/>
+          <a:lstStyle/>
+          <a:p>
+            <a:endParaRPr lang="en-GB"/>
+          </a:p>
+        </p:txBody>
+      </p:sp>
+      <p:sp>
+        <p:nvSpPr>
+          <p:cNvPr id="18" name="Freeform 15">
+            <a:extLst>
+              <a:ext uri="{FF2B5EF4-FFF2-40B4-BE49-F238E27FC236}">
+                <a16:creationId xmlns:a16="http://schemas.microsoft.com/office/drawing/2014/main" id="{E2EE41FF-29AB-60DE-8BDE-60F58F85F0CC}"/>
+              </a:ext>
+            </a:extLst>
+          </p:cNvPr>
           <p:cNvSpPr/>
           <p:nvPr/>
         </p:nvSpPr>
         <p:spPr>
-          <a:xfrm flipH="false" flipV="false" rot="5400000">
+          <a:xfrm rot="5400000">
             <a:off x="21406967" y="4218820"/>
             <a:ext cx="15394507" cy="6956868"/>
           </a:xfrm>
@@ -3593,9 +4014,9 @@
             <a:gdLst/>
             <a:ahLst/>
             <a:cxnLst/>
-            <a:rect r="r" b="b" t="t" l="l"/>
+            <a:rect l="l" t="t" r="r" b="b"/>
             <a:pathLst>
-              <a:path h="6956868" w="15394507">
+              <a:path w="15394507" h="6956868">
                 <a:moveTo>
                   <a:pt x="0" y="0"/>
                 </a:moveTo>
@@ -3624,19 +4045,32 @@
               </a:extLst>
             </a:blip>
             <a:stretch>
-              <a:fillRect l="-1826" t="0" r="-1602" b="0"/>
+              <a:fillRect l="-1826" r="-1602"/>
             </a:stretch>
           </a:blipFill>
         </p:spPr>
-      </p:sp>
-      <p:sp>
-        <p:nvSpPr>
-          <p:cNvPr name="TextBox 16" id="16"/>
-          <p:cNvSpPr txBox="true"/>
+        <p:txBody>
+          <a:bodyPr/>
+          <a:lstStyle/>
+          <a:p>
+            <a:endParaRPr lang="en-GB"/>
+          </a:p>
+        </p:txBody>
+      </p:sp>
+      <p:sp>
+        <p:nvSpPr>
+          <p:cNvPr id="19" name="HeadlineBox">
+            <a:extLst>
+              <a:ext uri="{FF2B5EF4-FFF2-40B4-BE49-F238E27FC236}">
+                <a16:creationId xmlns:a16="http://schemas.microsoft.com/office/drawing/2014/main" id="{CE0BE428-44DE-F17B-5C7F-04AF0BB9B5B2}"/>
+              </a:ext>
+            </a:extLst>
+          </p:cNvPr>
+          <p:cNvSpPr txBox="1"/>
           <p:nvPr/>
         </p:nvSpPr>
         <p:spPr>
-          <a:xfrm rot="0">
+          <a:xfrm>
             <a:off x="1148002" y="-272986"/>
             <a:ext cx="21724206" cy="15096422"/>
           </a:xfrm>
@@ -3645,7 +4079,7 @@
           </a:prstGeom>
         </p:spPr>
         <p:txBody>
-          <a:bodyPr anchor="t" rtlCol="false" tIns="0" lIns="0" bIns="0" rIns="0">
+          <a:bodyPr lIns="0" tIns="0" rIns="0" bIns="0" rtlCol="0" anchor="t">
             <a:spAutoFit/>
           </a:bodyPr>
           <a:lstStyle/>
@@ -3656,7 +4090,7 @@
               </a:lnSpc>
             </a:pPr>
             <a:r>
-              <a:rPr lang="en-US" sz="28152" b="true">
+              <a:rPr lang="en-US" sz="28152" b="1" dirty="0">
                 <a:solidFill>
                   <a:srgbClr val="FFFFFF"/>
                 </a:solidFill>
@@ -3668,7 +4102,7 @@
               <a:t>Your </a:t>
             </a:r>
             <a:r>
-              <a:rPr lang="en-US" sz="28152" b="true">
+              <a:rPr lang="en-US" sz="28152" b="1" dirty="0">
                 <a:solidFill>
                   <a:srgbClr val="FF914D"/>
                 </a:solidFill>
@@ -3680,7 +4114,7 @@
               <a:t>Headline </a:t>
             </a:r>
             <a:r>
-              <a:rPr lang="en-US" sz="28152" b="true">
+              <a:rPr lang="en-US" sz="28152" b="1" dirty="0">
                 <a:solidFill>
                   <a:srgbClr val="FFFFFF"/>
                 </a:solidFill>
@@ -3696,13 +4130,19 @@
       </p:sp>
       <p:sp>
         <p:nvSpPr>
-          <p:cNvPr name="TextBox 17" id="17"/>
-          <p:cNvSpPr txBox="true"/>
+          <p:cNvPr id="20" name="TitleBox">
+            <a:extLst>
+              <a:ext uri="{FF2B5EF4-FFF2-40B4-BE49-F238E27FC236}">
+                <a16:creationId xmlns:a16="http://schemas.microsoft.com/office/drawing/2014/main" id="{92D9152C-D8AB-9AC7-937B-DEEAAFECA52F}"/>
+              </a:ext>
+            </a:extLst>
+          </p:cNvPr>
+          <p:cNvSpPr txBox="1"/>
           <p:nvPr/>
         </p:nvSpPr>
         <p:spPr>
-          <a:xfrm rot="0">
-            <a:off x="1159891" y="15947386"/>
+          <a:xfrm>
+            <a:off x="1148002" y="15473904"/>
             <a:ext cx="27956218" cy="1803401"/>
           </a:xfrm>
           <a:prstGeom prst="rect">
@@ -3710,7 +4150,7 @@
           </a:prstGeom>
         </p:spPr>
         <p:txBody>
-          <a:bodyPr anchor="t" rtlCol="false" tIns="0" lIns="0" bIns="0" rIns="0">
+          <a:bodyPr lIns="0" tIns="0" rIns="0" bIns="0" rtlCol="0" anchor="t">
             <a:spAutoFit/>
           </a:bodyPr>
           <a:lstStyle/>
@@ -3721,7 +4161,7 @@
               </a:lnSpc>
             </a:pPr>
             <a:r>
-              <a:rPr lang="en-US" sz="9999" b="true">
+              <a:rPr lang="en-US" sz="9999" b="1" dirty="0">
                 <a:solidFill>
                   <a:srgbClr val="000000"/>
                 </a:solidFill>
@@ -3737,13 +4177,19 @@
       </p:sp>
       <p:sp>
         <p:nvSpPr>
-          <p:cNvPr name="TextBox 18" id="18"/>
-          <p:cNvSpPr txBox="true"/>
+          <p:cNvPr id="21" name="AuthorBox">
+            <a:extLst>
+              <a:ext uri="{FF2B5EF4-FFF2-40B4-BE49-F238E27FC236}">
+                <a16:creationId xmlns:a16="http://schemas.microsoft.com/office/drawing/2014/main" id="{FC005DA1-8115-06F4-30F1-9BFDD3DD6E9C}"/>
+              </a:ext>
+            </a:extLst>
+          </p:cNvPr>
+          <p:cNvSpPr txBox="1"/>
           <p:nvPr/>
         </p:nvSpPr>
         <p:spPr>
-          <a:xfrm rot="0">
-            <a:off x="1148002" y="18969986"/>
+          <a:xfrm>
+            <a:off x="1179844" y="18296354"/>
             <a:ext cx="27956218" cy="1250950"/>
           </a:xfrm>
           <a:prstGeom prst="rect">
@@ -3751,7 +4197,7 @@
           </a:prstGeom>
         </p:spPr>
         <p:txBody>
-          <a:bodyPr anchor="t" rtlCol="false" tIns="0" lIns="0" bIns="0" rIns="0">
+          <a:bodyPr lIns="0" tIns="0" rIns="0" bIns="0" rtlCol="0" anchor="t">
             <a:spAutoFit/>
           </a:bodyPr>
           <a:lstStyle/>
@@ -3762,7 +4208,7 @@
               </a:lnSpc>
             </a:pPr>
             <a:r>
-              <a:rPr lang="en-US" sz="6999">
+              <a:rPr lang="en-US" sz="6999" dirty="0">
                 <a:solidFill>
                   <a:srgbClr val="000000"/>
                 </a:solidFill>
@@ -3778,13 +4224,19 @@
       </p:sp>
       <p:sp>
         <p:nvSpPr>
-          <p:cNvPr name="TextBox 19" id="19"/>
-          <p:cNvSpPr txBox="true"/>
+          <p:cNvPr id="22" name="AffiliationsBox">
+            <a:extLst>
+              <a:ext uri="{FF2B5EF4-FFF2-40B4-BE49-F238E27FC236}">
+                <a16:creationId xmlns:a16="http://schemas.microsoft.com/office/drawing/2014/main" id="{E65BFFD2-A44E-A699-D5A6-5E228B76316A}"/>
+              </a:ext>
+            </a:extLst>
+          </p:cNvPr>
+          <p:cNvSpPr txBox="1"/>
           <p:nvPr/>
         </p:nvSpPr>
         <p:spPr>
-          <a:xfrm rot="0">
-            <a:off x="1148002" y="20255825"/>
+          <a:xfrm>
+            <a:off x="1179844" y="19582193"/>
             <a:ext cx="27956218" cy="542925"/>
           </a:xfrm>
           <a:prstGeom prst="rect">
@@ -3792,7 +4244,7 @@
           </a:prstGeom>
         </p:spPr>
         <p:txBody>
-          <a:bodyPr anchor="t" rtlCol="false" tIns="0" lIns="0" bIns="0" rIns="0">
+          <a:bodyPr lIns="0" tIns="0" rIns="0" bIns="0" rtlCol="0" anchor="t">
             <a:spAutoFit/>
           </a:bodyPr>
           <a:lstStyle/>
@@ -3803,7 +4255,7 @@
               </a:lnSpc>
             </a:pPr>
             <a:r>
-              <a:rPr lang="en-US" sz="3000" i="true">
+              <a:rPr lang="en-US" sz="3000" i="1" dirty="0">
                 <a:solidFill>
                   <a:srgbClr val="000000"/>
                 </a:solidFill>
@@ -3819,13 +4271,19 @@
       </p:sp>
       <p:sp>
         <p:nvSpPr>
-          <p:cNvPr name="TextBox 20" id="20"/>
-          <p:cNvSpPr txBox="true"/>
+          <p:cNvPr id="23" name="TextBox 20">
+            <a:extLst>
+              <a:ext uri="{FF2B5EF4-FFF2-40B4-BE49-F238E27FC236}">
+                <a16:creationId xmlns:a16="http://schemas.microsoft.com/office/drawing/2014/main" id="{CD8BF58C-D013-8C1E-5E2D-B45E294CC21F}"/>
+              </a:ext>
+            </a:extLst>
+          </p:cNvPr>
+          <p:cNvSpPr txBox="1"/>
           <p:nvPr/>
         </p:nvSpPr>
         <p:spPr>
-          <a:xfrm rot="0">
-            <a:off x="2161404" y="21599501"/>
+          <a:xfrm>
+            <a:off x="2161404" y="21041465"/>
             <a:ext cx="4258170" cy="901700"/>
           </a:xfrm>
           <a:prstGeom prst="rect">
@@ -3833,7 +4291,7 @@
           </a:prstGeom>
         </p:spPr>
         <p:txBody>
-          <a:bodyPr anchor="t" rtlCol="false" tIns="0" lIns="0" bIns="0" rIns="0">
+          <a:bodyPr lIns="0" tIns="0" rIns="0" bIns="0" rtlCol="0" anchor="t">
             <a:spAutoFit/>
           </a:bodyPr>
           <a:lstStyle/>
@@ -3844,7 +4302,7 @@
               </a:lnSpc>
             </a:pPr>
             <a:r>
-              <a:rPr lang="en-US" sz="5000" b="true">
+              <a:rPr lang="en-US" sz="5000" b="1">
                 <a:solidFill>
                   <a:srgbClr val="FFFFFF"/>
                 </a:solidFill>
@@ -3860,13 +4318,19 @@
       </p:sp>
       <p:sp>
         <p:nvSpPr>
-          <p:cNvPr name="TextBox 21" id="21"/>
-          <p:cNvSpPr txBox="true"/>
+          <p:cNvPr id="24" name="TextBox 21">
+            <a:extLst>
+              <a:ext uri="{FF2B5EF4-FFF2-40B4-BE49-F238E27FC236}">
+                <a16:creationId xmlns:a16="http://schemas.microsoft.com/office/drawing/2014/main" id="{C5DD719B-815D-EABE-D6CD-B9DA910477E5}"/>
+              </a:ext>
+            </a:extLst>
+          </p:cNvPr>
+          <p:cNvSpPr txBox="1"/>
           <p:nvPr/>
         </p:nvSpPr>
         <p:spPr>
-          <a:xfrm rot="0">
-            <a:off x="2161404" y="29443693"/>
+          <a:xfrm>
+            <a:off x="2161404" y="28362887"/>
             <a:ext cx="4258170" cy="901700"/>
           </a:xfrm>
           <a:prstGeom prst="rect">
@@ -3874,7 +4338,7 @@
           </a:prstGeom>
         </p:spPr>
         <p:txBody>
-          <a:bodyPr anchor="t" rtlCol="false" tIns="0" lIns="0" bIns="0" rIns="0">
+          <a:bodyPr lIns="0" tIns="0" rIns="0" bIns="0" rtlCol="0" anchor="t">
             <a:spAutoFit/>
           </a:bodyPr>
           <a:lstStyle/>
@@ -3885,7 +4349,7 @@
               </a:lnSpc>
             </a:pPr>
             <a:r>
-              <a:rPr lang="en-US" sz="5000" b="true">
+              <a:rPr lang="en-US" sz="5000" b="1">
                 <a:solidFill>
                   <a:srgbClr val="FFFFFF"/>
                 </a:solidFill>
@@ -3901,13 +4365,19 @@
       </p:sp>
       <p:sp>
         <p:nvSpPr>
-          <p:cNvPr name="TextBox 22" id="22"/>
-          <p:cNvSpPr txBox="true"/>
+          <p:cNvPr id="25" name="TextBox 22">
+            <a:extLst>
+              <a:ext uri="{FF2B5EF4-FFF2-40B4-BE49-F238E27FC236}">
+                <a16:creationId xmlns:a16="http://schemas.microsoft.com/office/drawing/2014/main" id="{D957E313-28DC-1C42-DB32-8E72714BAE3F}"/>
+              </a:ext>
+            </a:extLst>
+          </p:cNvPr>
+          <p:cNvSpPr txBox="1"/>
           <p:nvPr/>
         </p:nvSpPr>
         <p:spPr>
-          <a:xfrm rot="0">
-            <a:off x="15369579" y="21599501"/>
+          <a:xfrm>
+            <a:off x="15369579" y="21041465"/>
             <a:ext cx="4258170" cy="901700"/>
           </a:xfrm>
           <a:prstGeom prst="rect">
@@ -3915,7 +4385,7 @@
           </a:prstGeom>
         </p:spPr>
         <p:txBody>
-          <a:bodyPr anchor="t" rtlCol="false" tIns="0" lIns="0" bIns="0" rIns="0">
+          <a:bodyPr lIns="0" tIns="0" rIns="0" bIns="0" rtlCol="0" anchor="t">
             <a:spAutoFit/>
           </a:bodyPr>
           <a:lstStyle/>
@@ -3926,7 +4396,7 @@
               </a:lnSpc>
             </a:pPr>
             <a:r>
-              <a:rPr lang="en-US" sz="5000" b="true">
+              <a:rPr lang="en-US" sz="5000" b="1">
                 <a:solidFill>
                   <a:srgbClr val="FFFFFF"/>
                 </a:solidFill>
@@ -3942,12 +4412,18 @@
       </p:sp>
       <p:sp>
         <p:nvSpPr>
-          <p:cNvPr name="TextBox 23" id="23"/>
-          <p:cNvSpPr txBox="true"/>
+          <p:cNvPr id="26" name="TextBox 23">
+            <a:extLst>
+              <a:ext uri="{FF2B5EF4-FFF2-40B4-BE49-F238E27FC236}">
+                <a16:creationId xmlns:a16="http://schemas.microsoft.com/office/drawing/2014/main" id="{5A3356D2-8CB1-469F-E432-FADCC3AC80AA}"/>
+              </a:ext>
+            </a:extLst>
+          </p:cNvPr>
+          <p:cNvSpPr txBox="1"/>
           <p:nvPr/>
         </p:nvSpPr>
         <p:spPr>
-          <a:xfrm rot="0">
+          <a:xfrm>
             <a:off x="15369579" y="33432014"/>
             <a:ext cx="4258170" cy="901700"/>
           </a:xfrm>
@@ -3956,7 +4432,7 @@
           </a:prstGeom>
         </p:spPr>
         <p:txBody>
-          <a:bodyPr anchor="t" rtlCol="false" tIns="0" lIns="0" bIns="0" rIns="0">
+          <a:bodyPr lIns="0" tIns="0" rIns="0" bIns="0" rtlCol="0" anchor="t">
             <a:spAutoFit/>
           </a:bodyPr>
           <a:lstStyle/>
@@ -3967,7 +4443,7 @@
               </a:lnSpc>
             </a:pPr>
             <a:r>
-              <a:rPr lang="en-US" sz="5000" b="true">
+              <a:rPr lang="en-US" sz="5000" b="1">
                 <a:solidFill>
                   <a:srgbClr val="FFFFFF"/>
                 </a:solidFill>
@@ -3983,12 +4459,18 @@
       </p:sp>
       <p:sp>
         <p:nvSpPr>
-          <p:cNvPr name="TextBox 24" id="24"/>
-          <p:cNvSpPr txBox="true"/>
+          <p:cNvPr id="27" name="TextBox 24">
+            <a:extLst>
+              <a:ext uri="{FF2B5EF4-FFF2-40B4-BE49-F238E27FC236}">
+                <a16:creationId xmlns:a16="http://schemas.microsoft.com/office/drawing/2014/main" id="{B971B76E-0961-B876-8264-ABAB22F85B2B}"/>
+              </a:ext>
+            </a:extLst>
+          </p:cNvPr>
+          <p:cNvSpPr txBox="1"/>
           <p:nvPr/>
         </p:nvSpPr>
         <p:spPr>
-          <a:xfrm rot="0">
+          <a:xfrm>
             <a:off x="1148002" y="39786097"/>
             <a:ext cx="4258170" cy="901700"/>
           </a:xfrm>
@@ -3997,7 +4479,7 @@
           </a:prstGeom>
         </p:spPr>
         <p:txBody>
-          <a:bodyPr anchor="t" rtlCol="false" tIns="0" lIns="0" bIns="0" rIns="0">
+          <a:bodyPr lIns="0" tIns="0" rIns="0" bIns="0" rtlCol="0" anchor="t">
             <a:spAutoFit/>
           </a:bodyPr>
           <a:lstStyle/>
@@ -4008,7 +4490,7 @@
               </a:lnSpc>
             </a:pPr>
             <a:r>
-              <a:rPr lang="en-US" sz="5000" b="true">
+              <a:rPr lang="en-US" sz="5000" b="1">
                 <a:solidFill>
                   <a:srgbClr val="FFFFFF"/>
                 </a:solidFill>
@@ -4024,13 +4506,19 @@
       </p:sp>
       <p:sp>
         <p:nvSpPr>
-          <p:cNvPr name="TextBox 25" id="25"/>
-          <p:cNvSpPr txBox="true"/>
+          <p:cNvPr id="28" name="IntroductionBox">
+            <a:extLst>
+              <a:ext uri="{FF2B5EF4-FFF2-40B4-BE49-F238E27FC236}">
+                <a16:creationId xmlns:a16="http://schemas.microsoft.com/office/drawing/2014/main" id="{3ED8DE74-66E0-06D8-922F-38EFD5250BEA}"/>
+              </a:ext>
+            </a:extLst>
+          </p:cNvPr>
+          <p:cNvSpPr txBox="1"/>
           <p:nvPr/>
         </p:nvSpPr>
         <p:spPr>
-          <a:xfrm rot="0">
-            <a:off x="1148002" y="23053105"/>
+          <a:xfrm>
+            <a:off x="1148002" y="22495069"/>
             <a:ext cx="12139345" cy="4425315"/>
           </a:xfrm>
           <a:prstGeom prst="rect">
@@ -4038,7 +4526,7 @@
           </a:prstGeom>
         </p:spPr>
         <p:txBody>
-          <a:bodyPr anchor="t" rtlCol="false" tIns="0" lIns="0" bIns="0" rIns="0">
+          <a:bodyPr lIns="0" tIns="0" rIns="0" bIns="0" rtlCol="0" anchor="t">
             <a:spAutoFit/>
           </a:bodyPr>
           <a:lstStyle/>
@@ -4049,29 +4537,851 @@
               </a:lnSpc>
             </a:pPr>
             <a:r>
-              <a:rPr lang="en-US" sz="3150">
-                <a:solidFill>
-                  <a:srgbClr val="000000"/>
-                </a:solidFill>
-                <a:latin typeface="Poppins"/>
-                <a:ea typeface="Poppins"/>
-                <a:cs typeface="Poppins"/>
-                <a:sym typeface="Poppins"/>
-              </a:rPr>
-              <a:t>Lorem ipsum dolor sit amet, consectetuer adipiscing elit. Aenean commodo ligula eget dolor. Aenean massa. Cum sociis natoque penatibus et magnis dis parturient montes, nascetur ridiculus mus. Donec quam felis, ultricies nec, pellentesque eu, pretium quis, sem.Lorem ipsum dolor sit amet, consectetuer adipiscing elit. Aenean commodo ligula eget dolor. Aenean massa. Cum sociis natoque penatibus et magnis dis parturient montes, nascetur ridiculus mus. </a:t>
-            </a:r>
-          </a:p>
-        </p:txBody>
-      </p:sp>
-      <p:sp>
-        <p:nvSpPr>
-          <p:cNvPr name="TextBox 26" id="26"/>
-          <p:cNvSpPr txBox="true"/>
+              <a:rPr lang="en-US" sz="3150" dirty="0">
+                <a:solidFill>
+                  <a:srgbClr val="000000"/>
+                </a:solidFill>
+                <a:latin typeface="Poppins"/>
+                <a:ea typeface="Poppins"/>
+                <a:cs typeface="Poppins"/>
+                <a:sym typeface="Poppins"/>
+              </a:rPr>
+              <a:t>Lorem ipsum dolor sit </a:t>
+            </a:r>
+            <a:r>
+              <a:rPr lang="en-US" sz="3150" dirty="0" err="1">
+                <a:solidFill>
+                  <a:srgbClr val="000000"/>
+                </a:solidFill>
+                <a:latin typeface="Poppins"/>
+                <a:ea typeface="Poppins"/>
+                <a:cs typeface="Poppins"/>
+                <a:sym typeface="Poppins"/>
+              </a:rPr>
+              <a:t>amet</a:t>
+            </a:r>
+            <a:r>
+              <a:rPr lang="en-US" sz="3150" dirty="0">
+                <a:solidFill>
+                  <a:srgbClr val="000000"/>
+                </a:solidFill>
+                <a:latin typeface="Poppins"/>
+                <a:ea typeface="Poppins"/>
+                <a:cs typeface="Poppins"/>
+                <a:sym typeface="Poppins"/>
+              </a:rPr>
+              <a:t>, </a:t>
+            </a:r>
+            <a:r>
+              <a:rPr lang="en-US" sz="3150" dirty="0" err="1">
+                <a:solidFill>
+                  <a:srgbClr val="000000"/>
+                </a:solidFill>
+                <a:latin typeface="Poppins"/>
+                <a:ea typeface="Poppins"/>
+                <a:cs typeface="Poppins"/>
+                <a:sym typeface="Poppins"/>
+              </a:rPr>
+              <a:t>consectetuer</a:t>
+            </a:r>
+            <a:r>
+              <a:rPr lang="en-US" sz="3150" dirty="0">
+                <a:solidFill>
+                  <a:srgbClr val="000000"/>
+                </a:solidFill>
+                <a:latin typeface="Poppins"/>
+                <a:ea typeface="Poppins"/>
+                <a:cs typeface="Poppins"/>
+                <a:sym typeface="Poppins"/>
+              </a:rPr>
+              <a:t> </a:t>
+            </a:r>
+            <a:r>
+              <a:rPr lang="en-US" sz="3150" dirty="0" err="1">
+                <a:solidFill>
+                  <a:srgbClr val="000000"/>
+                </a:solidFill>
+                <a:latin typeface="Poppins"/>
+                <a:ea typeface="Poppins"/>
+                <a:cs typeface="Poppins"/>
+                <a:sym typeface="Poppins"/>
+              </a:rPr>
+              <a:t>adipiscing</a:t>
+            </a:r>
+            <a:r>
+              <a:rPr lang="en-US" sz="3150" dirty="0">
+                <a:solidFill>
+                  <a:srgbClr val="000000"/>
+                </a:solidFill>
+                <a:latin typeface="Poppins"/>
+                <a:ea typeface="Poppins"/>
+                <a:cs typeface="Poppins"/>
+                <a:sym typeface="Poppins"/>
+              </a:rPr>
+              <a:t> </a:t>
+            </a:r>
+            <a:r>
+              <a:rPr lang="en-US" sz="3150" dirty="0" err="1">
+                <a:solidFill>
+                  <a:srgbClr val="000000"/>
+                </a:solidFill>
+                <a:latin typeface="Poppins"/>
+                <a:ea typeface="Poppins"/>
+                <a:cs typeface="Poppins"/>
+                <a:sym typeface="Poppins"/>
+              </a:rPr>
+              <a:t>elit</a:t>
+            </a:r>
+            <a:r>
+              <a:rPr lang="en-US" sz="3150" dirty="0">
+                <a:solidFill>
+                  <a:srgbClr val="000000"/>
+                </a:solidFill>
+                <a:latin typeface="Poppins"/>
+                <a:ea typeface="Poppins"/>
+                <a:cs typeface="Poppins"/>
+                <a:sym typeface="Poppins"/>
+              </a:rPr>
+              <a:t>. Aenean </a:t>
+            </a:r>
+            <a:r>
+              <a:rPr lang="en-US" sz="3150" dirty="0" err="1">
+                <a:solidFill>
+                  <a:srgbClr val="000000"/>
+                </a:solidFill>
+                <a:latin typeface="Poppins"/>
+                <a:ea typeface="Poppins"/>
+                <a:cs typeface="Poppins"/>
+                <a:sym typeface="Poppins"/>
+              </a:rPr>
+              <a:t>commodo</a:t>
+            </a:r>
+            <a:r>
+              <a:rPr lang="en-US" sz="3150" dirty="0">
+                <a:solidFill>
+                  <a:srgbClr val="000000"/>
+                </a:solidFill>
+                <a:latin typeface="Poppins"/>
+                <a:ea typeface="Poppins"/>
+                <a:cs typeface="Poppins"/>
+                <a:sym typeface="Poppins"/>
+              </a:rPr>
+              <a:t> ligula </a:t>
+            </a:r>
+            <a:r>
+              <a:rPr lang="en-US" sz="3150" dirty="0" err="1">
+                <a:solidFill>
+                  <a:srgbClr val="000000"/>
+                </a:solidFill>
+                <a:latin typeface="Poppins"/>
+                <a:ea typeface="Poppins"/>
+                <a:cs typeface="Poppins"/>
+                <a:sym typeface="Poppins"/>
+              </a:rPr>
+              <a:t>eget</a:t>
+            </a:r>
+            <a:r>
+              <a:rPr lang="en-US" sz="3150" dirty="0">
+                <a:solidFill>
+                  <a:srgbClr val="000000"/>
+                </a:solidFill>
+                <a:latin typeface="Poppins"/>
+                <a:ea typeface="Poppins"/>
+                <a:cs typeface="Poppins"/>
+                <a:sym typeface="Poppins"/>
+              </a:rPr>
+              <a:t> dolor. Aenean </a:t>
+            </a:r>
+            <a:r>
+              <a:rPr lang="en-US" sz="3150" dirty="0" err="1">
+                <a:solidFill>
+                  <a:srgbClr val="000000"/>
+                </a:solidFill>
+                <a:latin typeface="Poppins"/>
+                <a:ea typeface="Poppins"/>
+                <a:cs typeface="Poppins"/>
+                <a:sym typeface="Poppins"/>
+              </a:rPr>
+              <a:t>massa</a:t>
+            </a:r>
+            <a:r>
+              <a:rPr lang="en-US" sz="3150" dirty="0">
+                <a:solidFill>
+                  <a:srgbClr val="000000"/>
+                </a:solidFill>
+                <a:latin typeface="Poppins"/>
+                <a:ea typeface="Poppins"/>
+                <a:cs typeface="Poppins"/>
+                <a:sym typeface="Poppins"/>
+              </a:rPr>
+              <a:t>. Cum sociis </a:t>
+            </a:r>
+            <a:r>
+              <a:rPr lang="en-US" sz="3150" dirty="0" err="1">
+                <a:solidFill>
+                  <a:srgbClr val="000000"/>
+                </a:solidFill>
+                <a:latin typeface="Poppins"/>
+                <a:ea typeface="Poppins"/>
+                <a:cs typeface="Poppins"/>
+                <a:sym typeface="Poppins"/>
+              </a:rPr>
+              <a:t>natoque</a:t>
+            </a:r>
+            <a:r>
+              <a:rPr lang="en-US" sz="3150" dirty="0">
+                <a:solidFill>
+                  <a:srgbClr val="000000"/>
+                </a:solidFill>
+                <a:latin typeface="Poppins"/>
+                <a:ea typeface="Poppins"/>
+                <a:cs typeface="Poppins"/>
+                <a:sym typeface="Poppins"/>
+              </a:rPr>
+              <a:t> </a:t>
+            </a:r>
+            <a:r>
+              <a:rPr lang="en-US" sz="3150" dirty="0" err="1">
+                <a:solidFill>
+                  <a:srgbClr val="000000"/>
+                </a:solidFill>
+                <a:latin typeface="Poppins"/>
+                <a:ea typeface="Poppins"/>
+                <a:cs typeface="Poppins"/>
+                <a:sym typeface="Poppins"/>
+              </a:rPr>
+              <a:t>penatibus</a:t>
+            </a:r>
+            <a:r>
+              <a:rPr lang="en-US" sz="3150" dirty="0">
+                <a:solidFill>
+                  <a:srgbClr val="000000"/>
+                </a:solidFill>
+                <a:latin typeface="Poppins"/>
+                <a:ea typeface="Poppins"/>
+                <a:cs typeface="Poppins"/>
+                <a:sym typeface="Poppins"/>
+              </a:rPr>
+              <a:t> et </a:t>
+            </a:r>
+            <a:r>
+              <a:rPr lang="en-US" sz="3150" dirty="0" err="1">
+                <a:solidFill>
+                  <a:srgbClr val="000000"/>
+                </a:solidFill>
+                <a:latin typeface="Poppins"/>
+                <a:ea typeface="Poppins"/>
+                <a:cs typeface="Poppins"/>
+                <a:sym typeface="Poppins"/>
+              </a:rPr>
+              <a:t>magnis</a:t>
+            </a:r>
+            <a:r>
+              <a:rPr lang="en-US" sz="3150" dirty="0">
+                <a:solidFill>
+                  <a:srgbClr val="000000"/>
+                </a:solidFill>
+                <a:latin typeface="Poppins"/>
+                <a:ea typeface="Poppins"/>
+                <a:cs typeface="Poppins"/>
+                <a:sym typeface="Poppins"/>
+              </a:rPr>
+              <a:t> dis parturient </a:t>
+            </a:r>
+            <a:r>
+              <a:rPr lang="en-US" sz="3150" dirty="0" err="1">
+                <a:solidFill>
+                  <a:srgbClr val="000000"/>
+                </a:solidFill>
+                <a:latin typeface="Poppins"/>
+                <a:ea typeface="Poppins"/>
+                <a:cs typeface="Poppins"/>
+                <a:sym typeface="Poppins"/>
+              </a:rPr>
+              <a:t>montes</a:t>
+            </a:r>
+            <a:r>
+              <a:rPr lang="en-US" sz="3150" dirty="0">
+                <a:solidFill>
+                  <a:srgbClr val="000000"/>
+                </a:solidFill>
+                <a:latin typeface="Poppins"/>
+                <a:ea typeface="Poppins"/>
+                <a:cs typeface="Poppins"/>
+                <a:sym typeface="Poppins"/>
+              </a:rPr>
+              <a:t>, </a:t>
+            </a:r>
+            <a:r>
+              <a:rPr lang="en-US" sz="3150" dirty="0" err="1">
+                <a:solidFill>
+                  <a:srgbClr val="000000"/>
+                </a:solidFill>
+                <a:latin typeface="Poppins"/>
+                <a:ea typeface="Poppins"/>
+                <a:cs typeface="Poppins"/>
+                <a:sym typeface="Poppins"/>
+              </a:rPr>
+              <a:t>nascetur</a:t>
+            </a:r>
+            <a:r>
+              <a:rPr lang="en-US" sz="3150" dirty="0">
+                <a:solidFill>
+                  <a:srgbClr val="000000"/>
+                </a:solidFill>
+                <a:latin typeface="Poppins"/>
+                <a:ea typeface="Poppins"/>
+                <a:cs typeface="Poppins"/>
+                <a:sym typeface="Poppins"/>
+              </a:rPr>
+              <a:t> </a:t>
+            </a:r>
+            <a:r>
+              <a:rPr lang="en-US" sz="3150" dirty="0" err="1">
+                <a:solidFill>
+                  <a:srgbClr val="000000"/>
+                </a:solidFill>
+                <a:latin typeface="Poppins"/>
+                <a:ea typeface="Poppins"/>
+                <a:cs typeface="Poppins"/>
+                <a:sym typeface="Poppins"/>
+              </a:rPr>
+              <a:t>ridiculus</a:t>
+            </a:r>
+            <a:r>
+              <a:rPr lang="en-US" sz="3150" dirty="0">
+                <a:solidFill>
+                  <a:srgbClr val="000000"/>
+                </a:solidFill>
+                <a:latin typeface="Poppins"/>
+                <a:ea typeface="Poppins"/>
+                <a:cs typeface="Poppins"/>
+                <a:sym typeface="Poppins"/>
+              </a:rPr>
+              <a:t> mus. Donec </a:t>
+            </a:r>
+            <a:r>
+              <a:rPr lang="en-US" sz="3150" dirty="0" err="1">
+                <a:solidFill>
+                  <a:srgbClr val="000000"/>
+                </a:solidFill>
+                <a:latin typeface="Poppins"/>
+                <a:ea typeface="Poppins"/>
+                <a:cs typeface="Poppins"/>
+                <a:sym typeface="Poppins"/>
+              </a:rPr>
+              <a:t>quam</a:t>
+            </a:r>
+            <a:r>
+              <a:rPr lang="en-US" sz="3150" dirty="0">
+                <a:solidFill>
+                  <a:srgbClr val="000000"/>
+                </a:solidFill>
+                <a:latin typeface="Poppins"/>
+                <a:ea typeface="Poppins"/>
+                <a:cs typeface="Poppins"/>
+                <a:sym typeface="Poppins"/>
+              </a:rPr>
+              <a:t> </a:t>
+            </a:r>
+            <a:r>
+              <a:rPr lang="en-US" sz="3150" dirty="0" err="1">
+                <a:solidFill>
+                  <a:srgbClr val="000000"/>
+                </a:solidFill>
+                <a:latin typeface="Poppins"/>
+                <a:ea typeface="Poppins"/>
+                <a:cs typeface="Poppins"/>
+                <a:sym typeface="Poppins"/>
+              </a:rPr>
+              <a:t>felis</a:t>
+            </a:r>
+            <a:r>
+              <a:rPr lang="en-US" sz="3150" dirty="0">
+                <a:solidFill>
+                  <a:srgbClr val="000000"/>
+                </a:solidFill>
+                <a:latin typeface="Poppins"/>
+                <a:ea typeface="Poppins"/>
+                <a:cs typeface="Poppins"/>
+                <a:sym typeface="Poppins"/>
+              </a:rPr>
+              <a:t>, </a:t>
+            </a:r>
+            <a:r>
+              <a:rPr lang="en-US" sz="3150" dirty="0" err="1">
+                <a:solidFill>
+                  <a:srgbClr val="000000"/>
+                </a:solidFill>
+                <a:latin typeface="Poppins"/>
+                <a:ea typeface="Poppins"/>
+                <a:cs typeface="Poppins"/>
+                <a:sym typeface="Poppins"/>
+              </a:rPr>
+              <a:t>ultricies</a:t>
+            </a:r>
+            <a:r>
+              <a:rPr lang="en-US" sz="3150" dirty="0">
+                <a:solidFill>
+                  <a:srgbClr val="000000"/>
+                </a:solidFill>
+                <a:latin typeface="Poppins"/>
+                <a:ea typeface="Poppins"/>
+                <a:cs typeface="Poppins"/>
+                <a:sym typeface="Poppins"/>
+              </a:rPr>
+              <a:t> nec, </a:t>
+            </a:r>
+            <a:r>
+              <a:rPr lang="en-US" sz="3150" dirty="0" err="1">
+                <a:solidFill>
+                  <a:srgbClr val="000000"/>
+                </a:solidFill>
+                <a:latin typeface="Poppins"/>
+                <a:ea typeface="Poppins"/>
+                <a:cs typeface="Poppins"/>
+                <a:sym typeface="Poppins"/>
+              </a:rPr>
+              <a:t>pellentesque</a:t>
+            </a:r>
+            <a:r>
+              <a:rPr lang="en-US" sz="3150" dirty="0">
+                <a:solidFill>
+                  <a:srgbClr val="000000"/>
+                </a:solidFill>
+                <a:latin typeface="Poppins"/>
+                <a:ea typeface="Poppins"/>
+                <a:cs typeface="Poppins"/>
+                <a:sym typeface="Poppins"/>
+              </a:rPr>
+              <a:t> </a:t>
+            </a:r>
+            <a:r>
+              <a:rPr lang="en-US" sz="3150" dirty="0" err="1">
+                <a:solidFill>
+                  <a:srgbClr val="000000"/>
+                </a:solidFill>
+                <a:latin typeface="Poppins"/>
+                <a:ea typeface="Poppins"/>
+                <a:cs typeface="Poppins"/>
+                <a:sym typeface="Poppins"/>
+              </a:rPr>
+              <a:t>eu</a:t>
+            </a:r>
+            <a:r>
+              <a:rPr lang="en-US" sz="3150" dirty="0">
+                <a:solidFill>
+                  <a:srgbClr val="000000"/>
+                </a:solidFill>
+                <a:latin typeface="Poppins"/>
+                <a:ea typeface="Poppins"/>
+                <a:cs typeface="Poppins"/>
+                <a:sym typeface="Poppins"/>
+              </a:rPr>
+              <a:t>, </a:t>
+            </a:r>
+            <a:r>
+              <a:rPr lang="en-US" sz="3150" dirty="0" err="1">
+                <a:solidFill>
+                  <a:srgbClr val="000000"/>
+                </a:solidFill>
+                <a:latin typeface="Poppins"/>
+                <a:ea typeface="Poppins"/>
+                <a:cs typeface="Poppins"/>
+                <a:sym typeface="Poppins"/>
+              </a:rPr>
+              <a:t>pretium</a:t>
+            </a:r>
+            <a:r>
+              <a:rPr lang="en-US" sz="3150" dirty="0">
+                <a:solidFill>
+                  <a:srgbClr val="000000"/>
+                </a:solidFill>
+                <a:latin typeface="Poppins"/>
+                <a:ea typeface="Poppins"/>
+                <a:cs typeface="Poppins"/>
+                <a:sym typeface="Poppins"/>
+              </a:rPr>
+              <a:t> </a:t>
+            </a:r>
+            <a:r>
+              <a:rPr lang="en-US" sz="3150" dirty="0" err="1">
+                <a:solidFill>
+                  <a:srgbClr val="000000"/>
+                </a:solidFill>
+                <a:latin typeface="Poppins"/>
+                <a:ea typeface="Poppins"/>
+                <a:cs typeface="Poppins"/>
+                <a:sym typeface="Poppins"/>
+              </a:rPr>
+              <a:t>quis</a:t>
+            </a:r>
+            <a:r>
+              <a:rPr lang="en-US" sz="3150" dirty="0">
+                <a:solidFill>
+                  <a:srgbClr val="000000"/>
+                </a:solidFill>
+                <a:latin typeface="Poppins"/>
+                <a:ea typeface="Poppins"/>
+                <a:cs typeface="Poppins"/>
+                <a:sym typeface="Poppins"/>
+              </a:rPr>
+              <a:t>, </a:t>
+            </a:r>
+            <a:r>
+              <a:rPr lang="en-US" sz="3150" dirty="0" err="1">
+                <a:solidFill>
+                  <a:srgbClr val="000000"/>
+                </a:solidFill>
+                <a:latin typeface="Poppins"/>
+                <a:ea typeface="Poppins"/>
+                <a:cs typeface="Poppins"/>
+                <a:sym typeface="Poppins"/>
+              </a:rPr>
+              <a:t>sem.Lorem</a:t>
+            </a:r>
+            <a:r>
+              <a:rPr lang="en-US" sz="3150" dirty="0">
+                <a:solidFill>
+                  <a:srgbClr val="000000"/>
+                </a:solidFill>
+                <a:latin typeface="Poppins"/>
+                <a:ea typeface="Poppins"/>
+                <a:cs typeface="Poppins"/>
+                <a:sym typeface="Poppins"/>
+              </a:rPr>
+              <a:t> ipsum dolor sit </a:t>
+            </a:r>
+            <a:r>
+              <a:rPr lang="en-US" sz="3150" dirty="0" err="1">
+                <a:solidFill>
+                  <a:srgbClr val="000000"/>
+                </a:solidFill>
+                <a:latin typeface="Poppins"/>
+                <a:ea typeface="Poppins"/>
+                <a:cs typeface="Poppins"/>
+                <a:sym typeface="Poppins"/>
+              </a:rPr>
+              <a:t>amet</a:t>
+            </a:r>
+            <a:r>
+              <a:rPr lang="en-US" sz="3150" dirty="0">
+                <a:solidFill>
+                  <a:srgbClr val="000000"/>
+                </a:solidFill>
+                <a:latin typeface="Poppins"/>
+                <a:ea typeface="Poppins"/>
+                <a:cs typeface="Poppins"/>
+                <a:sym typeface="Poppins"/>
+              </a:rPr>
+              <a:t>, </a:t>
+            </a:r>
+            <a:r>
+              <a:rPr lang="en-US" sz="3150" dirty="0" err="1">
+                <a:solidFill>
+                  <a:srgbClr val="000000"/>
+                </a:solidFill>
+                <a:latin typeface="Poppins"/>
+                <a:ea typeface="Poppins"/>
+                <a:cs typeface="Poppins"/>
+                <a:sym typeface="Poppins"/>
+              </a:rPr>
+              <a:t>consectetuer</a:t>
+            </a:r>
+            <a:r>
+              <a:rPr lang="en-US" sz="3150" dirty="0">
+                <a:solidFill>
+                  <a:srgbClr val="000000"/>
+                </a:solidFill>
+                <a:latin typeface="Poppins"/>
+                <a:ea typeface="Poppins"/>
+                <a:cs typeface="Poppins"/>
+                <a:sym typeface="Poppins"/>
+              </a:rPr>
+              <a:t> </a:t>
+            </a:r>
+            <a:r>
+              <a:rPr lang="en-US" sz="3150" dirty="0" err="1">
+                <a:solidFill>
+                  <a:srgbClr val="000000"/>
+                </a:solidFill>
+                <a:latin typeface="Poppins"/>
+                <a:ea typeface="Poppins"/>
+                <a:cs typeface="Poppins"/>
+                <a:sym typeface="Poppins"/>
+              </a:rPr>
+              <a:t>adipiscing</a:t>
+            </a:r>
+            <a:r>
+              <a:rPr lang="en-US" sz="3150" dirty="0">
+                <a:solidFill>
+                  <a:srgbClr val="000000"/>
+                </a:solidFill>
+                <a:latin typeface="Poppins"/>
+                <a:ea typeface="Poppins"/>
+                <a:cs typeface="Poppins"/>
+                <a:sym typeface="Poppins"/>
+              </a:rPr>
+              <a:t> </a:t>
+            </a:r>
+            <a:r>
+              <a:rPr lang="en-US" sz="3150" dirty="0" err="1">
+                <a:solidFill>
+                  <a:srgbClr val="000000"/>
+                </a:solidFill>
+                <a:latin typeface="Poppins"/>
+                <a:ea typeface="Poppins"/>
+                <a:cs typeface="Poppins"/>
+                <a:sym typeface="Poppins"/>
+              </a:rPr>
+              <a:t>elit</a:t>
+            </a:r>
+            <a:r>
+              <a:rPr lang="en-US" sz="3150" dirty="0">
+                <a:solidFill>
+                  <a:srgbClr val="000000"/>
+                </a:solidFill>
+                <a:latin typeface="Poppins"/>
+                <a:ea typeface="Poppins"/>
+                <a:cs typeface="Poppins"/>
+                <a:sym typeface="Poppins"/>
+              </a:rPr>
+              <a:t>. Aenean </a:t>
+            </a:r>
+            <a:r>
+              <a:rPr lang="en-US" sz="3150" dirty="0" err="1">
+                <a:solidFill>
+                  <a:srgbClr val="000000"/>
+                </a:solidFill>
+                <a:latin typeface="Poppins"/>
+                <a:ea typeface="Poppins"/>
+                <a:cs typeface="Poppins"/>
+                <a:sym typeface="Poppins"/>
+              </a:rPr>
+              <a:t>commodo</a:t>
+            </a:r>
+            <a:r>
+              <a:rPr lang="en-US" sz="3150" dirty="0">
+                <a:solidFill>
+                  <a:srgbClr val="000000"/>
+                </a:solidFill>
+                <a:latin typeface="Poppins"/>
+                <a:ea typeface="Poppins"/>
+                <a:cs typeface="Poppins"/>
+                <a:sym typeface="Poppins"/>
+              </a:rPr>
+              <a:t> ligula </a:t>
+            </a:r>
+            <a:r>
+              <a:rPr lang="en-US" sz="3150" dirty="0" err="1">
+                <a:solidFill>
+                  <a:srgbClr val="000000"/>
+                </a:solidFill>
+                <a:latin typeface="Poppins"/>
+                <a:ea typeface="Poppins"/>
+                <a:cs typeface="Poppins"/>
+                <a:sym typeface="Poppins"/>
+              </a:rPr>
+              <a:t>eget</a:t>
+            </a:r>
+            <a:r>
+              <a:rPr lang="en-US" sz="3150" dirty="0">
+                <a:solidFill>
+                  <a:srgbClr val="000000"/>
+                </a:solidFill>
+                <a:latin typeface="Poppins"/>
+                <a:ea typeface="Poppins"/>
+                <a:cs typeface="Poppins"/>
+                <a:sym typeface="Poppins"/>
+              </a:rPr>
+              <a:t> dolor. Aenean </a:t>
+            </a:r>
+            <a:r>
+              <a:rPr lang="en-US" sz="3150" dirty="0" err="1">
+                <a:solidFill>
+                  <a:srgbClr val="000000"/>
+                </a:solidFill>
+                <a:latin typeface="Poppins"/>
+                <a:ea typeface="Poppins"/>
+                <a:cs typeface="Poppins"/>
+                <a:sym typeface="Poppins"/>
+              </a:rPr>
+              <a:t>massa</a:t>
+            </a:r>
+            <a:r>
+              <a:rPr lang="en-US" sz="3150" dirty="0">
+                <a:solidFill>
+                  <a:srgbClr val="000000"/>
+                </a:solidFill>
+                <a:latin typeface="Poppins"/>
+                <a:ea typeface="Poppins"/>
+                <a:cs typeface="Poppins"/>
+                <a:sym typeface="Poppins"/>
+              </a:rPr>
+              <a:t>. Cum sociis </a:t>
+            </a:r>
+            <a:r>
+              <a:rPr lang="en-US" sz="3150" dirty="0" err="1">
+                <a:solidFill>
+                  <a:srgbClr val="000000"/>
+                </a:solidFill>
+                <a:latin typeface="Poppins"/>
+                <a:ea typeface="Poppins"/>
+                <a:cs typeface="Poppins"/>
+                <a:sym typeface="Poppins"/>
+              </a:rPr>
+              <a:t>natoque</a:t>
+            </a:r>
+            <a:r>
+              <a:rPr lang="en-US" sz="3150" dirty="0">
+                <a:solidFill>
+                  <a:srgbClr val="000000"/>
+                </a:solidFill>
+                <a:latin typeface="Poppins"/>
+                <a:ea typeface="Poppins"/>
+                <a:cs typeface="Poppins"/>
+                <a:sym typeface="Poppins"/>
+              </a:rPr>
+              <a:t> </a:t>
+            </a:r>
+            <a:r>
+              <a:rPr lang="en-US" sz="3150" dirty="0" err="1">
+                <a:solidFill>
+                  <a:srgbClr val="000000"/>
+                </a:solidFill>
+                <a:latin typeface="Poppins"/>
+                <a:ea typeface="Poppins"/>
+                <a:cs typeface="Poppins"/>
+                <a:sym typeface="Poppins"/>
+              </a:rPr>
+              <a:t>penatibus</a:t>
+            </a:r>
+            <a:r>
+              <a:rPr lang="en-US" sz="3150" dirty="0">
+                <a:solidFill>
+                  <a:srgbClr val="000000"/>
+                </a:solidFill>
+                <a:latin typeface="Poppins"/>
+                <a:ea typeface="Poppins"/>
+                <a:cs typeface="Poppins"/>
+                <a:sym typeface="Poppins"/>
+              </a:rPr>
+              <a:t> et </a:t>
+            </a:r>
+            <a:r>
+              <a:rPr lang="en-US" sz="3150" dirty="0" err="1">
+                <a:solidFill>
+                  <a:srgbClr val="000000"/>
+                </a:solidFill>
+                <a:latin typeface="Poppins"/>
+                <a:ea typeface="Poppins"/>
+                <a:cs typeface="Poppins"/>
+                <a:sym typeface="Poppins"/>
+              </a:rPr>
+              <a:t>magnis</a:t>
+            </a:r>
+            <a:r>
+              <a:rPr lang="en-US" sz="3150" dirty="0">
+                <a:solidFill>
+                  <a:srgbClr val="000000"/>
+                </a:solidFill>
+                <a:latin typeface="Poppins"/>
+                <a:ea typeface="Poppins"/>
+                <a:cs typeface="Poppins"/>
+                <a:sym typeface="Poppins"/>
+              </a:rPr>
+              <a:t> dis parturient </a:t>
+            </a:r>
+            <a:r>
+              <a:rPr lang="en-US" sz="3150" dirty="0" err="1">
+                <a:solidFill>
+                  <a:srgbClr val="000000"/>
+                </a:solidFill>
+                <a:latin typeface="Poppins"/>
+                <a:ea typeface="Poppins"/>
+                <a:cs typeface="Poppins"/>
+                <a:sym typeface="Poppins"/>
+              </a:rPr>
+              <a:t>montes</a:t>
+            </a:r>
+            <a:r>
+              <a:rPr lang="en-US" sz="3150" dirty="0">
+                <a:solidFill>
+                  <a:srgbClr val="000000"/>
+                </a:solidFill>
+                <a:latin typeface="Poppins"/>
+                <a:ea typeface="Poppins"/>
+                <a:cs typeface="Poppins"/>
+                <a:sym typeface="Poppins"/>
+              </a:rPr>
+              <a:t>, </a:t>
+            </a:r>
+            <a:r>
+              <a:rPr lang="en-US" sz="3150" dirty="0" err="1">
+                <a:solidFill>
+                  <a:srgbClr val="000000"/>
+                </a:solidFill>
+                <a:latin typeface="Poppins"/>
+                <a:ea typeface="Poppins"/>
+                <a:cs typeface="Poppins"/>
+                <a:sym typeface="Poppins"/>
+              </a:rPr>
+              <a:t>nascetur</a:t>
+            </a:r>
+            <a:r>
+              <a:rPr lang="en-US" sz="3150" dirty="0">
+                <a:solidFill>
+                  <a:srgbClr val="000000"/>
+                </a:solidFill>
+                <a:latin typeface="Poppins"/>
+                <a:ea typeface="Poppins"/>
+                <a:cs typeface="Poppins"/>
+                <a:sym typeface="Poppins"/>
+              </a:rPr>
+              <a:t> </a:t>
+            </a:r>
+            <a:r>
+              <a:rPr lang="en-US" sz="3150" dirty="0" err="1">
+                <a:solidFill>
+                  <a:srgbClr val="000000"/>
+                </a:solidFill>
+                <a:latin typeface="Poppins"/>
+                <a:ea typeface="Poppins"/>
+                <a:cs typeface="Poppins"/>
+                <a:sym typeface="Poppins"/>
+              </a:rPr>
+              <a:t>ridiculus</a:t>
+            </a:r>
+            <a:r>
+              <a:rPr lang="en-US" sz="3150" dirty="0">
+                <a:solidFill>
+                  <a:srgbClr val="000000"/>
+                </a:solidFill>
+                <a:latin typeface="Poppins"/>
+                <a:ea typeface="Poppins"/>
+                <a:cs typeface="Poppins"/>
+                <a:sym typeface="Poppins"/>
+              </a:rPr>
+              <a:t> mus. </a:t>
+            </a:r>
+          </a:p>
+        </p:txBody>
+      </p:sp>
+      <p:sp>
+        <p:nvSpPr>
+          <p:cNvPr id="29" name="MethodsBox">
+            <a:extLst>
+              <a:ext uri="{FF2B5EF4-FFF2-40B4-BE49-F238E27FC236}">
+                <a16:creationId xmlns:a16="http://schemas.microsoft.com/office/drawing/2014/main" id="{A23F1513-7181-DF8E-BEC3-46FDBD8F0D0F}"/>
+              </a:ext>
+            </a:extLst>
+          </p:cNvPr>
+          <p:cNvSpPr txBox="1"/>
           <p:nvPr/>
         </p:nvSpPr>
         <p:spPr>
-          <a:xfrm rot="0">
-            <a:off x="1179844" y="30895319"/>
+          <a:xfrm>
+            <a:off x="1179844" y="29814513"/>
             <a:ext cx="12107503" cy="2215515"/>
           </a:xfrm>
           <a:prstGeom prst="rect">
@@ -4079,7 +5389,7 @@
           </a:prstGeom>
         </p:spPr>
         <p:txBody>
-          <a:bodyPr anchor="t" rtlCol="false" tIns="0" lIns="0" bIns="0" rIns="0">
+          <a:bodyPr lIns="0" tIns="0" rIns="0" bIns="0" rtlCol="0" anchor="t">
             <a:spAutoFit/>
           </a:bodyPr>
           <a:lstStyle/>
@@ -4090,29 +5400,347 @@
               </a:lnSpc>
             </a:pPr>
             <a:r>
-              <a:rPr lang="en-US" sz="3150">
-                <a:solidFill>
-                  <a:srgbClr val="000000"/>
-                </a:solidFill>
-                <a:latin typeface="Poppins"/>
-                <a:ea typeface="Poppins"/>
-                <a:cs typeface="Poppins"/>
-                <a:sym typeface="Poppins"/>
-              </a:rPr>
-              <a:t>Lorem ipsum dolor sit amet, consectetuer adipiscing elit. Aenean commodo ligula eget dolor. Aenean massa. Cum sociis natoque penatibus et magnis dis parturient montes, nascetur ridiculus mus. </a:t>
-            </a:r>
-          </a:p>
-        </p:txBody>
-      </p:sp>
-      <p:sp>
-        <p:nvSpPr>
-          <p:cNvPr name="TextBox 27" id="27"/>
-          <p:cNvSpPr txBox="true"/>
+              <a:rPr lang="en-US" sz="3150" dirty="0">
+                <a:solidFill>
+                  <a:srgbClr val="000000"/>
+                </a:solidFill>
+                <a:latin typeface="Poppins"/>
+                <a:ea typeface="Poppins"/>
+                <a:cs typeface="Poppins"/>
+                <a:sym typeface="Poppins"/>
+              </a:rPr>
+              <a:t>Lorem ipsum dolor sit </a:t>
+            </a:r>
+            <a:r>
+              <a:rPr lang="en-US" sz="3150" dirty="0" err="1">
+                <a:solidFill>
+                  <a:srgbClr val="000000"/>
+                </a:solidFill>
+                <a:latin typeface="Poppins"/>
+                <a:ea typeface="Poppins"/>
+                <a:cs typeface="Poppins"/>
+                <a:sym typeface="Poppins"/>
+              </a:rPr>
+              <a:t>amet</a:t>
+            </a:r>
+            <a:r>
+              <a:rPr lang="en-US" sz="3150" dirty="0">
+                <a:solidFill>
+                  <a:srgbClr val="000000"/>
+                </a:solidFill>
+                <a:latin typeface="Poppins"/>
+                <a:ea typeface="Poppins"/>
+                <a:cs typeface="Poppins"/>
+                <a:sym typeface="Poppins"/>
+              </a:rPr>
+              <a:t>, </a:t>
+            </a:r>
+            <a:r>
+              <a:rPr lang="en-US" sz="3150" dirty="0" err="1">
+                <a:solidFill>
+                  <a:srgbClr val="000000"/>
+                </a:solidFill>
+                <a:latin typeface="Poppins"/>
+                <a:ea typeface="Poppins"/>
+                <a:cs typeface="Poppins"/>
+                <a:sym typeface="Poppins"/>
+              </a:rPr>
+              <a:t>consectetuer</a:t>
+            </a:r>
+            <a:r>
+              <a:rPr lang="en-US" sz="3150" dirty="0">
+                <a:solidFill>
+                  <a:srgbClr val="000000"/>
+                </a:solidFill>
+                <a:latin typeface="Poppins"/>
+                <a:ea typeface="Poppins"/>
+                <a:cs typeface="Poppins"/>
+                <a:sym typeface="Poppins"/>
+              </a:rPr>
+              <a:t> </a:t>
+            </a:r>
+            <a:r>
+              <a:rPr lang="en-US" sz="3150" dirty="0" err="1">
+                <a:solidFill>
+                  <a:srgbClr val="000000"/>
+                </a:solidFill>
+                <a:latin typeface="Poppins"/>
+                <a:ea typeface="Poppins"/>
+                <a:cs typeface="Poppins"/>
+                <a:sym typeface="Poppins"/>
+              </a:rPr>
+              <a:t>adipiscing</a:t>
+            </a:r>
+            <a:r>
+              <a:rPr lang="en-US" sz="3150" dirty="0">
+                <a:solidFill>
+                  <a:srgbClr val="000000"/>
+                </a:solidFill>
+                <a:latin typeface="Poppins"/>
+                <a:ea typeface="Poppins"/>
+                <a:cs typeface="Poppins"/>
+                <a:sym typeface="Poppins"/>
+              </a:rPr>
+              <a:t> </a:t>
+            </a:r>
+            <a:r>
+              <a:rPr lang="en-US" sz="3150" dirty="0" err="1">
+                <a:solidFill>
+                  <a:srgbClr val="000000"/>
+                </a:solidFill>
+                <a:latin typeface="Poppins"/>
+                <a:ea typeface="Poppins"/>
+                <a:cs typeface="Poppins"/>
+                <a:sym typeface="Poppins"/>
+              </a:rPr>
+              <a:t>elit</a:t>
+            </a:r>
+            <a:r>
+              <a:rPr lang="en-US" sz="3150" dirty="0">
+                <a:solidFill>
+                  <a:srgbClr val="000000"/>
+                </a:solidFill>
+                <a:latin typeface="Poppins"/>
+                <a:ea typeface="Poppins"/>
+                <a:cs typeface="Poppins"/>
+                <a:sym typeface="Poppins"/>
+              </a:rPr>
+              <a:t>. Aenean </a:t>
+            </a:r>
+            <a:r>
+              <a:rPr lang="en-US" sz="3150" dirty="0" err="1">
+                <a:solidFill>
+                  <a:srgbClr val="000000"/>
+                </a:solidFill>
+                <a:latin typeface="Poppins"/>
+                <a:ea typeface="Poppins"/>
+                <a:cs typeface="Poppins"/>
+                <a:sym typeface="Poppins"/>
+              </a:rPr>
+              <a:t>commodo</a:t>
+            </a:r>
+            <a:r>
+              <a:rPr lang="en-US" sz="3150" dirty="0">
+                <a:solidFill>
+                  <a:srgbClr val="000000"/>
+                </a:solidFill>
+                <a:latin typeface="Poppins"/>
+                <a:ea typeface="Poppins"/>
+                <a:cs typeface="Poppins"/>
+                <a:sym typeface="Poppins"/>
+              </a:rPr>
+              <a:t> ligula </a:t>
+            </a:r>
+            <a:r>
+              <a:rPr lang="en-US" sz="3150" dirty="0" err="1">
+                <a:solidFill>
+                  <a:srgbClr val="000000"/>
+                </a:solidFill>
+                <a:latin typeface="Poppins"/>
+                <a:ea typeface="Poppins"/>
+                <a:cs typeface="Poppins"/>
+                <a:sym typeface="Poppins"/>
+              </a:rPr>
+              <a:t>eget</a:t>
+            </a:r>
+            <a:r>
+              <a:rPr lang="en-US" sz="3150" dirty="0">
+                <a:solidFill>
+                  <a:srgbClr val="000000"/>
+                </a:solidFill>
+                <a:latin typeface="Poppins"/>
+                <a:ea typeface="Poppins"/>
+                <a:cs typeface="Poppins"/>
+                <a:sym typeface="Poppins"/>
+              </a:rPr>
+              <a:t> dolor. Aenean </a:t>
+            </a:r>
+            <a:r>
+              <a:rPr lang="en-US" sz="3150" dirty="0" err="1">
+                <a:solidFill>
+                  <a:srgbClr val="000000"/>
+                </a:solidFill>
+                <a:latin typeface="Poppins"/>
+                <a:ea typeface="Poppins"/>
+                <a:cs typeface="Poppins"/>
+                <a:sym typeface="Poppins"/>
+              </a:rPr>
+              <a:t>massa</a:t>
+            </a:r>
+            <a:r>
+              <a:rPr lang="en-US" sz="3150" dirty="0">
+                <a:solidFill>
+                  <a:srgbClr val="000000"/>
+                </a:solidFill>
+                <a:latin typeface="Poppins"/>
+                <a:ea typeface="Poppins"/>
+                <a:cs typeface="Poppins"/>
+                <a:sym typeface="Poppins"/>
+              </a:rPr>
+              <a:t>. Cum sociis </a:t>
+            </a:r>
+            <a:r>
+              <a:rPr lang="en-US" sz="3150" dirty="0" err="1">
+                <a:solidFill>
+                  <a:srgbClr val="000000"/>
+                </a:solidFill>
+                <a:latin typeface="Poppins"/>
+                <a:ea typeface="Poppins"/>
+                <a:cs typeface="Poppins"/>
+                <a:sym typeface="Poppins"/>
+              </a:rPr>
+              <a:t>natoque</a:t>
+            </a:r>
+            <a:r>
+              <a:rPr lang="en-US" sz="3150" dirty="0">
+                <a:solidFill>
+                  <a:srgbClr val="000000"/>
+                </a:solidFill>
+                <a:latin typeface="Poppins"/>
+                <a:ea typeface="Poppins"/>
+                <a:cs typeface="Poppins"/>
+                <a:sym typeface="Poppins"/>
+              </a:rPr>
+              <a:t> </a:t>
+            </a:r>
+            <a:r>
+              <a:rPr lang="en-US" sz="3150" dirty="0" err="1">
+                <a:solidFill>
+                  <a:srgbClr val="000000"/>
+                </a:solidFill>
+                <a:latin typeface="Poppins"/>
+                <a:ea typeface="Poppins"/>
+                <a:cs typeface="Poppins"/>
+                <a:sym typeface="Poppins"/>
+              </a:rPr>
+              <a:t>penatibus</a:t>
+            </a:r>
+            <a:r>
+              <a:rPr lang="en-US" sz="3150" dirty="0">
+                <a:solidFill>
+                  <a:srgbClr val="000000"/>
+                </a:solidFill>
+                <a:latin typeface="Poppins"/>
+                <a:ea typeface="Poppins"/>
+                <a:cs typeface="Poppins"/>
+                <a:sym typeface="Poppins"/>
+              </a:rPr>
+              <a:t> et </a:t>
+            </a:r>
+            <a:r>
+              <a:rPr lang="en-US" sz="3150" dirty="0" err="1">
+                <a:solidFill>
+                  <a:srgbClr val="000000"/>
+                </a:solidFill>
+                <a:latin typeface="Poppins"/>
+                <a:ea typeface="Poppins"/>
+                <a:cs typeface="Poppins"/>
+                <a:sym typeface="Poppins"/>
+              </a:rPr>
+              <a:t>magnis</a:t>
+            </a:r>
+            <a:r>
+              <a:rPr lang="en-US" sz="3150" dirty="0">
+                <a:solidFill>
+                  <a:srgbClr val="000000"/>
+                </a:solidFill>
+                <a:latin typeface="Poppins"/>
+                <a:ea typeface="Poppins"/>
+                <a:cs typeface="Poppins"/>
+                <a:sym typeface="Poppins"/>
+              </a:rPr>
+              <a:t> dis parturient </a:t>
+            </a:r>
+            <a:r>
+              <a:rPr lang="en-US" sz="3150" dirty="0" err="1">
+                <a:solidFill>
+                  <a:srgbClr val="000000"/>
+                </a:solidFill>
+                <a:latin typeface="Poppins"/>
+                <a:ea typeface="Poppins"/>
+                <a:cs typeface="Poppins"/>
+                <a:sym typeface="Poppins"/>
+              </a:rPr>
+              <a:t>montes</a:t>
+            </a:r>
+            <a:r>
+              <a:rPr lang="en-US" sz="3150" dirty="0">
+                <a:solidFill>
+                  <a:srgbClr val="000000"/>
+                </a:solidFill>
+                <a:latin typeface="Poppins"/>
+                <a:ea typeface="Poppins"/>
+                <a:cs typeface="Poppins"/>
+                <a:sym typeface="Poppins"/>
+              </a:rPr>
+              <a:t>, </a:t>
+            </a:r>
+            <a:r>
+              <a:rPr lang="en-US" sz="3150" dirty="0" err="1">
+                <a:solidFill>
+                  <a:srgbClr val="000000"/>
+                </a:solidFill>
+                <a:latin typeface="Poppins"/>
+                <a:ea typeface="Poppins"/>
+                <a:cs typeface="Poppins"/>
+                <a:sym typeface="Poppins"/>
+              </a:rPr>
+              <a:t>nascetur</a:t>
+            </a:r>
+            <a:r>
+              <a:rPr lang="en-US" sz="3150" dirty="0">
+                <a:solidFill>
+                  <a:srgbClr val="000000"/>
+                </a:solidFill>
+                <a:latin typeface="Poppins"/>
+                <a:ea typeface="Poppins"/>
+                <a:cs typeface="Poppins"/>
+                <a:sym typeface="Poppins"/>
+              </a:rPr>
+              <a:t> </a:t>
+            </a:r>
+            <a:r>
+              <a:rPr lang="en-US" sz="3150" dirty="0" err="1">
+                <a:solidFill>
+                  <a:srgbClr val="000000"/>
+                </a:solidFill>
+                <a:latin typeface="Poppins"/>
+                <a:ea typeface="Poppins"/>
+                <a:cs typeface="Poppins"/>
+                <a:sym typeface="Poppins"/>
+              </a:rPr>
+              <a:t>ridiculus</a:t>
+            </a:r>
+            <a:r>
+              <a:rPr lang="en-US" sz="3150" dirty="0">
+                <a:solidFill>
+                  <a:srgbClr val="000000"/>
+                </a:solidFill>
+                <a:latin typeface="Poppins"/>
+                <a:ea typeface="Poppins"/>
+                <a:cs typeface="Poppins"/>
+                <a:sym typeface="Poppins"/>
+              </a:rPr>
+              <a:t> mus. </a:t>
+            </a:r>
+          </a:p>
+        </p:txBody>
+      </p:sp>
+      <p:sp>
+        <p:nvSpPr>
+          <p:cNvPr id="30" name="ResultsBox">
+            <a:extLst>
+              <a:ext uri="{FF2B5EF4-FFF2-40B4-BE49-F238E27FC236}">
+                <a16:creationId xmlns:a16="http://schemas.microsoft.com/office/drawing/2014/main" id="{72BD78B8-FB08-D7F7-3B9F-C0F52B6E1AA8}"/>
+              </a:ext>
+            </a:extLst>
+          </p:cNvPr>
+          <p:cNvSpPr txBox="1"/>
           <p:nvPr/>
         </p:nvSpPr>
         <p:spPr>
-          <a:xfrm rot="0">
-            <a:off x="14356177" y="27986686"/>
+          <a:xfrm>
+            <a:off x="14356177" y="28749336"/>
             <a:ext cx="15447040" cy="3872865"/>
           </a:xfrm>
           <a:prstGeom prst="rect">
@@ -4120,7 +5748,7 @@
           </a:prstGeom>
         </p:spPr>
         <p:txBody>
-          <a:bodyPr anchor="t" rtlCol="false" tIns="0" lIns="0" bIns="0" rIns="0">
+          <a:bodyPr lIns="0" tIns="0" rIns="0" bIns="0" rtlCol="0" anchor="t">
             <a:spAutoFit/>
           </a:bodyPr>
           <a:lstStyle/>
@@ -4131,28 +5759,850 @@
               </a:lnSpc>
             </a:pPr>
             <a:r>
-              <a:rPr lang="en-US" sz="3150">
-                <a:solidFill>
-                  <a:srgbClr val="000000"/>
-                </a:solidFill>
-                <a:latin typeface="Poppins"/>
-                <a:ea typeface="Poppins"/>
-                <a:cs typeface="Poppins"/>
-                <a:sym typeface="Poppins"/>
-              </a:rPr>
-              <a:t>Lorem ipsum dolor sit amet, consectetuer adipiscing elit. Aenean commodo ligula eget dolor. Aenean massa. Cum sociis natoque penatibus et magnis dis parturient montes, nascetur ridiculus mus. Donec quam felis, ultricies nec, pellentesque eu, pretium quis, sem.Lorem ipsum dolor sit amet, consectetuer adipiscing elit. Aenean commodo ligula eget dolor. Aenean massa. Cum sociis natoque penatibus et magnis dis parturient montes, nascetur ridiculus mus. </a:t>
-            </a:r>
-          </a:p>
-        </p:txBody>
-      </p:sp>
-      <p:sp>
-        <p:nvSpPr>
-          <p:cNvPr name="TextBox 28" id="28"/>
-          <p:cNvSpPr txBox="true"/>
+              <a:rPr lang="en-US" sz="3150" dirty="0">
+                <a:solidFill>
+                  <a:srgbClr val="000000"/>
+                </a:solidFill>
+                <a:latin typeface="Poppins"/>
+                <a:ea typeface="Poppins"/>
+                <a:cs typeface="Poppins"/>
+                <a:sym typeface="Poppins"/>
+              </a:rPr>
+              <a:t>Lorem ipsum dolor sit </a:t>
+            </a:r>
+            <a:r>
+              <a:rPr lang="en-US" sz="3150" dirty="0" err="1">
+                <a:solidFill>
+                  <a:srgbClr val="000000"/>
+                </a:solidFill>
+                <a:latin typeface="Poppins"/>
+                <a:ea typeface="Poppins"/>
+                <a:cs typeface="Poppins"/>
+                <a:sym typeface="Poppins"/>
+              </a:rPr>
+              <a:t>amet</a:t>
+            </a:r>
+            <a:r>
+              <a:rPr lang="en-US" sz="3150" dirty="0">
+                <a:solidFill>
+                  <a:srgbClr val="000000"/>
+                </a:solidFill>
+                <a:latin typeface="Poppins"/>
+                <a:ea typeface="Poppins"/>
+                <a:cs typeface="Poppins"/>
+                <a:sym typeface="Poppins"/>
+              </a:rPr>
+              <a:t>, </a:t>
+            </a:r>
+            <a:r>
+              <a:rPr lang="en-US" sz="3150" dirty="0" err="1">
+                <a:solidFill>
+                  <a:srgbClr val="000000"/>
+                </a:solidFill>
+                <a:latin typeface="Poppins"/>
+                <a:ea typeface="Poppins"/>
+                <a:cs typeface="Poppins"/>
+                <a:sym typeface="Poppins"/>
+              </a:rPr>
+              <a:t>consectetuer</a:t>
+            </a:r>
+            <a:r>
+              <a:rPr lang="en-US" sz="3150" dirty="0">
+                <a:solidFill>
+                  <a:srgbClr val="000000"/>
+                </a:solidFill>
+                <a:latin typeface="Poppins"/>
+                <a:ea typeface="Poppins"/>
+                <a:cs typeface="Poppins"/>
+                <a:sym typeface="Poppins"/>
+              </a:rPr>
+              <a:t> </a:t>
+            </a:r>
+            <a:r>
+              <a:rPr lang="en-US" sz="3150" dirty="0" err="1">
+                <a:solidFill>
+                  <a:srgbClr val="000000"/>
+                </a:solidFill>
+                <a:latin typeface="Poppins"/>
+                <a:ea typeface="Poppins"/>
+                <a:cs typeface="Poppins"/>
+                <a:sym typeface="Poppins"/>
+              </a:rPr>
+              <a:t>adipiscing</a:t>
+            </a:r>
+            <a:r>
+              <a:rPr lang="en-US" sz="3150" dirty="0">
+                <a:solidFill>
+                  <a:srgbClr val="000000"/>
+                </a:solidFill>
+                <a:latin typeface="Poppins"/>
+                <a:ea typeface="Poppins"/>
+                <a:cs typeface="Poppins"/>
+                <a:sym typeface="Poppins"/>
+              </a:rPr>
+              <a:t> </a:t>
+            </a:r>
+            <a:r>
+              <a:rPr lang="en-US" sz="3150" dirty="0" err="1">
+                <a:solidFill>
+                  <a:srgbClr val="000000"/>
+                </a:solidFill>
+                <a:latin typeface="Poppins"/>
+                <a:ea typeface="Poppins"/>
+                <a:cs typeface="Poppins"/>
+                <a:sym typeface="Poppins"/>
+              </a:rPr>
+              <a:t>elit</a:t>
+            </a:r>
+            <a:r>
+              <a:rPr lang="en-US" sz="3150" dirty="0">
+                <a:solidFill>
+                  <a:srgbClr val="000000"/>
+                </a:solidFill>
+                <a:latin typeface="Poppins"/>
+                <a:ea typeface="Poppins"/>
+                <a:cs typeface="Poppins"/>
+                <a:sym typeface="Poppins"/>
+              </a:rPr>
+              <a:t>. Aenean </a:t>
+            </a:r>
+            <a:r>
+              <a:rPr lang="en-US" sz="3150" dirty="0" err="1">
+                <a:solidFill>
+                  <a:srgbClr val="000000"/>
+                </a:solidFill>
+                <a:latin typeface="Poppins"/>
+                <a:ea typeface="Poppins"/>
+                <a:cs typeface="Poppins"/>
+                <a:sym typeface="Poppins"/>
+              </a:rPr>
+              <a:t>commodo</a:t>
+            </a:r>
+            <a:r>
+              <a:rPr lang="en-US" sz="3150" dirty="0">
+                <a:solidFill>
+                  <a:srgbClr val="000000"/>
+                </a:solidFill>
+                <a:latin typeface="Poppins"/>
+                <a:ea typeface="Poppins"/>
+                <a:cs typeface="Poppins"/>
+                <a:sym typeface="Poppins"/>
+              </a:rPr>
+              <a:t> ligula </a:t>
+            </a:r>
+            <a:r>
+              <a:rPr lang="en-US" sz="3150" dirty="0" err="1">
+                <a:solidFill>
+                  <a:srgbClr val="000000"/>
+                </a:solidFill>
+                <a:latin typeface="Poppins"/>
+                <a:ea typeface="Poppins"/>
+                <a:cs typeface="Poppins"/>
+                <a:sym typeface="Poppins"/>
+              </a:rPr>
+              <a:t>eget</a:t>
+            </a:r>
+            <a:r>
+              <a:rPr lang="en-US" sz="3150" dirty="0">
+                <a:solidFill>
+                  <a:srgbClr val="000000"/>
+                </a:solidFill>
+                <a:latin typeface="Poppins"/>
+                <a:ea typeface="Poppins"/>
+                <a:cs typeface="Poppins"/>
+                <a:sym typeface="Poppins"/>
+              </a:rPr>
+              <a:t> dolor. Aenean </a:t>
+            </a:r>
+            <a:r>
+              <a:rPr lang="en-US" sz="3150" dirty="0" err="1">
+                <a:solidFill>
+                  <a:srgbClr val="000000"/>
+                </a:solidFill>
+                <a:latin typeface="Poppins"/>
+                <a:ea typeface="Poppins"/>
+                <a:cs typeface="Poppins"/>
+                <a:sym typeface="Poppins"/>
+              </a:rPr>
+              <a:t>massa</a:t>
+            </a:r>
+            <a:r>
+              <a:rPr lang="en-US" sz="3150" dirty="0">
+                <a:solidFill>
+                  <a:srgbClr val="000000"/>
+                </a:solidFill>
+                <a:latin typeface="Poppins"/>
+                <a:ea typeface="Poppins"/>
+                <a:cs typeface="Poppins"/>
+                <a:sym typeface="Poppins"/>
+              </a:rPr>
+              <a:t>. Cum sociis </a:t>
+            </a:r>
+            <a:r>
+              <a:rPr lang="en-US" sz="3150" dirty="0" err="1">
+                <a:solidFill>
+                  <a:srgbClr val="000000"/>
+                </a:solidFill>
+                <a:latin typeface="Poppins"/>
+                <a:ea typeface="Poppins"/>
+                <a:cs typeface="Poppins"/>
+                <a:sym typeface="Poppins"/>
+              </a:rPr>
+              <a:t>natoque</a:t>
+            </a:r>
+            <a:r>
+              <a:rPr lang="en-US" sz="3150" dirty="0">
+                <a:solidFill>
+                  <a:srgbClr val="000000"/>
+                </a:solidFill>
+                <a:latin typeface="Poppins"/>
+                <a:ea typeface="Poppins"/>
+                <a:cs typeface="Poppins"/>
+                <a:sym typeface="Poppins"/>
+              </a:rPr>
+              <a:t> </a:t>
+            </a:r>
+            <a:r>
+              <a:rPr lang="en-US" sz="3150" dirty="0" err="1">
+                <a:solidFill>
+                  <a:srgbClr val="000000"/>
+                </a:solidFill>
+                <a:latin typeface="Poppins"/>
+                <a:ea typeface="Poppins"/>
+                <a:cs typeface="Poppins"/>
+                <a:sym typeface="Poppins"/>
+              </a:rPr>
+              <a:t>penatibus</a:t>
+            </a:r>
+            <a:r>
+              <a:rPr lang="en-US" sz="3150" dirty="0">
+                <a:solidFill>
+                  <a:srgbClr val="000000"/>
+                </a:solidFill>
+                <a:latin typeface="Poppins"/>
+                <a:ea typeface="Poppins"/>
+                <a:cs typeface="Poppins"/>
+                <a:sym typeface="Poppins"/>
+              </a:rPr>
+              <a:t> et </a:t>
+            </a:r>
+            <a:r>
+              <a:rPr lang="en-US" sz="3150" dirty="0" err="1">
+                <a:solidFill>
+                  <a:srgbClr val="000000"/>
+                </a:solidFill>
+                <a:latin typeface="Poppins"/>
+                <a:ea typeface="Poppins"/>
+                <a:cs typeface="Poppins"/>
+                <a:sym typeface="Poppins"/>
+              </a:rPr>
+              <a:t>magnis</a:t>
+            </a:r>
+            <a:r>
+              <a:rPr lang="en-US" sz="3150" dirty="0">
+                <a:solidFill>
+                  <a:srgbClr val="000000"/>
+                </a:solidFill>
+                <a:latin typeface="Poppins"/>
+                <a:ea typeface="Poppins"/>
+                <a:cs typeface="Poppins"/>
+                <a:sym typeface="Poppins"/>
+              </a:rPr>
+              <a:t> dis parturient </a:t>
+            </a:r>
+            <a:r>
+              <a:rPr lang="en-US" sz="3150" dirty="0" err="1">
+                <a:solidFill>
+                  <a:srgbClr val="000000"/>
+                </a:solidFill>
+                <a:latin typeface="Poppins"/>
+                <a:ea typeface="Poppins"/>
+                <a:cs typeface="Poppins"/>
+                <a:sym typeface="Poppins"/>
+              </a:rPr>
+              <a:t>montes</a:t>
+            </a:r>
+            <a:r>
+              <a:rPr lang="en-US" sz="3150" dirty="0">
+                <a:solidFill>
+                  <a:srgbClr val="000000"/>
+                </a:solidFill>
+                <a:latin typeface="Poppins"/>
+                <a:ea typeface="Poppins"/>
+                <a:cs typeface="Poppins"/>
+                <a:sym typeface="Poppins"/>
+              </a:rPr>
+              <a:t>, </a:t>
+            </a:r>
+            <a:r>
+              <a:rPr lang="en-US" sz="3150" dirty="0" err="1">
+                <a:solidFill>
+                  <a:srgbClr val="000000"/>
+                </a:solidFill>
+                <a:latin typeface="Poppins"/>
+                <a:ea typeface="Poppins"/>
+                <a:cs typeface="Poppins"/>
+                <a:sym typeface="Poppins"/>
+              </a:rPr>
+              <a:t>nascetur</a:t>
+            </a:r>
+            <a:r>
+              <a:rPr lang="en-US" sz="3150" dirty="0">
+                <a:solidFill>
+                  <a:srgbClr val="000000"/>
+                </a:solidFill>
+                <a:latin typeface="Poppins"/>
+                <a:ea typeface="Poppins"/>
+                <a:cs typeface="Poppins"/>
+                <a:sym typeface="Poppins"/>
+              </a:rPr>
+              <a:t> </a:t>
+            </a:r>
+            <a:r>
+              <a:rPr lang="en-US" sz="3150" dirty="0" err="1">
+                <a:solidFill>
+                  <a:srgbClr val="000000"/>
+                </a:solidFill>
+                <a:latin typeface="Poppins"/>
+                <a:ea typeface="Poppins"/>
+                <a:cs typeface="Poppins"/>
+                <a:sym typeface="Poppins"/>
+              </a:rPr>
+              <a:t>ridiculus</a:t>
+            </a:r>
+            <a:r>
+              <a:rPr lang="en-US" sz="3150" dirty="0">
+                <a:solidFill>
+                  <a:srgbClr val="000000"/>
+                </a:solidFill>
+                <a:latin typeface="Poppins"/>
+                <a:ea typeface="Poppins"/>
+                <a:cs typeface="Poppins"/>
+                <a:sym typeface="Poppins"/>
+              </a:rPr>
+              <a:t> mus. Donec </a:t>
+            </a:r>
+            <a:r>
+              <a:rPr lang="en-US" sz="3150" dirty="0" err="1">
+                <a:solidFill>
+                  <a:srgbClr val="000000"/>
+                </a:solidFill>
+                <a:latin typeface="Poppins"/>
+                <a:ea typeface="Poppins"/>
+                <a:cs typeface="Poppins"/>
+                <a:sym typeface="Poppins"/>
+              </a:rPr>
+              <a:t>quam</a:t>
+            </a:r>
+            <a:r>
+              <a:rPr lang="en-US" sz="3150" dirty="0">
+                <a:solidFill>
+                  <a:srgbClr val="000000"/>
+                </a:solidFill>
+                <a:latin typeface="Poppins"/>
+                <a:ea typeface="Poppins"/>
+                <a:cs typeface="Poppins"/>
+                <a:sym typeface="Poppins"/>
+              </a:rPr>
+              <a:t> </a:t>
+            </a:r>
+            <a:r>
+              <a:rPr lang="en-US" sz="3150" dirty="0" err="1">
+                <a:solidFill>
+                  <a:srgbClr val="000000"/>
+                </a:solidFill>
+                <a:latin typeface="Poppins"/>
+                <a:ea typeface="Poppins"/>
+                <a:cs typeface="Poppins"/>
+                <a:sym typeface="Poppins"/>
+              </a:rPr>
+              <a:t>felis</a:t>
+            </a:r>
+            <a:r>
+              <a:rPr lang="en-US" sz="3150" dirty="0">
+                <a:solidFill>
+                  <a:srgbClr val="000000"/>
+                </a:solidFill>
+                <a:latin typeface="Poppins"/>
+                <a:ea typeface="Poppins"/>
+                <a:cs typeface="Poppins"/>
+                <a:sym typeface="Poppins"/>
+              </a:rPr>
+              <a:t>, </a:t>
+            </a:r>
+            <a:r>
+              <a:rPr lang="en-US" sz="3150" dirty="0" err="1">
+                <a:solidFill>
+                  <a:srgbClr val="000000"/>
+                </a:solidFill>
+                <a:latin typeface="Poppins"/>
+                <a:ea typeface="Poppins"/>
+                <a:cs typeface="Poppins"/>
+                <a:sym typeface="Poppins"/>
+              </a:rPr>
+              <a:t>ultricies</a:t>
+            </a:r>
+            <a:r>
+              <a:rPr lang="en-US" sz="3150" dirty="0">
+                <a:solidFill>
+                  <a:srgbClr val="000000"/>
+                </a:solidFill>
+                <a:latin typeface="Poppins"/>
+                <a:ea typeface="Poppins"/>
+                <a:cs typeface="Poppins"/>
+                <a:sym typeface="Poppins"/>
+              </a:rPr>
+              <a:t> nec, </a:t>
+            </a:r>
+            <a:r>
+              <a:rPr lang="en-US" sz="3150" dirty="0" err="1">
+                <a:solidFill>
+                  <a:srgbClr val="000000"/>
+                </a:solidFill>
+                <a:latin typeface="Poppins"/>
+                <a:ea typeface="Poppins"/>
+                <a:cs typeface="Poppins"/>
+                <a:sym typeface="Poppins"/>
+              </a:rPr>
+              <a:t>pellentesque</a:t>
+            </a:r>
+            <a:r>
+              <a:rPr lang="en-US" sz="3150" dirty="0">
+                <a:solidFill>
+                  <a:srgbClr val="000000"/>
+                </a:solidFill>
+                <a:latin typeface="Poppins"/>
+                <a:ea typeface="Poppins"/>
+                <a:cs typeface="Poppins"/>
+                <a:sym typeface="Poppins"/>
+              </a:rPr>
+              <a:t> </a:t>
+            </a:r>
+            <a:r>
+              <a:rPr lang="en-US" sz="3150" dirty="0" err="1">
+                <a:solidFill>
+                  <a:srgbClr val="000000"/>
+                </a:solidFill>
+                <a:latin typeface="Poppins"/>
+                <a:ea typeface="Poppins"/>
+                <a:cs typeface="Poppins"/>
+                <a:sym typeface="Poppins"/>
+              </a:rPr>
+              <a:t>eu</a:t>
+            </a:r>
+            <a:r>
+              <a:rPr lang="en-US" sz="3150" dirty="0">
+                <a:solidFill>
+                  <a:srgbClr val="000000"/>
+                </a:solidFill>
+                <a:latin typeface="Poppins"/>
+                <a:ea typeface="Poppins"/>
+                <a:cs typeface="Poppins"/>
+                <a:sym typeface="Poppins"/>
+              </a:rPr>
+              <a:t>, </a:t>
+            </a:r>
+            <a:r>
+              <a:rPr lang="en-US" sz="3150" dirty="0" err="1">
+                <a:solidFill>
+                  <a:srgbClr val="000000"/>
+                </a:solidFill>
+                <a:latin typeface="Poppins"/>
+                <a:ea typeface="Poppins"/>
+                <a:cs typeface="Poppins"/>
+                <a:sym typeface="Poppins"/>
+              </a:rPr>
+              <a:t>pretium</a:t>
+            </a:r>
+            <a:r>
+              <a:rPr lang="en-US" sz="3150" dirty="0">
+                <a:solidFill>
+                  <a:srgbClr val="000000"/>
+                </a:solidFill>
+                <a:latin typeface="Poppins"/>
+                <a:ea typeface="Poppins"/>
+                <a:cs typeface="Poppins"/>
+                <a:sym typeface="Poppins"/>
+              </a:rPr>
+              <a:t> </a:t>
+            </a:r>
+            <a:r>
+              <a:rPr lang="en-US" sz="3150" dirty="0" err="1">
+                <a:solidFill>
+                  <a:srgbClr val="000000"/>
+                </a:solidFill>
+                <a:latin typeface="Poppins"/>
+                <a:ea typeface="Poppins"/>
+                <a:cs typeface="Poppins"/>
+                <a:sym typeface="Poppins"/>
+              </a:rPr>
+              <a:t>quis</a:t>
+            </a:r>
+            <a:r>
+              <a:rPr lang="en-US" sz="3150" dirty="0">
+                <a:solidFill>
+                  <a:srgbClr val="000000"/>
+                </a:solidFill>
+                <a:latin typeface="Poppins"/>
+                <a:ea typeface="Poppins"/>
+                <a:cs typeface="Poppins"/>
+                <a:sym typeface="Poppins"/>
+              </a:rPr>
+              <a:t>, </a:t>
+            </a:r>
+            <a:r>
+              <a:rPr lang="en-US" sz="3150" dirty="0" err="1">
+                <a:solidFill>
+                  <a:srgbClr val="000000"/>
+                </a:solidFill>
+                <a:latin typeface="Poppins"/>
+                <a:ea typeface="Poppins"/>
+                <a:cs typeface="Poppins"/>
+                <a:sym typeface="Poppins"/>
+              </a:rPr>
+              <a:t>sem.Lorem</a:t>
+            </a:r>
+            <a:r>
+              <a:rPr lang="en-US" sz="3150" dirty="0">
+                <a:solidFill>
+                  <a:srgbClr val="000000"/>
+                </a:solidFill>
+                <a:latin typeface="Poppins"/>
+                <a:ea typeface="Poppins"/>
+                <a:cs typeface="Poppins"/>
+                <a:sym typeface="Poppins"/>
+              </a:rPr>
+              <a:t> ipsum dolor sit </a:t>
+            </a:r>
+            <a:r>
+              <a:rPr lang="en-US" sz="3150" dirty="0" err="1">
+                <a:solidFill>
+                  <a:srgbClr val="000000"/>
+                </a:solidFill>
+                <a:latin typeface="Poppins"/>
+                <a:ea typeface="Poppins"/>
+                <a:cs typeface="Poppins"/>
+                <a:sym typeface="Poppins"/>
+              </a:rPr>
+              <a:t>amet</a:t>
+            </a:r>
+            <a:r>
+              <a:rPr lang="en-US" sz="3150" dirty="0">
+                <a:solidFill>
+                  <a:srgbClr val="000000"/>
+                </a:solidFill>
+                <a:latin typeface="Poppins"/>
+                <a:ea typeface="Poppins"/>
+                <a:cs typeface="Poppins"/>
+                <a:sym typeface="Poppins"/>
+              </a:rPr>
+              <a:t>, </a:t>
+            </a:r>
+            <a:r>
+              <a:rPr lang="en-US" sz="3150" dirty="0" err="1">
+                <a:solidFill>
+                  <a:srgbClr val="000000"/>
+                </a:solidFill>
+                <a:latin typeface="Poppins"/>
+                <a:ea typeface="Poppins"/>
+                <a:cs typeface="Poppins"/>
+                <a:sym typeface="Poppins"/>
+              </a:rPr>
+              <a:t>consectetuer</a:t>
+            </a:r>
+            <a:r>
+              <a:rPr lang="en-US" sz="3150" dirty="0">
+                <a:solidFill>
+                  <a:srgbClr val="000000"/>
+                </a:solidFill>
+                <a:latin typeface="Poppins"/>
+                <a:ea typeface="Poppins"/>
+                <a:cs typeface="Poppins"/>
+                <a:sym typeface="Poppins"/>
+              </a:rPr>
+              <a:t> </a:t>
+            </a:r>
+            <a:r>
+              <a:rPr lang="en-US" sz="3150" dirty="0" err="1">
+                <a:solidFill>
+                  <a:srgbClr val="000000"/>
+                </a:solidFill>
+                <a:latin typeface="Poppins"/>
+                <a:ea typeface="Poppins"/>
+                <a:cs typeface="Poppins"/>
+                <a:sym typeface="Poppins"/>
+              </a:rPr>
+              <a:t>adipiscing</a:t>
+            </a:r>
+            <a:r>
+              <a:rPr lang="en-US" sz="3150" dirty="0">
+                <a:solidFill>
+                  <a:srgbClr val="000000"/>
+                </a:solidFill>
+                <a:latin typeface="Poppins"/>
+                <a:ea typeface="Poppins"/>
+                <a:cs typeface="Poppins"/>
+                <a:sym typeface="Poppins"/>
+              </a:rPr>
+              <a:t> </a:t>
+            </a:r>
+            <a:r>
+              <a:rPr lang="en-US" sz="3150" dirty="0" err="1">
+                <a:solidFill>
+                  <a:srgbClr val="000000"/>
+                </a:solidFill>
+                <a:latin typeface="Poppins"/>
+                <a:ea typeface="Poppins"/>
+                <a:cs typeface="Poppins"/>
+                <a:sym typeface="Poppins"/>
+              </a:rPr>
+              <a:t>elit</a:t>
+            </a:r>
+            <a:r>
+              <a:rPr lang="en-US" sz="3150" dirty="0">
+                <a:solidFill>
+                  <a:srgbClr val="000000"/>
+                </a:solidFill>
+                <a:latin typeface="Poppins"/>
+                <a:ea typeface="Poppins"/>
+                <a:cs typeface="Poppins"/>
+                <a:sym typeface="Poppins"/>
+              </a:rPr>
+              <a:t>. Aenean </a:t>
+            </a:r>
+            <a:r>
+              <a:rPr lang="en-US" sz="3150" dirty="0" err="1">
+                <a:solidFill>
+                  <a:srgbClr val="000000"/>
+                </a:solidFill>
+                <a:latin typeface="Poppins"/>
+                <a:ea typeface="Poppins"/>
+                <a:cs typeface="Poppins"/>
+                <a:sym typeface="Poppins"/>
+              </a:rPr>
+              <a:t>commodo</a:t>
+            </a:r>
+            <a:r>
+              <a:rPr lang="en-US" sz="3150" dirty="0">
+                <a:solidFill>
+                  <a:srgbClr val="000000"/>
+                </a:solidFill>
+                <a:latin typeface="Poppins"/>
+                <a:ea typeface="Poppins"/>
+                <a:cs typeface="Poppins"/>
+                <a:sym typeface="Poppins"/>
+              </a:rPr>
+              <a:t> ligula </a:t>
+            </a:r>
+            <a:r>
+              <a:rPr lang="en-US" sz="3150" dirty="0" err="1">
+                <a:solidFill>
+                  <a:srgbClr val="000000"/>
+                </a:solidFill>
+                <a:latin typeface="Poppins"/>
+                <a:ea typeface="Poppins"/>
+                <a:cs typeface="Poppins"/>
+                <a:sym typeface="Poppins"/>
+              </a:rPr>
+              <a:t>eget</a:t>
+            </a:r>
+            <a:r>
+              <a:rPr lang="en-US" sz="3150" dirty="0">
+                <a:solidFill>
+                  <a:srgbClr val="000000"/>
+                </a:solidFill>
+                <a:latin typeface="Poppins"/>
+                <a:ea typeface="Poppins"/>
+                <a:cs typeface="Poppins"/>
+                <a:sym typeface="Poppins"/>
+              </a:rPr>
+              <a:t> dolor. Aenean </a:t>
+            </a:r>
+            <a:r>
+              <a:rPr lang="en-US" sz="3150" dirty="0" err="1">
+                <a:solidFill>
+                  <a:srgbClr val="000000"/>
+                </a:solidFill>
+                <a:latin typeface="Poppins"/>
+                <a:ea typeface="Poppins"/>
+                <a:cs typeface="Poppins"/>
+                <a:sym typeface="Poppins"/>
+              </a:rPr>
+              <a:t>massa</a:t>
+            </a:r>
+            <a:r>
+              <a:rPr lang="en-US" sz="3150" dirty="0">
+                <a:solidFill>
+                  <a:srgbClr val="000000"/>
+                </a:solidFill>
+                <a:latin typeface="Poppins"/>
+                <a:ea typeface="Poppins"/>
+                <a:cs typeface="Poppins"/>
+                <a:sym typeface="Poppins"/>
+              </a:rPr>
+              <a:t>. Cum sociis </a:t>
+            </a:r>
+            <a:r>
+              <a:rPr lang="en-US" sz="3150" dirty="0" err="1">
+                <a:solidFill>
+                  <a:srgbClr val="000000"/>
+                </a:solidFill>
+                <a:latin typeface="Poppins"/>
+                <a:ea typeface="Poppins"/>
+                <a:cs typeface="Poppins"/>
+                <a:sym typeface="Poppins"/>
+              </a:rPr>
+              <a:t>natoque</a:t>
+            </a:r>
+            <a:r>
+              <a:rPr lang="en-US" sz="3150" dirty="0">
+                <a:solidFill>
+                  <a:srgbClr val="000000"/>
+                </a:solidFill>
+                <a:latin typeface="Poppins"/>
+                <a:ea typeface="Poppins"/>
+                <a:cs typeface="Poppins"/>
+                <a:sym typeface="Poppins"/>
+              </a:rPr>
+              <a:t> </a:t>
+            </a:r>
+            <a:r>
+              <a:rPr lang="en-US" sz="3150" dirty="0" err="1">
+                <a:solidFill>
+                  <a:srgbClr val="000000"/>
+                </a:solidFill>
+                <a:latin typeface="Poppins"/>
+                <a:ea typeface="Poppins"/>
+                <a:cs typeface="Poppins"/>
+                <a:sym typeface="Poppins"/>
+              </a:rPr>
+              <a:t>penatibus</a:t>
+            </a:r>
+            <a:r>
+              <a:rPr lang="en-US" sz="3150" dirty="0">
+                <a:solidFill>
+                  <a:srgbClr val="000000"/>
+                </a:solidFill>
+                <a:latin typeface="Poppins"/>
+                <a:ea typeface="Poppins"/>
+                <a:cs typeface="Poppins"/>
+                <a:sym typeface="Poppins"/>
+              </a:rPr>
+              <a:t> et </a:t>
+            </a:r>
+            <a:r>
+              <a:rPr lang="en-US" sz="3150" dirty="0" err="1">
+                <a:solidFill>
+                  <a:srgbClr val="000000"/>
+                </a:solidFill>
+                <a:latin typeface="Poppins"/>
+                <a:ea typeface="Poppins"/>
+                <a:cs typeface="Poppins"/>
+                <a:sym typeface="Poppins"/>
+              </a:rPr>
+              <a:t>magnis</a:t>
+            </a:r>
+            <a:r>
+              <a:rPr lang="en-US" sz="3150" dirty="0">
+                <a:solidFill>
+                  <a:srgbClr val="000000"/>
+                </a:solidFill>
+                <a:latin typeface="Poppins"/>
+                <a:ea typeface="Poppins"/>
+                <a:cs typeface="Poppins"/>
+                <a:sym typeface="Poppins"/>
+              </a:rPr>
+              <a:t> dis parturient </a:t>
+            </a:r>
+            <a:r>
+              <a:rPr lang="en-US" sz="3150" dirty="0" err="1">
+                <a:solidFill>
+                  <a:srgbClr val="000000"/>
+                </a:solidFill>
+                <a:latin typeface="Poppins"/>
+                <a:ea typeface="Poppins"/>
+                <a:cs typeface="Poppins"/>
+                <a:sym typeface="Poppins"/>
+              </a:rPr>
+              <a:t>montes</a:t>
+            </a:r>
+            <a:r>
+              <a:rPr lang="en-US" sz="3150" dirty="0">
+                <a:solidFill>
+                  <a:srgbClr val="000000"/>
+                </a:solidFill>
+                <a:latin typeface="Poppins"/>
+                <a:ea typeface="Poppins"/>
+                <a:cs typeface="Poppins"/>
+                <a:sym typeface="Poppins"/>
+              </a:rPr>
+              <a:t>, </a:t>
+            </a:r>
+            <a:r>
+              <a:rPr lang="en-US" sz="3150" dirty="0" err="1">
+                <a:solidFill>
+                  <a:srgbClr val="000000"/>
+                </a:solidFill>
+                <a:latin typeface="Poppins"/>
+                <a:ea typeface="Poppins"/>
+                <a:cs typeface="Poppins"/>
+                <a:sym typeface="Poppins"/>
+              </a:rPr>
+              <a:t>nascetur</a:t>
+            </a:r>
+            <a:r>
+              <a:rPr lang="en-US" sz="3150" dirty="0">
+                <a:solidFill>
+                  <a:srgbClr val="000000"/>
+                </a:solidFill>
+                <a:latin typeface="Poppins"/>
+                <a:ea typeface="Poppins"/>
+                <a:cs typeface="Poppins"/>
+                <a:sym typeface="Poppins"/>
+              </a:rPr>
+              <a:t> </a:t>
+            </a:r>
+            <a:r>
+              <a:rPr lang="en-US" sz="3150" dirty="0" err="1">
+                <a:solidFill>
+                  <a:srgbClr val="000000"/>
+                </a:solidFill>
+                <a:latin typeface="Poppins"/>
+                <a:ea typeface="Poppins"/>
+                <a:cs typeface="Poppins"/>
+                <a:sym typeface="Poppins"/>
+              </a:rPr>
+              <a:t>ridiculus</a:t>
+            </a:r>
+            <a:r>
+              <a:rPr lang="en-US" sz="3150" dirty="0">
+                <a:solidFill>
+                  <a:srgbClr val="000000"/>
+                </a:solidFill>
+                <a:latin typeface="Poppins"/>
+                <a:ea typeface="Poppins"/>
+                <a:cs typeface="Poppins"/>
+                <a:sym typeface="Poppins"/>
+              </a:rPr>
+              <a:t> mus. </a:t>
+            </a:r>
+          </a:p>
+        </p:txBody>
+      </p:sp>
+      <p:sp>
+        <p:nvSpPr>
+          <p:cNvPr id="31" name="ConclusionBox">
+            <a:extLst>
+              <a:ext uri="{FF2B5EF4-FFF2-40B4-BE49-F238E27FC236}">
+                <a16:creationId xmlns:a16="http://schemas.microsoft.com/office/drawing/2014/main" id="{9520A660-77E6-9861-1933-F1358464F959}"/>
+              </a:ext>
+            </a:extLst>
+          </p:cNvPr>
+          <p:cNvSpPr txBox="1"/>
           <p:nvPr/>
         </p:nvSpPr>
         <p:spPr>
-          <a:xfrm rot="0">
+          <a:xfrm>
             <a:off x="14356177" y="34899182"/>
             <a:ext cx="15447040" cy="3872865"/>
           </a:xfrm>
@@ -4161,7 +6611,7 @@
           </a:prstGeom>
         </p:spPr>
         <p:txBody>
-          <a:bodyPr anchor="t" rtlCol="false" tIns="0" lIns="0" bIns="0" rIns="0">
+          <a:bodyPr lIns="0" tIns="0" rIns="0" bIns="0" rtlCol="0" anchor="t">
             <a:spAutoFit/>
           </a:bodyPr>
           <a:lstStyle/>
@@ -4172,28 +6622,850 @@
               </a:lnSpc>
             </a:pPr>
             <a:r>
-              <a:rPr lang="en-US" sz="3150">
-                <a:solidFill>
-                  <a:srgbClr val="000000"/>
-                </a:solidFill>
-                <a:latin typeface="Poppins"/>
-                <a:ea typeface="Poppins"/>
-                <a:cs typeface="Poppins"/>
-                <a:sym typeface="Poppins"/>
-              </a:rPr>
-              <a:t>Lorem ipsum dolor sit amet, consectetuer adipiscing elit. Aenean commodo ligula eget dolor. Aenean massa. Cum sociis natoque penatibus et magnis dis parturient montes, nascetur ridiculus mus. Donec quam felis, ultricies nec, pellentesque eu, pretium quis, sem.Lorem ipsum dolor sit amet, consectetuer adipiscing elit. Aenean commodo ligula eget dolor. Aenean massa. Cum sociis natoque penatibus et magnis dis parturient montes, nascetur ridiculus mus. </a:t>
-            </a:r>
-          </a:p>
-        </p:txBody>
-      </p:sp>
-      <p:sp>
-        <p:nvSpPr>
-          <p:cNvPr name="TextBox 29" id="29"/>
-          <p:cNvSpPr txBox="true"/>
+              <a:rPr lang="en-US" sz="3150" dirty="0">
+                <a:solidFill>
+                  <a:srgbClr val="000000"/>
+                </a:solidFill>
+                <a:latin typeface="Poppins"/>
+                <a:ea typeface="Poppins"/>
+                <a:cs typeface="Poppins"/>
+                <a:sym typeface="Poppins"/>
+              </a:rPr>
+              <a:t>Lorem ipsum dolor sit </a:t>
+            </a:r>
+            <a:r>
+              <a:rPr lang="en-US" sz="3150" dirty="0" err="1">
+                <a:solidFill>
+                  <a:srgbClr val="000000"/>
+                </a:solidFill>
+                <a:latin typeface="Poppins"/>
+                <a:ea typeface="Poppins"/>
+                <a:cs typeface="Poppins"/>
+                <a:sym typeface="Poppins"/>
+              </a:rPr>
+              <a:t>amet</a:t>
+            </a:r>
+            <a:r>
+              <a:rPr lang="en-US" sz="3150" dirty="0">
+                <a:solidFill>
+                  <a:srgbClr val="000000"/>
+                </a:solidFill>
+                <a:latin typeface="Poppins"/>
+                <a:ea typeface="Poppins"/>
+                <a:cs typeface="Poppins"/>
+                <a:sym typeface="Poppins"/>
+              </a:rPr>
+              <a:t>, </a:t>
+            </a:r>
+            <a:r>
+              <a:rPr lang="en-US" sz="3150" dirty="0" err="1">
+                <a:solidFill>
+                  <a:srgbClr val="000000"/>
+                </a:solidFill>
+                <a:latin typeface="Poppins"/>
+                <a:ea typeface="Poppins"/>
+                <a:cs typeface="Poppins"/>
+                <a:sym typeface="Poppins"/>
+              </a:rPr>
+              <a:t>consectetuer</a:t>
+            </a:r>
+            <a:r>
+              <a:rPr lang="en-US" sz="3150" dirty="0">
+                <a:solidFill>
+                  <a:srgbClr val="000000"/>
+                </a:solidFill>
+                <a:latin typeface="Poppins"/>
+                <a:ea typeface="Poppins"/>
+                <a:cs typeface="Poppins"/>
+                <a:sym typeface="Poppins"/>
+              </a:rPr>
+              <a:t> </a:t>
+            </a:r>
+            <a:r>
+              <a:rPr lang="en-US" sz="3150" dirty="0" err="1">
+                <a:solidFill>
+                  <a:srgbClr val="000000"/>
+                </a:solidFill>
+                <a:latin typeface="Poppins"/>
+                <a:ea typeface="Poppins"/>
+                <a:cs typeface="Poppins"/>
+                <a:sym typeface="Poppins"/>
+              </a:rPr>
+              <a:t>adipiscing</a:t>
+            </a:r>
+            <a:r>
+              <a:rPr lang="en-US" sz="3150" dirty="0">
+                <a:solidFill>
+                  <a:srgbClr val="000000"/>
+                </a:solidFill>
+                <a:latin typeface="Poppins"/>
+                <a:ea typeface="Poppins"/>
+                <a:cs typeface="Poppins"/>
+                <a:sym typeface="Poppins"/>
+              </a:rPr>
+              <a:t> </a:t>
+            </a:r>
+            <a:r>
+              <a:rPr lang="en-US" sz="3150" dirty="0" err="1">
+                <a:solidFill>
+                  <a:srgbClr val="000000"/>
+                </a:solidFill>
+                <a:latin typeface="Poppins"/>
+                <a:ea typeface="Poppins"/>
+                <a:cs typeface="Poppins"/>
+                <a:sym typeface="Poppins"/>
+              </a:rPr>
+              <a:t>elit</a:t>
+            </a:r>
+            <a:r>
+              <a:rPr lang="en-US" sz="3150" dirty="0">
+                <a:solidFill>
+                  <a:srgbClr val="000000"/>
+                </a:solidFill>
+                <a:latin typeface="Poppins"/>
+                <a:ea typeface="Poppins"/>
+                <a:cs typeface="Poppins"/>
+                <a:sym typeface="Poppins"/>
+              </a:rPr>
+              <a:t>. Aenean </a:t>
+            </a:r>
+            <a:r>
+              <a:rPr lang="en-US" sz="3150" dirty="0" err="1">
+                <a:solidFill>
+                  <a:srgbClr val="000000"/>
+                </a:solidFill>
+                <a:latin typeface="Poppins"/>
+                <a:ea typeface="Poppins"/>
+                <a:cs typeface="Poppins"/>
+                <a:sym typeface="Poppins"/>
+              </a:rPr>
+              <a:t>commodo</a:t>
+            </a:r>
+            <a:r>
+              <a:rPr lang="en-US" sz="3150" dirty="0">
+                <a:solidFill>
+                  <a:srgbClr val="000000"/>
+                </a:solidFill>
+                <a:latin typeface="Poppins"/>
+                <a:ea typeface="Poppins"/>
+                <a:cs typeface="Poppins"/>
+                <a:sym typeface="Poppins"/>
+              </a:rPr>
+              <a:t> ligula </a:t>
+            </a:r>
+            <a:r>
+              <a:rPr lang="en-US" sz="3150" dirty="0" err="1">
+                <a:solidFill>
+                  <a:srgbClr val="000000"/>
+                </a:solidFill>
+                <a:latin typeface="Poppins"/>
+                <a:ea typeface="Poppins"/>
+                <a:cs typeface="Poppins"/>
+                <a:sym typeface="Poppins"/>
+              </a:rPr>
+              <a:t>eget</a:t>
+            </a:r>
+            <a:r>
+              <a:rPr lang="en-US" sz="3150" dirty="0">
+                <a:solidFill>
+                  <a:srgbClr val="000000"/>
+                </a:solidFill>
+                <a:latin typeface="Poppins"/>
+                <a:ea typeface="Poppins"/>
+                <a:cs typeface="Poppins"/>
+                <a:sym typeface="Poppins"/>
+              </a:rPr>
+              <a:t> dolor. Aenean </a:t>
+            </a:r>
+            <a:r>
+              <a:rPr lang="en-US" sz="3150" dirty="0" err="1">
+                <a:solidFill>
+                  <a:srgbClr val="000000"/>
+                </a:solidFill>
+                <a:latin typeface="Poppins"/>
+                <a:ea typeface="Poppins"/>
+                <a:cs typeface="Poppins"/>
+                <a:sym typeface="Poppins"/>
+              </a:rPr>
+              <a:t>massa</a:t>
+            </a:r>
+            <a:r>
+              <a:rPr lang="en-US" sz="3150" dirty="0">
+                <a:solidFill>
+                  <a:srgbClr val="000000"/>
+                </a:solidFill>
+                <a:latin typeface="Poppins"/>
+                <a:ea typeface="Poppins"/>
+                <a:cs typeface="Poppins"/>
+                <a:sym typeface="Poppins"/>
+              </a:rPr>
+              <a:t>. Cum sociis </a:t>
+            </a:r>
+            <a:r>
+              <a:rPr lang="en-US" sz="3150" dirty="0" err="1">
+                <a:solidFill>
+                  <a:srgbClr val="000000"/>
+                </a:solidFill>
+                <a:latin typeface="Poppins"/>
+                <a:ea typeface="Poppins"/>
+                <a:cs typeface="Poppins"/>
+                <a:sym typeface="Poppins"/>
+              </a:rPr>
+              <a:t>natoque</a:t>
+            </a:r>
+            <a:r>
+              <a:rPr lang="en-US" sz="3150" dirty="0">
+                <a:solidFill>
+                  <a:srgbClr val="000000"/>
+                </a:solidFill>
+                <a:latin typeface="Poppins"/>
+                <a:ea typeface="Poppins"/>
+                <a:cs typeface="Poppins"/>
+                <a:sym typeface="Poppins"/>
+              </a:rPr>
+              <a:t> </a:t>
+            </a:r>
+            <a:r>
+              <a:rPr lang="en-US" sz="3150" dirty="0" err="1">
+                <a:solidFill>
+                  <a:srgbClr val="000000"/>
+                </a:solidFill>
+                <a:latin typeface="Poppins"/>
+                <a:ea typeface="Poppins"/>
+                <a:cs typeface="Poppins"/>
+                <a:sym typeface="Poppins"/>
+              </a:rPr>
+              <a:t>penatibus</a:t>
+            </a:r>
+            <a:r>
+              <a:rPr lang="en-US" sz="3150" dirty="0">
+                <a:solidFill>
+                  <a:srgbClr val="000000"/>
+                </a:solidFill>
+                <a:latin typeface="Poppins"/>
+                <a:ea typeface="Poppins"/>
+                <a:cs typeface="Poppins"/>
+                <a:sym typeface="Poppins"/>
+              </a:rPr>
+              <a:t> et </a:t>
+            </a:r>
+            <a:r>
+              <a:rPr lang="en-US" sz="3150" dirty="0" err="1">
+                <a:solidFill>
+                  <a:srgbClr val="000000"/>
+                </a:solidFill>
+                <a:latin typeface="Poppins"/>
+                <a:ea typeface="Poppins"/>
+                <a:cs typeface="Poppins"/>
+                <a:sym typeface="Poppins"/>
+              </a:rPr>
+              <a:t>magnis</a:t>
+            </a:r>
+            <a:r>
+              <a:rPr lang="en-US" sz="3150" dirty="0">
+                <a:solidFill>
+                  <a:srgbClr val="000000"/>
+                </a:solidFill>
+                <a:latin typeface="Poppins"/>
+                <a:ea typeface="Poppins"/>
+                <a:cs typeface="Poppins"/>
+                <a:sym typeface="Poppins"/>
+              </a:rPr>
+              <a:t> dis parturient </a:t>
+            </a:r>
+            <a:r>
+              <a:rPr lang="en-US" sz="3150" dirty="0" err="1">
+                <a:solidFill>
+                  <a:srgbClr val="000000"/>
+                </a:solidFill>
+                <a:latin typeface="Poppins"/>
+                <a:ea typeface="Poppins"/>
+                <a:cs typeface="Poppins"/>
+                <a:sym typeface="Poppins"/>
+              </a:rPr>
+              <a:t>montes</a:t>
+            </a:r>
+            <a:r>
+              <a:rPr lang="en-US" sz="3150" dirty="0">
+                <a:solidFill>
+                  <a:srgbClr val="000000"/>
+                </a:solidFill>
+                <a:latin typeface="Poppins"/>
+                <a:ea typeface="Poppins"/>
+                <a:cs typeface="Poppins"/>
+                <a:sym typeface="Poppins"/>
+              </a:rPr>
+              <a:t>, </a:t>
+            </a:r>
+            <a:r>
+              <a:rPr lang="en-US" sz="3150" dirty="0" err="1">
+                <a:solidFill>
+                  <a:srgbClr val="000000"/>
+                </a:solidFill>
+                <a:latin typeface="Poppins"/>
+                <a:ea typeface="Poppins"/>
+                <a:cs typeface="Poppins"/>
+                <a:sym typeface="Poppins"/>
+              </a:rPr>
+              <a:t>nascetur</a:t>
+            </a:r>
+            <a:r>
+              <a:rPr lang="en-US" sz="3150" dirty="0">
+                <a:solidFill>
+                  <a:srgbClr val="000000"/>
+                </a:solidFill>
+                <a:latin typeface="Poppins"/>
+                <a:ea typeface="Poppins"/>
+                <a:cs typeface="Poppins"/>
+                <a:sym typeface="Poppins"/>
+              </a:rPr>
+              <a:t> </a:t>
+            </a:r>
+            <a:r>
+              <a:rPr lang="en-US" sz="3150" dirty="0" err="1">
+                <a:solidFill>
+                  <a:srgbClr val="000000"/>
+                </a:solidFill>
+                <a:latin typeface="Poppins"/>
+                <a:ea typeface="Poppins"/>
+                <a:cs typeface="Poppins"/>
+                <a:sym typeface="Poppins"/>
+              </a:rPr>
+              <a:t>ridiculus</a:t>
+            </a:r>
+            <a:r>
+              <a:rPr lang="en-US" sz="3150" dirty="0">
+                <a:solidFill>
+                  <a:srgbClr val="000000"/>
+                </a:solidFill>
+                <a:latin typeface="Poppins"/>
+                <a:ea typeface="Poppins"/>
+                <a:cs typeface="Poppins"/>
+                <a:sym typeface="Poppins"/>
+              </a:rPr>
+              <a:t> mus. Donec </a:t>
+            </a:r>
+            <a:r>
+              <a:rPr lang="en-US" sz="3150" dirty="0" err="1">
+                <a:solidFill>
+                  <a:srgbClr val="000000"/>
+                </a:solidFill>
+                <a:latin typeface="Poppins"/>
+                <a:ea typeface="Poppins"/>
+                <a:cs typeface="Poppins"/>
+                <a:sym typeface="Poppins"/>
+              </a:rPr>
+              <a:t>quam</a:t>
+            </a:r>
+            <a:r>
+              <a:rPr lang="en-US" sz="3150" dirty="0">
+                <a:solidFill>
+                  <a:srgbClr val="000000"/>
+                </a:solidFill>
+                <a:latin typeface="Poppins"/>
+                <a:ea typeface="Poppins"/>
+                <a:cs typeface="Poppins"/>
+                <a:sym typeface="Poppins"/>
+              </a:rPr>
+              <a:t> </a:t>
+            </a:r>
+            <a:r>
+              <a:rPr lang="en-US" sz="3150" dirty="0" err="1">
+                <a:solidFill>
+                  <a:srgbClr val="000000"/>
+                </a:solidFill>
+                <a:latin typeface="Poppins"/>
+                <a:ea typeface="Poppins"/>
+                <a:cs typeface="Poppins"/>
+                <a:sym typeface="Poppins"/>
+              </a:rPr>
+              <a:t>felis</a:t>
+            </a:r>
+            <a:r>
+              <a:rPr lang="en-US" sz="3150" dirty="0">
+                <a:solidFill>
+                  <a:srgbClr val="000000"/>
+                </a:solidFill>
+                <a:latin typeface="Poppins"/>
+                <a:ea typeface="Poppins"/>
+                <a:cs typeface="Poppins"/>
+                <a:sym typeface="Poppins"/>
+              </a:rPr>
+              <a:t>, </a:t>
+            </a:r>
+            <a:r>
+              <a:rPr lang="en-US" sz="3150" dirty="0" err="1">
+                <a:solidFill>
+                  <a:srgbClr val="000000"/>
+                </a:solidFill>
+                <a:latin typeface="Poppins"/>
+                <a:ea typeface="Poppins"/>
+                <a:cs typeface="Poppins"/>
+                <a:sym typeface="Poppins"/>
+              </a:rPr>
+              <a:t>ultricies</a:t>
+            </a:r>
+            <a:r>
+              <a:rPr lang="en-US" sz="3150" dirty="0">
+                <a:solidFill>
+                  <a:srgbClr val="000000"/>
+                </a:solidFill>
+                <a:latin typeface="Poppins"/>
+                <a:ea typeface="Poppins"/>
+                <a:cs typeface="Poppins"/>
+                <a:sym typeface="Poppins"/>
+              </a:rPr>
+              <a:t> nec, </a:t>
+            </a:r>
+            <a:r>
+              <a:rPr lang="en-US" sz="3150" dirty="0" err="1">
+                <a:solidFill>
+                  <a:srgbClr val="000000"/>
+                </a:solidFill>
+                <a:latin typeface="Poppins"/>
+                <a:ea typeface="Poppins"/>
+                <a:cs typeface="Poppins"/>
+                <a:sym typeface="Poppins"/>
+              </a:rPr>
+              <a:t>pellentesque</a:t>
+            </a:r>
+            <a:r>
+              <a:rPr lang="en-US" sz="3150" dirty="0">
+                <a:solidFill>
+                  <a:srgbClr val="000000"/>
+                </a:solidFill>
+                <a:latin typeface="Poppins"/>
+                <a:ea typeface="Poppins"/>
+                <a:cs typeface="Poppins"/>
+                <a:sym typeface="Poppins"/>
+              </a:rPr>
+              <a:t> </a:t>
+            </a:r>
+            <a:r>
+              <a:rPr lang="en-US" sz="3150" dirty="0" err="1">
+                <a:solidFill>
+                  <a:srgbClr val="000000"/>
+                </a:solidFill>
+                <a:latin typeface="Poppins"/>
+                <a:ea typeface="Poppins"/>
+                <a:cs typeface="Poppins"/>
+                <a:sym typeface="Poppins"/>
+              </a:rPr>
+              <a:t>eu</a:t>
+            </a:r>
+            <a:r>
+              <a:rPr lang="en-US" sz="3150" dirty="0">
+                <a:solidFill>
+                  <a:srgbClr val="000000"/>
+                </a:solidFill>
+                <a:latin typeface="Poppins"/>
+                <a:ea typeface="Poppins"/>
+                <a:cs typeface="Poppins"/>
+                <a:sym typeface="Poppins"/>
+              </a:rPr>
+              <a:t>, </a:t>
+            </a:r>
+            <a:r>
+              <a:rPr lang="en-US" sz="3150" dirty="0" err="1">
+                <a:solidFill>
+                  <a:srgbClr val="000000"/>
+                </a:solidFill>
+                <a:latin typeface="Poppins"/>
+                <a:ea typeface="Poppins"/>
+                <a:cs typeface="Poppins"/>
+                <a:sym typeface="Poppins"/>
+              </a:rPr>
+              <a:t>pretium</a:t>
+            </a:r>
+            <a:r>
+              <a:rPr lang="en-US" sz="3150" dirty="0">
+                <a:solidFill>
+                  <a:srgbClr val="000000"/>
+                </a:solidFill>
+                <a:latin typeface="Poppins"/>
+                <a:ea typeface="Poppins"/>
+                <a:cs typeface="Poppins"/>
+                <a:sym typeface="Poppins"/>
+              </a:rPr>
+              <a:t> </a:t>
+            </a:r>
+            <a:r>
+              <a:rPr lang="en-US" sz="3150" dirty="0" err="1">
+                <a:solidFill>
+                  <a:srgbClr val="000000"/>
+                </a:solidFill>
+                <a:latin typeface="Poppins"/>
+                <a:ea typeface="Poppins"/>
+                <a:cs typeface="Poppins"/>
+                <a:sym typeface="Poppins"/>
+              </a:rPr>
+              <a:t>quis</a:t>
+            </a:r>
+            <a:r>
+              <a:rPr lang="en-US" sz="3150" dirty="0">
+                <a:solidFill>
+                  <a:srgbClr val="000000"/>
+                </a:solidFill>
+                <a:latin typeface="Poppins"/>
+                <a:ea typeface="Poppins"/>
+                <a:cs typeface="Poppins"/>
+                <a:sym typeface="Poppins"/>
+              </a:rPr>
+              <a:t>, </a:t>
+            </a:r>
+            <a:r>
+              <a:rPr lang="en-US" sz="3150" dirty="0" err="1">
+                <a:solidFill>
+                  <a:srgbClr val="000000"/>
+                </a:solidFill>
+                <a:latin typeface="Poppins"/>
+                <a:ea typeface="Poppins"/>
+                <a:cs typeface="Poppins"/>
+                <a:sym typeface="Poppins"/>
+              </a:rPr>
+              <a:t>sem.Lorem</a:t>
+            </a:r>
+            <a:r>
+              <a:rPr lang="en-US" sz="3150" dirty="0">
+                <a:solidFill>
+                  <a:srgbClr val="000000"/>
+                </a:solidFill>
+                <a:latin typeface="Poppins"/>
+                <a:ea typeface="Poppins"/>
+                <a:cs typeface="Poppins"/>
+                <a:sym typeface="Poppins"/>
+              </a:rPr>
+              <a:t> ipsum dolor sit </a:t>
+            </a:r>
+            <a:r>
+              <a:rPr lang="en-US" sz="3150" dirty="0" err="1">
+                <a:solidFill>
+                  <a:srgbClr val="000000"/>
+                </a:solidFill>
+                <a:latin typeface="Poppins"/>
+                <a:ea typeface="Poppins"/>
+                <a:cs typeface="Poppins"/>
+                <a:sym typeface="Poppins"/>
+              </a:rPr>
+              <a:t>amet</a:t>
+            </a:r>
+            <a:r>
+              <a:rPr lang="en-US" sz="3150" dirty="0">
+                <a:solidFill>
+                  <a:srgbClr val="000000"/>
+                </a:solidFill>
+                <a:latin typeface="Poppins"/>
+                <a:ea typeface="Poppins"/>
+                <a:cs typeface="Poppins"/>
+                <a:sym typeface="Poppins"/>
+              </a:rPr>
+              <a:t>, </a:t>
+            </a:r>
+            <a:r>
+              <a:rPr lang="en-US" sz="3150" dirty="0" err="1">
+                <a:solidFill>
+                  <a:srgbClr val="000000"/>
+                </a:solidFill>
+                <a:latin typeface="Poppins"/>
+                <a:ea typeface="Poppins"/>
+                <a:cs typeface="Poppins"/>
+                <a:sym typeface="Poppins"/>
+              </a:rPr>
+              <a:t>consectetuer</a:t>
+            </a:r>
+            <a:r>
+              <a:rPr lang="en-US" sz="3150" dirty="0">
+                <a:solidFill>
+                  <a:srgbClr val="000000"/>
+                </a:solidFill>
+                <a:latin typeface="Poppins"/>
+                <a:ea typeface="Poppins"/>
+                <a:cs typeface="Poppins"/>
+                <a:sym typeface="Poppins"/>
+              </a:rPr>
+              <a:t> </a:t>
+            </a:r>
+            <a:r>
+              <a:rPr lang="en-US" sz="3150" dirty="0" err="1">
+                <a:solidFill>
+                  <a:srgbClr val="000000"/>
+                </a:solidFill>
+                <a:latin typeface="Poppins"/>
+                <a:ea typeface="Poppins"/>
+                <a:cs typeface="Poppins"/>
+                <a:sym typeface="Poppins"/>
+              </a:rPr>
+              <a:t>adipiscing</a:t>
+            </a:r>
+            <a:r>
+              <a:rPr lang="en-US" sz="3150" dirty="0">
+                <a:solidFill>
+                  <a:srgbClr val="000000"/>
+                </a:solidFill>
+                <a:latin typeface="Poppins"/>
+                <a:ea typeface="Poppins"/>
+                <a:cs typeface="Poppins"/>
+                <a:sym typeface="Poppins"/>
+              </a:rPr>
+              <a:t> </a:t>
+            </a:r>
+            <a:r>
+              <a:rPr lang="en-US" sz="3150" dirty="0" err="1">
+                <a:solidFill>
+                  <a:srgbClr val="000000"/>
+                </a:solidFill>
+                <a:latin typeface="Poppins"/>
+                <a:ea typeface="Poppins"/>
+                <a:cs typeface="Poppins"/>
+                <a:sym typeface="Poppins"/>
+              </a:rPr>
+              <a:t>elit</a:t>
+            </a:r>
+            <a:r>
+              <a:rPr lang="en-US" sz="3150" dirty="0">
+                <a:solidFill>
+                  <a:srgbClr val="000000"/>
+                </a:solidFill>
+                <a:latin typeface="Poppins"/>
+                <a:ea typeface="Poppins"/>
+                <a:cs typeface="Poppins"/>
+                <a:sym typeface="Poppins"/>
+              </a:rPr>
+              <a:t>. Aenean </a:t>
+            </a:r>
+            <a:r>
+              <a:rPr lang="en-US" sz="3150" dirty="0" err="1">
+                <a:solidFill>
+                  <a:srgbClr val="000000"/>
+                </a:solidFill>
+                <a:latin typeface="Poppins"/>
+                <a:ea typeface="Poppins"/>
+                <a:cs typeface="Poppins"/>
+                <a:sym typeface="Poppins"/>
+              </a:rPr>
+              <a:t>commodo</a:t>
+            </a:r>
+            <a:r>
+              <a:rPr lang="en-US" sz="3150" dirty="0">
+                <a:solidFill>
+                  <a:srgbClr val="000000"/>
+                </a:solidFill>
+                <a:latin typeface="Poppins"/>
+                <a:ea typeface="Poppins"/>
+                <a:cs typeface="Poppins"/>
+                <a:sym typeface="Poppins"/>
+              </a:rPr>
+              <a:t> ligula </a:t>
+            </a:r>
+            <a:r>
+              <a:rPr lang="en-US" sz="3150" dirty="0" err="1">
+                <a:solidFill>
+                  <a:srgbClr val="000000"/>
+                </a:solidFill>
+                <a:latin typeface="Poppins"/>
+                <a:ea typeface="Poppins"/>
+                <a:cs typeface="Poppins"/>
+                <a:sym typeface="Poppins"/>
+              </a:rPr>
+              <a:t>eget</a:t>
+            </a:r>
+            <a:r>
+              <a:rPr lang="en-US" sz="3150" dirty="0">
+                <a:solidFill>
+                  <a:srgbClr val="000000"/>
+                </a:solidFill>
+                <a:latin typeface="Poppins"/>
+                <a:ea typeface="Poppins"/>
+                <a:cs typeface="Poppins"/>
+                <a:sym typeface="Poppins"/>
+              </a:rPr>
+              <a:t> dolor. Aenean </a:t>
+            </a:r>
+            <a:r>
+              <a:rPr lang="en-US" sz="3150" dirty="0" err="1">
+                <a:solidFill>
+                  <a:srgbClr val="000000"/>
+                </a:solidFill>
+                <a:latin typeface="Poppins"/>
+                <a:ea typeface="Poppins"/>
+                <a:cs typeface="Poppins"/>
+                <a:sym typeface="Poppins"/>
+              </a:rPr>
+              <a:t>massa</a:t>
+            </a:r>
+            <a:r>
+              <a:rPr lang="en-US" sz="3150" dirty="0">
+                <a:solidFill>
+                  <a:srgbClr val="000000"/>
+                </a:solidFill>
+                <a:latin typeface="Poppins"/>
+                <a:ea typeface="Poppins"/>
+                <a:cs typeface="Poppins"/>
+                <a:sym typeface="Poppins"/>
+              </a:rPr>
+              <a:t>. Cum sociis </a:t>
+            </a:r>
+            <a:r>
+              <a:rPr lang="en-US" sz="3150" dirty="0" err="1">
+                <a:solidFill>
+                  <a:srgbClr val="000000"/>
+                </a:solidFill>
+                <a:latin typeface="Poppins"/>
+                <a:ea typeface="Poppins"/>
+                <a:cs typeface="Poppins"/>
+                <a:sym typeface="Poppins"/>
+              </a:rPr>
+              <a:t>natoque</a:t>
+            </a:r>
+            <a:r>
+              <a:rPr lang="en-US" sz="3150" dirty="0">
+                <a:solidFill>
+                  <a:srgbClr val="000000"/>
+                </a:solidFill>
+                <a:latin typeface="Poppins"/>
+                <a:ea typeface="Poppins"/>
+                <a:cs typeface="Poppins"/>
+                <a:sym typeface="Poppins"/>
+              </a:rPr>
+              <a:t> </a:t>
+            </a:r>
+            <a:r>
+              <a:rPr lang="en-US" sz="3150" dirty="0" err="1">
+                <a:solidFill>
+                  <a:srgbClr val="000000"/>
+                </a:solidFill>
+                <a:latin typeface="Poppins"/>
+                <a:ea typeface="Poppins"/>
+                <a:cs typeface="Poppins"/>
+                <a:sym typeface="Poppins"/>
+              </a:rPr>
+              <a:t>penatibus</a:t>
+            </a:r>
+            <a:r>
+              <a:rPr lang="en-US" sz="3150" dirty="0">
+                <a:solidFill>
+                  <a:srgbClr val="000000"/>
+                </a:solidFill>
+                <a:latin typeface="Poppins"/>
+                <a:ea typeface="Poppins"/>
+                <a:cs typeface="Poppins"/>
+                <a:sym typeface="Poppins"/>
+              </a:rPr>
+              <a:t> et </a:t>
+            </a:r>
+            <a:r>
+              <a:rPr lang="en-US" sz="3150" dirty="0" err="1">
+                <a:solidFill>
+                  <a:srgbClr val="000000"/>
+                </a:solidFill>
+                <a:latin typeface="Poppins"/>
+                <a:ea typeface="Poppins"/>
+                <a:cs typeface="Poppins"/>
+                <a:sym typeface="Poppins"/>
+              </a:rPr>
+              <a:t>magnis</a:t>
+            </a:r>
+            <a:r>
+              <a:rPr lang="en-US" sz="3150" dirty="0">
+                <a:solidFill>
+                  <a:srgbClr val="000000"/>
+                </a:solidFill>
+                <a:latin typeface="Poppins"/>
+                <a:ea typeface="Poppins"/>
+                <a:cs typeface="Poppins"/>
+                <a:sym typeface="Poppins"/>
+              </a:rPr>
+              <a:t> dis parturient </a:t>
+            </a:r>
+            <a:r>
+              <a:rPr lang="en-US" sz="3150" dirty="0" err="1">
+                <a:solidFill>
+                  <a:srgbClr val="000000"/>
+                </a:solidFill>
+                <a:latin typeface="Poppins"/>
+                <a:ea typeface="Poppins"/>
+                <a:cs typeface="Poppins"/>
+                <a:sym typeface="Poppins"/>
+              </a:rPr>
+              <a:t>montes</a:t>
+            </a:r>
+            <a:r>
+              <a:rPr lang="en-US" sz="3150" dirty="0">
+                <a:solidFill>
+                  <a:srgbClr val="000000"/>
+                </a:solidFill>
+                <a:latin typeface="Poppins"/>
+                <a:ea typeface="Poppins"/>
+                <a:cs typeface="Poppins"/>
+                <a:sym typeface="Poppins"/>
+              </a:rPr>
+              <a:t>, </a:t>
+            </a:r>
+            <a:r>
+              <a:rPr lang="en-US" sz="3150" dirty="0" err="1">
+                <a:solidFill>
+                  <a:srgbClr val="000000"/>
+                </a:solidFill>
+                <a:latin typeface="Poppins"/>
+                <a:ea typeface="Poppins"/>
+                <a:cs typeface="Poppins"/>
+                <a:sym typeface="Poppins"/>
+              </a:rPr>
+              <a:t>nascetur</a:t>
+            </a:r>
+            <a:r>
+              <a:rPr lang="en-US" sz="3150" dirty="0">
+                <a:solidFill>
+                  <a:srgbClr val="000000"/>
+                </a:solidFill>
+                <a:latin typeface="Poppins"/>
+                <a:ea typeface="Poppins"/>
+                <a:cs typeface="Poppins"/>
+                <a:sym typeface="Poppins"/>
+              </a:rPr>
+              <a:t> </a:t>
+            </a:r>
+            <a:r>
+              <a:rPr lang="en-US" sz="3150" dirty="0" err="1">
+                <a:solidFill>
+                  <a:srgbClr val="000000"/>
+                </a:solidFill>
+                <a:latin typeface="Poppins"/>
+                <a:ea typeface="Poppins"/>
+                <a:cs typeface="Poppins"/>
+                <a:sym typeface="Poppins"/>
+              </a:rPr>
+              <a:t>ridiculus</a:t>
+            </a:r>
+            <a:r>
+              <a:rPr lang="en-US" sz="3150" dirty="0">
+                <a:solidFill>
+                  <a:srgbClr val="000000"/>
+                </a:solidFill>
+                <a:latin typeface="Poppins"/>
+                <a:ea typeface="Poppins"/>
+                <a:cs typeface="Poppins"/>
+                <a:sym typeface="Poppins"/>
+              </a:rPr>
+              <a:t> mus. </a:t>
+            </a:r>
+          </a:p>
+        </p:txBody>
+      </p:sp>
+      <p:sp>
+        <p:nvSpPr>
+          <p:cNvPr id="32" name="ReferencesBox">
+            <a:extLst>
+              <a:ext uri="{FF2B5EF4-FFF2-40B4-BE49-F238E27FC236}">
+                <a16:creationId xmlns:a16="http://schemas.microsoft.com/office/drawing/2014/main" id="{3FFCC5C7-AA63-6889-7E42-E0555F9607FB}"/>
+              </a:ext>
+            </a:extLst>
+          </p:cNvPr>
+          <p:cNvSpPr txBox="1"/>
           <p:nvPr/>
         </p:nvSpPr>
         <p:spPr>
-          <a:xfrm rot="0">
+          <a:xfrm>
             <a:off x="1148002" y="40744947"/>
             <a:ext cx="25587372" cy="1317625"/>
           </a:xfrm>
@@ -4202,7 +7474,7 @@
           </a:prstGeom>
         </p:spPr>
         <p:txBody>
-          <a:bodyPr anchor="t" rtlCol="false" tIns="0" lIns="0" bIns="0" rIns="0">
+          <a:bodyPr lIns="0" tIns="0" rIns="0" bIns="0" rtlCol="0" anchor="t">
             <a:spAutoFit/>
           </a:bodyPr>
           <a:lstStyle/>
@@ -4213,7 +7485,7 @@
               </a:lnSpc>
             </a:pPr>
             <a:r>
-              <a:rPr lang="en-US" sz="2499">
+              <a:rPr lang="en-US" sz="2499" dirty="0">
                 <a:solidFill>
                   <a:srgbClr val="FFFFFF"/>
                 </a:solidFill>
@@ -4222,20 +7494,626 @@
                 <a:cs typeface="Poppins"/>
                 <a:sym typeface="Poppins"/>
               </a:rPr>
-              <a:t>Lorem ipsum dolor sit amet, consectetuer adipiscing elit. Aenean commodo ligula eget dolor. Aenean massa. Cum sociis natoque penatibus et magnis dis parturient montes, nascetur ridiculus mus. Donec quam felis, ultricies nec, pellentesque eu, pretium quis, sem.Lorem ipsum dolor sit amet, consectetuer adipiscing elit.</a:t>
-            </a:r>
-          </a:p>
-        </p:txBody>
-      </p:sp>
-      <p:sp>
-        <p:nvSpPr>
-          <p:cNvPr name="TextBox 30" id="30"/>
-          <p:cNvSpPr txBox="true"/>
+              <a:t>Lorem ipsum dolor sit </a:t>
+            </a:r>
+            <a:r>
+              <a:rPr lang="en-US" sz="2499" dirty="0" err="1">
+                <a:solidFill>
+                  <a:srgbClr val="FFFFFF"/>
+                </a:solidFill>
+                <a:latin typeface="Poppins"/>
+                <a:ea typeface="Poppins"/>
+                <a:cs typeface="Poppins"/>
+                <a:sym typeface="Poppins"/>
+              </a:rPr>
+              <a:t>amet</a:t>
+            </a:r>
+            <a:r>
+              <a:rPr lang="en-US" sz="2499" dirty="0">
+                <a:solidFill>
+                  <a:srgbClr val="FFFFFF"/>
+                </a:solidFill>
+                <a:latin typeface="Poppins"/>
+                <a:ea typeface="Poppins"/>
+                <a:cs typeface="Poppins"/>
+                <a:sym typeface="Poppins"/>
+              </a:rPr>
+              <a:t>, </a:t>
+            </a:r>
+            <a:r>
+              <a:rPr lang="en-US" sz="2499" dirty="0" err="1">
+                <a:solidFill>
+                  <a:srgbClr val="FFFFFF"/>
+                </a:solidFill>
+                <a:latin typeface="Poppins"/>
+                <a:ea typeface="Poppins"/>
+                <a:cs typeface="Poppins"/>
+                <a:sym typeface="Poppins"/>
+              </a:rPr>
+              <a:t>consectetuer</a:t>
+            </a:r>
+            <a:r>
+              <a:rPr lang="en-US" sz="2499" dirty="0">
+                <a:solidFill>
+                  <a:srgbClr val="FFFFFF"/>
+                </a:solidFill>
+                <a:latin typeface="Poppins"/>
+                <a:ea typeface="Poppins"/>
+                <a:cs typeface="Poppins"/>
+                <a:sym typeface="Poppins"/>
+              </a:rPr>
+              <a:t> </a:t>
+            </a:r>
+            <a:r>
+              <a:rPr lang="en-US" sz="2499" dirty="0" err="1">
+                <a:solidFill>
+                  <a:srgbClr val="FFFFFF"/>
+                </a:solidFill>
+                <a:latin typeface="Poppins"/>
+                <a:ea typeface="Poppins"/>
+                <a:cs typeface="Poppins"/>
+                <a:sym typeface="Poppins"/>
+              </a:rPr>
+              <a:t>adipiscing</a:t>
+            </a:r>
+            <a:r>
+              <a:rPr lang="en-US" sz="2499" dirty="0">
+                <a:solidFill>
+                  <a:srgbClr val="FFFFFF"/>
+                </a:solidFill>
+                <a:latin typeface="Poppins"/>
+                <a:ea typeface="Poppins"/>
+                <a:cs typeface="Poppins"/>
+                <a:sym typeface="Poppins"/>
+              </a:rPr>
+              <a:t> </a:t>
+            </a:r>
+            <a:r>
+              <a:rPr lang="en-US" sz="2499" dirty="0" err="1">
+                <a:solidFill>
+                  <a:srgbClr val="FFFFFF"/>
+                </a:solidFill>
+                <a:latin typeface="Poppins"/>
+                <a:ea typeface="Poppins"/>
+                <a:cs typeface="Poppins"/>
+                <a:sym typeface="Poppins"/>
+              </a:rPr>
+              <a:t>elit</a:t>
+            </a:r>
+            <a:r>
+              <a:rPr lang="en-US" sz="2499" dirty="0">
+                <a:solidFill>
+                  <a:srgbClr val="FFFFFF"/>
+                </a:solidFill>
+                <a:latin typeface="Poppins"/>
+                <a:ea typeface="Poppins"/>
+                <a:cs typeface="Poppins"/>
+                <a:sym typeface="Poppins"/>
+              </a:rPr>
+              <a:t>. Aenean </a:t>
+            </a:r>
+            <a:r>
+              <a:rPr lang="en-US" sz="2499" dirty="0" err="1">
+                <a:solidFill>
+                  <a:srgbClr val="FFFFFF"/>
+                </a:solidFill>
+                <a:latin typeface="Poppins"/>
+                <a:ea typeface="Poppins"/>
+                <a:cs typeface="Poppins"/>
+                <a:sym typeface="Poppins"/>
+              </a:rPr>
+              <a:t>commodo</a:t>
+            </a:r>
+            <a:r>
+              <a:rPr lang="en-US" sz="2499" dirty="0">
+                <a:solidFill>
+                  <a:srgbClr val="FFFFFF"/>
+                </a:solidFill>
+                <a:latin typeface="Poppins"/>
+                <a:ea typeface="Poppins"/>
+                <a:cs typeface="Poppins"/>
+                <a:sym typeface="Poppins"/>
+              </a:rPr>
+              <a:t> ligula </a:t>
+            </a:r>
+            <a:r>
+              <a:rPr lang="en-US" sz="2499" dirty="0" err="1">
+                <a:solidFill>
+                  <a:srgbClr val="FFFFFF"/>
+                </a:solidFill>
+                <a:latin typeface="Poppins"/>
+                <a:ea typeface="Poppins"/>
+                <a:cs typeface="Poppins"/>
+                <a:sym typeface="Poppins"/>
+              </a:rPr>
+              <a:t>eget</a:t>
+            </a:r>
+            <a:r>
+              <a:rPr lang="en-US" sz="2499" dirty="0">
+                <a:solidFill>
+                  <a:srgbClr val="FFFFFF"/>
+                </a:solidFill>
+                <a:latin typeface="Poppins"/>
+                <a:ea typeface="Poppins"/>
+                <a:cs typeface="Poppins"/>
+                <a:sym typeface="Poppins"/>
+              </a:rPr>
+              <a:t> dolor. Aenean </a:t>
+            </a:r>
+            <a:r>
+              <a:rPr lang="en-US" sz="2499" dirty="0" err="1">
+                <a:solidFill>
+                  <a:srgbClr val="FFFFFF"/>
+                </a:solidFill>
+                <a:latin typeface="Poppins"/>
+                <a:ea typeface="Poppins"/>
+                <a:cs typeface="Poppins"/>
+                <a:sym typeface="Poppins"/>
+              </a:rPr>
+              <a:t>massa</a:t>
+            </a:r>
+            <a:r>
+              <a:rPr lang="en-US" sz="2499" dirty="0">
+                <a:solidFill>
+                  <a:srgbClr val="FFFFFF"/>
+                </a:solidFill>
+                <a:latin typeface="Poppins"/>
+                <a:ea typeface="Poppins"/>
+                <a:cs typeface="Poppins"/>
+                <a:sym typeface="Poppins"/>
+              </a:rPr>
+              <a:t>. Cum sociis </a:t>
+            </a:r>
+            <a:r>
+              <a:rPr lang="en-US" sz="2499" dirty="0" err="1">
+                <a:solidFill>
+                  <a:srgbClr val="FFFFFF"/>
+                </a:solidFill>
+                <a:latin typeface="Poppins"/>
+                <a:ea typeface="Poppins"/>
+                <a:cs typeface="Poppins"/>
+                <a:sym typeface="Poppins"/>
+              </a:rPr>
+              <a:t>natoque</a:t>
+            </a:r>
+            <a:r>
+              <a:rPr lang="en-US" sz="2499" dirty="0">
+                <a:solidFill>
+                  <a:srgbClr val="FFFFFF"/>
+                </a:solidFill>
+                <a:latin typeface="Poppins"/>
+                <a:ea typeface="Poppins"/>
+                <a:cs typeface="Poppins"/>
+                <a:sym typeface="Poppins"/>
+              </a:rPr>
+              <a:t> </a:t>
+            </a:r>
+            <a:r>
+              <a:rPr lang="en-US" sz="2499" dirty="0" err="1">
+                <a:solidFill>
+                  <a:srgbClr val="FFFFFF"/>
+                </a:solidFill>
+                <a:latin typeface="Poppins"/>
+                <a:ea typeface="Poppins"/>
+                <a:cs typeface="Poppins"/>
+                <a:sym typeface="Poppins"/>
+              </a:rPr>
+              <a:t>penatibus</a:t>
+            </a:r>
+            <a:r>
+              <a:rPr lang="en-US" sz="2499" dirty="0">
+                <a:solidFill>
+                  <a:srgbClr val="FFFFFF"/>
+                </a:solidFill>
+                <a:latin typeface="Poppins"/>
+                <a:ea typeface="Poppins"/>
+                <a:cs typeface="Poppins"/>
+                <a:sym typeface="Poppins"/>
+              </a:rPr>
+              <a:t> et </a:t>
+            </a:r>
+            <a:r>
+              <a:rPr lang="en-US" sz="2499" dirty="0" err="1">
+                <a:solidFill>
+                  <a:srgbClr val="FFFFFF"/>
+                </a:solidFill>
+                <a:latin typeface="Poppins"/>
+                <a:ea typeface="Poppins"/>
+                <a:cs typeface="Poppins"/>
+                <a:sym typeface="Poppins"/>
+              </a:rPr>
+              <a:t>magnis</a:t>
+            </a:r>
+            <a:r>
+              <a:rPr lang="en-US" sz="2499" dirty="0">
+                <a:solidFill>
+                  <a:srgbClr val="FFFFFF"/>
+                </a:solidFill>
+                <a:latin typeface="Poppins"/>
+                <a:ea typeface="Poppins"/>
+                <a:cs typeface="Poppins"/>
+                <a:sym typeface="Poppins"/>
+              </a:rPr>
+              <a:t> dis parturient </a:t>
+            </a:r>
+            <a:r>
+              <a:rPr lang="en-US" sz="2499" dirty="0" err="1">
+                <a:solidFill>
+                  <a:srgbClr val="FFFFFF"/>
+                </a:solidFill>
+                <a:latin typeface="Poppins"/>
+                <a:ea typeface="Poppins"/>
+                <a:cs typeface="Poppins"/>
+                <a:sym typeface="Poppins"/>
+              </a:rPr>
+              <a:t>montes</a:t>
+            </a:r>
+            <a:r>
+              <a:rPr lang="en-US" sz="2499" dirty="0">
+                <a:solidFill>
+                  <a:srgbClr val="FFFFFF"/>
+                </a:solidFill>
+                <a:latin typeface="Poppins"/>
+                <a:ea typeface="Poppins"/>
+                <a:cs typeface="Poppins"/>
+                <a:sym typeface="Poppins"/>
+              </a:rPr>
+              <a:t>, </a:t>
+            </a:r>
+            <a:r>
+              <a:rPr lang="en-US" sz="2499" dirty="0" err="1">
+                <a:solidFill>
+                  <a:srgbClr val="FFFFFF"/>
+                </a:solidFill>
+                <a:latin typeface="Poppins"/>
+                <a:ea typeface="Poppins"/>
+                <a:cs typeface="Poppins"/>
+                <a:sym typeface="Poppins"/>
+              </a:rPr>
+              <a:t>nascetur</a:t>
+            </a:r>
+            <a:r>
+              <a:rPr lang="en-US" sz="2499" dirty="0">
+                <a:solidFill>
+                  <a:srgbClr val="FFFFFF"/>
+                </a:solidFill>
+                <a:latin typeface="Poppins"/>
+                <a:ea typeface="Poppins"/>
+                <a:cs typeface="Poppins"/>
+                <a:sym typeface="Poppins"/>
+              </a:rPr>
+              <a:t> </a:t>
+            </a:r>
+            <a:r>
+              <a:rPr lang="en-US" sz="2499" dirty="0" err="1">
+                <a:solidFill>
+                  <a:srgbClr val="FFFFFF"/>
+                </a:solidFill>
+                <a:latin typeface="Poppins"/>
+                <a:ea typeface="Poppins"/>
+                <a:cs typeface="Poppins"/>
+                <a:sym typeface="Poppins"/>
+              </a:rPr>
+              <a:t>ridiculus</a:t>
+            </a:r>
+            <a:r>
+              <a:rPr lang="en-US" sz="2499" dirty="0">
+                <a:solidFill>
+                  <a:srgbClr val="FFFFFF"/>
+                </a:solidFill>
+                <a:latin typeface="Poppins"/>
+                <a:ea typeface="Poppins"/>
+                <a:cs typeface="Poppins"/>
+                <a:sym typeface="Poppins"/>
+              </a:rPr>
+              <a:t> mus. Donec </a:t>
+            </a:r>
+            <a:r>
+              <a:rPr lang="en-US" sz="2499" dirty="0" err="1">
+                <a:solidFill>
+                  <a:srgbClr val="FFFFFF"/>
+                </a:solidFill>
+                <a:latin typeface="Poppins"/>
+                <a:ea typeface="Poppins"/>
+                <a:cs typeface="Poppins"/>
+                <a:sym typeface="Poppins"/>
+              </a:rPr>
+              <a:t>quam</a:t>
+            </a:r>
+            <a:r>
+              <a:rPr lang="en-US" sz="2499" dirty="0">
+                <a:solidFill>
+                  <a:srgbClr val="FFFFFF"/>
+                </a:solidFill>
+                <a:latin typeface="Poppins"/>
+                <a:ea typeface="Poppins"/>
+                <a:cs typeface="Poppins"/>
+                <a:sym typeface="Poppins"/>
+              </a:rPr>
+              <a:t> </a:t>
+            </a:r>
+            <a:r>
+              <a:rPr lang="en-US" sz="2499" dirty="0" err="1">
+                <a:solidFill>
+                  <a:srgbClr val="FFFFFF"/>
+                </a:solidFill>
+                <a:latin typeface="Poppins"/>
+                <a:ea typeface="Poppins"/>
+                <a:cs typeface="Poppins"/>
+                <a:sym typeface="Poppins"/>
+              </a:rPr>
+              <a:t>felis</a:t>
+            </a:r>
+            <a:r>
+              <a:rPr lang="en-US" sz="2499" dirty="0">
+                <a:solidFill>
+                  <a:srgbClr val="FFFFFF"/>
+                </a:solidFill>
+                <a:latin typeface="Poppins"/>
+                <a:ea typeface="Poppins"/>
+                <a:cs typeface="Poppins"/>
+                <a:sym typeface="Poppins"/>
+              </a:rPr>
+              <a:t>, </a:t>
+            </a:r>
+            <a:r>
+              <a:rPr lang="en-US" sz="2499" dirty="0" err="1">
+                <a:solidFill>
+                  <a:srgbClr val="FFFFFF"/>
+                </a:solidFill>
+                <a:latin typeface="Poppins"/>
+                <a:ea typeface="Poppins"/>
+                <a:cs typeface="Poppins"/>
+                <a:sym typeface="Poppins"/>
+              </a:rPr>
+              <a:t>ultricies</a:t>
+            </a:r>
+            <a:r>
+              <a:rPr lang="en-US" sz="2499" dirty="0">
+                <a:solidFill>
+                  <a:srgbClr val="FFFFFF"/>
+                </a:solidFill>
+                <a:latin typeface="Poppins"/>
+                <a:ea typeface="Poppins"/>
+                <a:cs typeface="Poppins"/>
+                <a:sym typeface="Poppins"/>
+              </a:rPr>
+              <a:t> nec, </a:t>
+            </a:r>
+            <a:r>
+              <a:rPr lang="en-US" sz="2499" dirty="0" err="1">
+                <a:solidFill>
+                  <a:srgbClr val="FFFFFF"/>
+                </a:solidFill>
+                <a:latin typeface="Poppins"/>
+                <a:ea typeface="Poppins"/>
+                <a:cs typeface="Poppins"/>
+                <a:sym typeface="Poppins"/>
+              </a:rPr>
+              <a:t>pellentesque</a:t>
+            </a:r>
+            <a:r>
+              <a:rPr lang="en-US" sz="2499" dirty="0">
+                <a:solidFill>
+                  <a:srgbClr val="FFFFFF"/>
+                </a:solidFill>
+                <a:latin typeface="Poppins"/>
+                <a:ea typeface="Poppins"/>
+                <a:cs typeface="Poppins"/>
+                <a:sym typeface="Poppins"/>
+              </a:rPr>
+              <a:t> </a:t>
+            </a:r>
+            <a:r>
+              <a:rPr lang="en-US" sz="2499" dirty="0" err="1">
+                <a:solidFill>
+                  <a:srgbClr val="FFFFFF"/>
+                </a:solidFill>
+                <a:latin typeface="Poppins"/>
+                <a:ea typeface="Poppins"/>
+                <a:cs typeface="Poppins"/>
+                <a:sym typeface="Poppins"/>
+              </a:rPr>
+              <a:t>eu</a:t>
+            </a:r>
+            <a:r>
+              <a:rPr lang="en-US" sz="2499" dirty="0">
+                <a:solidFill>
+                  <a:srgbClr val="FFFFFF"/>
+                </a:solidFill>
+                <a:latin typeface="Poppins"/>
+                <a:ea typeface="Poppins"/>
+                <a:cs typeface="Poppins"/>
+                <a:sym typeface="Poppins"/>
+              </a:rPr>
+              <a:t>, </a:t>
+            </a:r>
+            <a:r>
+              <a:rPr lang="en-US" sz="2499" dirty="0" err="1">
+                <a:solidFill>
+                  <a:srgbClr val="FFFFFF"/>
+                </a:solidFill>
+                <a:latin typeface="Poppins"/>
+                <a:ea typeface="Poppins"/>
+                <a:cs typeface="Poppins"/>
+                <a:sym typeface="Poppins"/>
+              </a:rPr>
+              <a:t>pretium</a:t>
+            </a:r>
+            <a:r>
+              <a:rPr lang="en-US" sz="2499" dirty="0">
+                <a:solidFill>
+                  <a:srgbClr val="FFFFFF"/>
+                </a:solidFill>
+                <a:latin typeface="Poppins"/>
+                <a:ea typeface="Poppins"/>
+                <a:cs typeface="Poppins"/>
+                <a:sym typeface="Poppins"/>
+              </a:rPr>
+              <a:t> </a:t>
+            </a:r>
+            <a:r>
+              <a:rPr lang="en-US" sz="2499" dirty="0" err="1">
+                <a:solidFill>
+                  <a:srgbClr val="FFFFFF"/>
+                </a:solidFill>
+                <a:latin typeface="Poppins"/>
+                <a:ea typeface="Poppins"/>
+                <a:cs typeface="Poppins"/>
+                <a:sym typeface="Poppins"/>
+              </a:rPr>
+              <a:t>quis</a:t>
+            </a:r>
+            <a:r>
+              <a:rPr lang="en-US" sz="2499" dirty="0">
+                <a:solidFill>
+                  <a:srgbClr val="FFFFFF"/>
+                </a:solidFill>
+                <a:latin typeface="Poppins"/>
+                <a:ea typeface="Poppins"/>
+                <a:cs typeface="Poppins"/>
+                <a:sym typeface="Poppins"/>
+              </a:rPr>
+              <a:t>, </a:t>
+            </a:r>
+            <a:r>
+              <a:rPr lang="en-US" sz="2499" dirty="0" err="1">
+                <a:solidFill>
+                  <a:srgbClr val="FFFFFF"/>
+                </a:solidFill>
+                <a:latin typeface="Poppins"/>
+                <a:ea typeface="Poppins"/>
+                <a:cs typeface="Poppins"/>
+                <a:sym typeface="Poppins"/>
+              </a:rPr>
+              <a:t>sem.Lorem</a:t>
+            </a:r>
+            <a:r>
+              <a:rPr lang="en-US" sz="2499" dirty="0">
+                <a:solidFill>
+                  <a:srgbClr val="FFFFFF"/>
+                </a:solidFill>
+                <a:latin typeface="Poppins"/>
+                <a:ea typeface="Poppins"/>
+                <a:cs typeface="Poppins"/>
+                <a:sym typeface="Poppins"/>
+              </a:rPr>
+              <a:t> ipsum dolor sit </a:t>
+            </a:r>
+            <a:r>
+              <a:rPr lang="en-US" sz="2499" dirty="0" err="1">
+                <a:solidFill>
+                  <a:srgbClr val="FFFFFF"/>
+                </a:solidFill>
+                <a:latin typeface="Poppins"/>
+                <a:ea typeface="Poppins"/>
+                <a:cs typeface="Poppins"/>
+                <a:sym typeface="Poppins"/>
+              </a:rPr>
+              <a:t>amet</a:t>
+            </a:r>
+            <a:r>
+              <a:rPr lang="en-US" sz="2499" dirty="0">
+                <a:solidFill>
+                  <a:srgbClr val="FFFFFF"/>
+                </a:solidFill>
+                <a:latin typeface="Poppins"/>
+                <a:ea typeface="Poppins"/>
+                <a:cs typeface="Poppins"/>
+                <a:sym typeface="Poppins"/>
+              </a:rPr>
+              <a:t>, </a:t>
+            </a:r>
+            <a:r>
+              <a:rPr lang="en-US" sz="2499" dirty="0" err="1">
+                <a:solidFill>
+                  <a:srgbClr val="FFFFFF"/>
+                </a:solidFill>
+                <a:latin typeface="Poppins"/>
+                <a:ea typeface="Poppins"/>
+                <a:cs typeface="Poppins"/>
+                <a:sym typeface="Poppins"/>
+              </a:rPr>
+              <a:t>consectetuer</a:t>
+            </a:r>
+            <a:r>
+              <a:rPr lang="en-US" sz="2499" dirty="0">
+                <a:solidFill>
+                  <a:srgbClr val="FFFFFF"/>
+                </a:solidFill>
+                <a:latin typeface="Poppins"/>
+                <a:ea typeface="Poppins"/>
+                <a:cs typeface="Poppins"/>
+                <a:sym typeface="Poppins"/>
+              </a:rPr>
+              <a:t> </a:t>
+            </a:r>
+            <a:r>
+              <a:rPr lang="en-US" sz="2499" dirty="0" err="1">
+                <a:solidFill>
+                  <a:srgbClr val="FFFFFF"/>
+                </a:solidFill>
+                <a:latin typeface="Poppins"/>
+                <a:ea typeface="Poppins"/>
+                <a:cs typeface="Poppins"/>
+                <a:sym typeface="Poppins"/>
+              </a:rPr>
+              <a:t>adipiscing</a:t>
+            </a:r>
+            <a:r>
+              <a:rPr lang="en-US" sz="2499" dirty="0">
+                <a:solidFill>
+                  <a:srgbClr val="FFFFFF"/>
+                </a:solidFill>
+                <a:latin typeface="Poppins"/>
+                <a:ea typeface="Poppins"/>
+                <a:cs typeface="Poppins"/>
+                <a:sym typeface="Poppins"/>
+              </a:rPr>
+              <a:t> </a:t>
+            </a:r>
+            <a:r>
+              <a:rPr lang="en-US" sz="2499" dirty="0" err="1">
+                <a:solidFill>
+                  <a:srgbClr val="FFFFFF"/>
+                </a:solidFill>
+                <a:latin typeface="Poppins"/>
+                <a:ea typeface="Poppins"/>
+                <a:cs typeface="Poppins"/>
+                <a:sym typeface="Poppins"/>
+              </a:rPr>
+              <a:t>elit</a:t>
+            </a:r>
+            <a:r>
+              <a:rPr lang="en-US" sz="2499" dirty="0">
+                <a:solidFill>
+                  <a:srgbClr val="FFFFFF"/>
+                </a:solidFill>
+                <a:latin typeface="Poppins"/>
+                <a:ea typeface="Poppins"/>
+                <a:cs typeface="Poppins"/>
+                <a:sym typeface="Poppins"/>
+              </a:rPr>
+              <a:t>.</a:t>
+            </a:r>
+          </a:p>
+        </p:txBody>
+      </p:sp>
+      <p:sp>
+        <p:nvSpPr>
+          <p:cNvPr id="33" name="TextBox 30">
+            <a:extLst>
+              <a:ext uri="{FF2B5EF4-FFF2-40B4-BE49-F238E27FC236}">
+                <a16:creationId xmlns:a16="http://schemas.microsoft.com/office/drawing/2014/main" id="{A417F81B-7329-E44B-C438-3CAA1864F65A}"/>
+              </a:ext>
+            </a:extLst>
+          </p:cNvPr>
+          <p:cNvSpPr txBox="1"/>
           <p:nvPr/>
         </p:nvSpPr>
         <p:spPr>
-          <a:xfrm rot="0">
-            <a:off x="2478615" y="34115925"/>
+          <a:xfrm>
+            <a:off x="2478615" y="33676747"/>
             <a:ext cx="1596945" cy="558165"/>
           </a:xfrm>
           <a:prstGeom prst="rect">
@@ -4243,7 +8121,7 @@
           </a:prstGeom>
         </p:spPr>
         <p:txBody>
-          <a:bodyPr anchor="t" rtlCol="false" tIns="0" lIns="0" bIns="0" rIns="0">
+          <a:bodyPr lIns="0" tIns="0" rIns="0" bIns="0" rtlCol="0" anchor="t">
             <a:spAutoFit/>
           </a:bodyPr>
           <a:lstStyle/>
@@ -4270,13 +8148,19 @@
       </p:sp>
       <p:sp>
         <p:nvSpPr>
-          <p:cNvPr name="TextBox 31" id="31"/>
-          <p:cNvSpPr txBox="true"/>
+          <p:cNvPr id="34" name="TextBox 31">
+            <a:extLst>
+              <a:ext uri="{FF2B5EF4-FFF2-40B4-BE49-F238E27FC236}">
+                <a16:creationId xmlns:a16="http://schemas.microsoft.com/office/drawing/2014/main" id="{14BAEC60-FF5F-0B3F-89E9-7B41087442DA}"/>
+              </a:ext>
+            </a:extLst>
+          </p:cNvPr>
+          <p:cNvSpPr txBox="1"/>
           <p:nvPr/>
         </p:nvSpPr>
         <p:spPr>
-          <a:xfrm rot="0">
-            <a:off x="8345883" y="34115925"/>
+          <a:xfrm>
+            <a:off x="8345883" y="33676747"/>
             <a:ext cx="1596945" cy="558165"/>
           </a:xfrm>
           <a:prstGeom prst="rect">
@@ -4284,7 +8168,7 @@
           </a:prstGeom>
         </p:spPr>
         <p:txBody>
-          <a:bodyPr anchor="t" rtlCol="false" tIns="0" lIns="0" bIns="0" rIns="0">
+          <a:bodyPr lIns="0" tIns="0" rIns="0" bIns="0" rtlCol="0" anchor="t">
             <a:spAutoFit/>
           </a:bodyPr>
           <a:lstStyle/>
@@ -4311,13 +8195,19 @@
       </p:sp>
       <p:sp>
         <p:nvSpPr>
-          <p:cNvPr name="TextBox 32" id="32"/>
-          <p:cNvSpPr txBox="true"/>
+          <p:cNvPr id="35" name="TextBox 32">
+            <a:extLst>
+              <a:ext uri="{FF2B5EF4-FFF2-40B4-BE49-F238E27FC236}">
+                <a16:creationId xmlns:a16="http://schemas.microsoft.com/office/drawing/2014/main" id="{2F7B52FB-5549-1528-64C3-E12C841CDF06}"/>
+              </a:ext>
+            </a:extLst>
+          </p:cNvPr>
+          <p:cNvSpPr txBox="1"/>
           <p:nvPr/>
         </p:nvSpPr>
         <p:spPr>
-          <a:xfrm rot="0">
-            <a:off x="2478615" y="35900345"/>
+          <a:xfrm>
+            <a:off x="2478615" y="35461167"/>
             <a:ext cx="1596945" cy="558165"/>
           </a:xfrm>
           <a:prstGeom prst="rect">
@@ -4325,7 +8215,7 @@
           </a:prstGeom>
         </p:spPr>
         <p:txBody>
-          <a:bodyPr anchor="t" rtlCol="false" tIns="0" lIns="0" bIns="0" rIns="0">
+          <a:bodyPr lIns="0" tIns="0" rIns="0" bIns="0" rtlCol="0" anchor="t">
             <a:spAutoFit/>
           </a:bodyPr>
           <a:lstStyle/>
@@ -4352,13 +8242,19 @@
       </p:sp>
       <p:sp>
         <p:nvSpPr>
-          <p:cNvPr name="TextBox 33" id="33"/>
-          <p:cNvSpPr txBox="true"/>
+          <p:cNvPr id="36" name="TextBox 33">
+            <a:extLst>
+              <a:ext uri="{FF2B5EF4-FFF2-40B4-BE49-F238E27FC236}">
+                <a16:creationId xmlns:a16="http://schemas.microsoft.com/office/drawing/2014/main" id="{44CD75D3-DE10-DBCE-803A-61B77C7A9B15}"/>
+              </a:ext>
+            </a:extLst>
+          </p:cNvPr>
+          <p:cNvSpPr txBox="1"/>
           <p:nvPr/>
         </p:nvSpPr>
         <p:spPr>
-          <a:xfrm rot="0">
-            <a:off x="2478615" y="37687235"/>
+          <a:xfrm>
+            <a:off x="2478615" y="37248057"/>
             <a:ext cx="1596945" cy="558165"/>
           </a:xfrm>
           <a:prstGeom prst="rect">
@@ -4366,7 +8262,7 @@
           </a:prstGeom>
         </p:spPr>
         <p:txBody>
-          <a:bodyPr anchor="t" rtlCol="false" tIns="0" lIns="0" bIns="0" rIns="0">
+          <a:bodyPr lIns="0" tIns="0" rIns="0" bIns="0" rtlCol="0" anchor="t">
             <a:spAutoFit/>
           </a:bodyPr>
           <a:lstStyle/>
@@ -4393,13 +8289,19 @@
       </p:sp>
       <p:sp>
         <p:nvSpPr>
-          <p:cNvPr name="TextBox 34" id="34"/>
-          <p:cNvSpPr txBox="true"/>
+          <p:cNvPr id="37" name="TextBox 34">
+            <a:extLst>
+              <a:ext uri="{FF2B5EF4-FFF2-40B4-BE49-F238E27FC236}">
+                <a16:creationId xmlns:a16="http://schemas.microsoft.com/office/drawing/2014/main" id="{EAF0A73D-DD74-F323-4769-29710B53F9BA}"/>
+              </a:ext>
+            </a:extLst>
+          </p:cNvPr>
+          <p:cNvSpPr txBox="1"/>
           <p:nvPr/>
         </p:nvSpPr>
         <p:spPr>
-          <a:xfrm rot="0">
-            <a:off x="8345883" y="35900345"/>
+          <a:xfrm>
+            <a:off x="8345883" y="35461167"/>
             <a:ext cx="1596945" cy="558165"/>
           </a:xfrm>
           <a:prstGeom prst="rect">
@@ -4407,7 +8309,7 @@
           </a:prstGeom>
         </p:spPr>
         <p:txBody>
-          <a:bodyPr anchor="t" rtlCol="false" tIns="0" lIns="0" bIns="0" rIns="0">
+          <a:bodyPr lIns="0" tIns="0" rIns="0" bIns="0" rtlCol="0" anchor="t">
             <a:spAutoFit/>
           </a:bodyPr>
           <a:lstStyle/>
@@ -4434,13 +8336,19 @@
       </p:sp>
       <p:sp>
         <p:nvSpPr>
-          <p:cNvPr name="TextBox 35" id="35"/>
-          <p:cNvSpPr txBox="true"/>
+          <p:cNvPr id="38" name="TextBox 35">
+            <a:extLst>
+              <a:ext uri="{FF2B5EF4-FFF2-40B4-BE49-F238E27FC236}">
+                <a16:creationId xmlns:a16="http://schemas.microsoft.com/office/drawing/2014/main" id="{FB2EC0F7-A451-5AB9-E6C0-811F5BEA2276}"/>
+              </a:ext>
+            </a:extLst>
+          </p:cNvPr>
+          <p:cNvSpPr txBox="1"/>
           <p:nvPr/>
         </p:nvSpPr>
         <p:spPr>
-          <a:xfrm rot="0">
-            <a:off x="8345883" y="37687235"/>
+          <a:xfrm>
+            <a:off x="8345883" y="37248057"/>
             <a:ext cx="1596945" cy="558165"/>
           </a:xfrm>
           <a:prstGeom prst="rect">
@@ -4448,7 +8356,7 @@
           </a:prstGeom>
         </p:spPr>
         <p:txBody>
-          <a:bodyPr anchor="t" rtlCol="false" tIns="0" lIns="0" bIns="0" rIns="0">
+          <a:bodyPr lIns="0" tIns="0" rIns="0" bIns="0" rtlCol="0" anchor="t">
             <a:spAutoFit/>
           </a:bodyPr>
           <a:lstStyle/>
@@ -4473,7 +8381,243 @@
           </a:p>
         </p:txBody>
       </p:sp>
+      <p:sp>
+        <p:nvSpPr>
+          <p:cNvPr id="4" name="Fig1Placeholder">
+            <a:extLst>
+              <a:ext uri="{FF2B5EF4-FFF2-40B4-BE49-F238E27FC236}">
+                <a16:creationId xmlns:a16="http://schemas.microsoft.com/office/drawing/2014/main" id="{F938ECDB-1C68-F462-336A-3B2CDC49FE9B}"/>
+              </a:ext>
+            </a:extLst>
+          </p:cNvPr>
+          <p:cNvSpPr>
+            <a:spLocks noGrp="1"/>
+          </p:cNvSpPr>
+          <p:nvPr>
+            <p:ph type="pic" sz="quarter" idx="12"/>
+          </p:nvPr>
+        </p:nvSpPr>
+        <p:spPr>
+          <a:xfrm>
+            <a:off x="14356177" y="22553063"/>
+            <a:ext cx="4439823" cy="4415301"/>
+          </a:xfrm>
+        </p:spPr>
+        <p:txBody>
+          <a:bodyPr/>
+          <a:lstStyle/>
+          <a:p>
+            <a:endParaRPr lang="en-GB"/>
+          </a:p>
+        </p:txBody>
+      </p:sp>
+      <p:sp>
+        <p:nvSpPr>
+          <p:cNvPr id="3" name="Fig3Placeholder">
+            <a:extLst>
+              <a:ext uri="{FF2B5EF4-FFF2-40B4-BE49-F238E27FC236}">
+                <a16:creationId xmlns:a16="http://schemas.microsoft.com/office/drawing/2014/main" id="{937AAA0E-14E0-A021-5CFC-31D5262F6E42}"/>
+              </a:ext>
+            </a:extLst>
+          </p:cNvPr>
+          <p:cNvSpPr>
+            <a:spLocks noGrp="1"/>
+          </p:cNvSpPr>
+          <p:nvPr>
+            <p:ph type="pic" sz="quarter" idx="11"/>
+          </p:nvPr>
+        </p:nvSpPr>
+        <p:spPr>
+          <a:xfrm>
+            <a:off x="24531645" y="22513656"/>
+            <a:ext cx="4439823" cy="4463028"/>
+          </a:xfrm>
+        </p:spPr>
+        <p:txBody>
+          <a:bodyPr/>
+          <a:lstStyle/>
+          <a:p>
+            <a:endParaRPr lang="en-GB"/>
+          </a:p>
+        </p:txBody>
+      </p:sp>
+      <p:sp>
+        <p:nvSpPr>
+          <p:cNvPr id="2" name="Fig2Placeholder">
+            <a:extLst>
+              <a:ext uri="{FF2B5EF4-FFF2-40B4-BE49-F238E27FC236}">
+                <a16:creationId xmlns:a16="http://schemas.microsoft.com/office/drawing/2014/main" id="{4838B9C1-04CD-24D0-D0A6-0F4A869091E5}"/>
+              </a:ext>
+            </a:extLst>
+          </p:cNvPr>
+          <p:cNvSpPr>
+            <a:spLocks noGrp="1"/>
+          </p:cNvSpPr>
+          <p:nvPr>
+            <p:ph type="pic" sz="quarter" idx="10"/>
+          </p:nvPr>
+        </p:nvSpPr>
+        <p:spPr>
+          <a:xfrm>
+            <a:off x="19443911" y="22561383"/>
+            <a:ext cx="4439823" cy="4415301"/>
+          </a:xfrm>
+        </p:spPr>
+        <p:txBody>
+          <a:bodyPr/>
+          <a:lstStyle/>
+          <a:p>
+            <a:endParaRPr lang="en-GB" dirty="0"/>
+          </a:p>
+        </p:txBody>
+      </p:sp>
+      <p:sp>
+        <p:nvSpPr>
+          <p:cNvPr id="39" name="FigureDesc1">
+            <a:extLst>
+              <a:ext uri="{FF2B5EF4-FFF2-40B4-BE49-F238E27FC236}">
+                <a16:creationId xmlns:a16="http://schemas.microsoft.com/office/drawing/2014/main" id="{1923E0B3-E3DC-BFAF-007A-43C15D04926B}"/>
+              </a:ext>
+            </a:extLst>
+          </p:cNvPr>
+          <p:cNvSpPr txBox="1"/>
+          <p:nvPr/>
+        </p:nvSpPr>
+        <p:spPr>
+          <a:xfrm>
+            <a:off x="14357816" y="27237887"/>
+            <a:ext cx="4438184" cy="536301"/>
+          </a:xfrm>
+          <a:prstGeom prst="rect">
+            <a:avLst/>
+          </a:prstGeom>
+        </p:spPr>
+        <p:txBody>
+          <a:bodyPr wrap="square" lIns="0" tIns="0" rIns="0" bIns="0" rtlCol="0" anchor="t">
+            <a:spAutoFit/>
+          </a:bodyPr>
+          <a:lstStyle/>
+          <a:p>
+            <a:pPr algn="l">
+              <a:lnSpc>
+                <a:spcPts val="4409"/>
+              </a:lnSpc>
+            </a:pPr>
+            <a:r>
+              <a:rPr lang="en-US" sz="3150" dirty="0">
+                <a:solidFill>
+                  <a:srgbClr val="000000"/>
+                </a:solidFill>
+                <a:latin typeface="Poppins"/>
+                <a:ea typeface="Poppins"/>
+                <a:cs typeface="Poppins"/>
+                <a:sym typeface="Poppins"/>
+              </a:rPr>
+              <a:t>Figure 1:</a:t>
+            </a:r>
+          </a:p>
+        </p:txBody>
+      </p:sp>
+      <p:sp>
+        <p:nvSpPr>
+          <p:cNvPr id="40" name="FigureDesc2">
+            <a:extLst>
+              <a:ext uri="{FF2B5EF4-FFF2-40B4-BE49-F238E27FC236}">
+                <a16:creationId xmlns:a16="http://schemas.microsoft.com/office/drawing/2014/main" id="{10061D9C-5D5D-5EDC-2B61-668E3986DB63}"/>
+              </a:ext>
+            </a:extLst>
+          </p:cNvPr>
+          <p:cNvSpPr txBox="1"/>
+          <p:nvPr/>
+        </p:nvSpPr>
+        <p:spPr>
+          <a:xfrm>
+            <a:off x="19445550" y="27237887"/>
+            <a:ext cx="4438184" cy="536301"/>
+          </a:xfrm>
+          <a:prstGeom prst="rect">
+            <a:avLst/>
+          </a:prstGeom>
+        </p:spPr>
+        <p:txBody>
+          <a:bodyPr wrap="square" lIns="0" tIns="0" rIns="0" bIns="0" rtlCol="0" anchor="t">
+            <a:spAutoFit/>
+          </a:bodyPr>
+          <a:lstStyle/>
+          <a:p>
+            <a:pPr algn="l">
+              <a:lnSpc>
+                <a:spcPts val="4409"/>
+              </a:lnSpc>
+            </a:pPr>
+            <a:r>
+              <a:rPr lang="en-US" sz="3150" dirty="0">
+                <a:solidFill>
+                  <a:srgbClr val="000000"/>
+                </a:solidFill>
+                <a:latin typeface="Poppins"/>
+                <a:ea typeface="Poppins"/>
+                <a:cs typeface="Poppins"/>
+                <a:sym typeface="Poppins"/>
+              </a:rPr>
+              <a:t>Figure 2:</a:t>
+            </a:r>
+          </a:p>
+        </p:txBody>
+      </p:sp>
+      <p:sp>
+        <p:nvSpPr>
+          <p:cNvPr id="41" name="FigureDesc3">
+            <a:extLst>
+              <a:ext uri="{FF2B5EF4-FFF2-40B4-BE49-F238E27FC236}">
+                <a16:creationId xmlns:a16="http://schemas.microsoft.com/office/drawing/2014/main" id="{4EA952B5-345A-6630-1AB1-3071935F4528}"/>
+              </a:ext>
+            </a:extLst>
+          </p:cNvPr>
+          <p:cNvSpPr txBox="1"/>
+          <p:nvPr/>
+        </p:nvSpPr>
+        <p:spPr>
+          <a:xfrm>
+            <a:off x="24533284" y="27237887"/>
+            <a:ext cx="4438184" cy="536301"/>
+          </a:xfrm>
+          <a:prstGeom prst="rect">
+            <a:avLst/>
+          </a:prstGeom>
+        </p:spPr>
+        <p:txBody>
+          <a:bodyPr wrap="square" lIns="0" tIns="0" rIns="0" bIns="0" rtlCol="0" anchor="t">
+            <a:spAutoFit/>
+          </a:bodyPr>
+          <a:lstStyle/>
+          <a:p>
+            <a:pPr algn="l">
+              <a:lnSpc>
+                <a:spcPts val="4409"/>
+              </a:lnSpc>
+            </a:pPr>
+            <a:r>
+              <a:rPr lang="en-US" sz="3150" dirty="0">
+                <a:solidFill>
+                  <a:srgbClr val="000000"/>
+                </a:solidFill>
+                <a:latin typeface="Poppins"/>
+                <a:ea typeface="Poppins"/>
+                <a:cs typeface="Poppins"/>
+                <a:sym typeface="Poppins"/>
+              </a:rPr>
+              <a:t>Figure 3:</a:t>
+            </a:r>
+          </a:p>
+        </p:txBody>
+      </p:sp>
     </p:spTree>
+    <p:extLst>
+      <p:ext uri="{BB962C8B-B14F-4D97-AF65-F5344CB8AC3E}">
+        <p14:creationId xmlns:p14="http://schemas.microsoft.com/office/powerpoint/2010/main" val="1798023960"/>
+      </p:ext>
+    </p:extLst>
   </p:cSld>
   <p:clrMapOvr>
     <a:masterClrMapping/>
